--- a/DockerSwarm/resources/doc/dev/activeeon-deploy-swarm-hdfs-spark.pptx
+++ b/DockerSwarm/resources/doc/dev/activeeon-deploy-swarm-hdfs-spark.pptx
@@ -2,7 +2,7 @@
 <file path=ppt/presentation.xml><?xml version="1.0" encoding="utf-8"?>
 <p:presentation xmlns:a="http://schemas.openxmlformats.org/drawingml/2006/main" xmlns:r="http://schemas.openxmlformats.org/officeDocument/2006/relationships" xmlns:mc="http://schemas.openxmlformats.org/markup-compatibility/2006" xmlns:mv="urn:schemas-microsoft-com:mac:vml" xmlns:p="http://schemas.openxmlformats.org/presentationml/2006/main" xmlns:c="http://schemas.openxmlformats.org/drawingml/2006/chart" xmlns:dgm="http://schemas.openxmlformats.org/drawingml/2006/diagram" xmlns:o="urn:schemas-microsoft-com:office:office" xmlns:v="urn:schemas-microsoft-com:vml" xmlns:pvml="urn:schemas-microsoft-com:office:powerpoint" xmlns:com="http://schemas.openxmlformats.org/drawingml/2006/compatibility" xmlns:p14="http://schemas.microsoft.com/office/powerpoint/2010/main" xmlns:p15="http://schemas.microsoft.com/office/powerpoint/2012/main" autoCompressPictures="0" embedTrueTypeFonts="1" strictFirstAndLastChars="0" saveSubsetFonts="1">
   <p:sldMasterIdLst>
-    <p:sldMasterId id="2147483658" r:id="rId3"/>
+    <p:sldMasterId id="2147483648" r:id="rId3"/>
   </p:sldMasterIdLst>
   <p:notesMasterIdLst>
     <p:notesMasterId r:id="rId4"/>
@@ -256,6 +256,11 @@
       </a:defRPr>
     </a:lvl9pPr>
   </p:defaultTextStyle>
+  <p:extLst>
+    <p:ext uri="http://customooxmlschemas.google.com/">
+      <go:slidesCustomData xmlns:go="http://customooxmlschemas.google.com/" r:id="rId16" roundtripDataSignature="AMtx7mg09KOErY20V7YZPs66We9ZRd710A=="/>
+    </p:ext>
+  </p:extLst>
 </p:presentation>
 </file>
 
@@ -344,7 +349,9 @@
           </a:ln>
         </p:spPr>
         <p:txBody>
-          <a:bodyPr anchorCtr="0" anchor="t" bIns="91425" lIns="91425" spcFirstLastPara="1" rIns="91425" wrap="square" tIns="91425"/>
+          <a:bodyPr anchorCtr="0" anchor="t" bIns="91425" lIns="91425" spcFirstLastPara="1" rIns="91425" wrap="square" tIns="91425">
+            <a:noAutofit/>
+          </a:bodyPr>
           <a:lstStyle>
             <a:lvl1pPr indent="-228600" lvl="0" marL="457200" marR="0" rtl="0" algn="l">
               <a:lnSpc>
@@ -356,9 +363,16 @@
               <a:spcAft>
                 <a:spcPts val="0"/>
               </a:spcAft>
-              <a:buSzPts val="1400"/>
+              <a:buClr>
+                <a:srgbClr val="000000"/>
+              </a:buClr>
+              <a:buSzPts val="1400"/>
+              <a:buFont typeface="Arial"/>
               <a:buNone/>
               <a:defRPr b="0" i="0" sz="1600" u="none" cap="none" strike="noStrike">
+                <a:solidFill>
+                  <a:srgbClr val="000000"/>
+                </a:solidFill>
                 <a:latin typeface="Avenir"/>
                 <a:ea typeface="Avenir"/>
                 <a:cs typeface="Avenir"/>
@@ -375,9 +389,16 @@
               <a:spcAft>
                 <a:spcPts val="0"/>
               </a:spcAft>
-              <a:buSzPts val="1400"/>
+              <a:buClr>
+                <a:srgbClr val="000000"/>
+              </a:buClr>
+              <a:buSzPts val="1400"/>
+              <a:buFont typeface="Arial"/>
               <a:buNone/>
               <a:defRPr b="0" i="0" sz="1600" u="none" cap="none" strike="noStrike">
+                <a:solidFill>
+                  <a:srgbClr val="000000"/>
+                </a:solidFill>
                 <a:latin typeface="Avenir"/>
                 <a:ea typeface="Avenir"/>
                 <a:cs typeface="Avenir"/>
@@ -394,9 +415,16 @@
               <a:spcAft>
                 <a:spcPts val="0"/>
               </a:spcAft>
-              <a:buSzPts val="1400"/>
+              <a:buClr>
+                <a:srgbClr val="000000"/>
+              </a:buClr>
+              <a:buSzPts val="1400"/>
+              <a:buFont typeface="Arial"/>
               <a:buNone/>
               <a:defRPr b="0" i="0" sz="1600" u="none" cap="none" strike="noStrike">
+                <a:solidFill>
+                  <a:srgbClr val="000000"/>
+                </a:solidFill>
                 <a:latin typeface="Avenir"/>
                 <a:ea typeface="Avenir"/>
                 <a:cs typeface="Avenir"/>
@@ -413,9 +441,16 @@
               <a:spcAft>
                 <a:spcPts val="0"/>
               </a:spcAft>
-              <a:buSzPts val="1400"/>
+              <a:buClr>
+                <a:srgbClr val="000000"/>
+              </a:buClr>
+              <a:buSzPts val="1400"/>
+              <a:buFont typeface="Arial"/>
               <a:buNone/>
               <a:defRPr b="0" i="0" sz="1600" u="none" cap="none" strike="noStrike">
+                <a:solidFill>
+                  <a:srgbClr val="000000"/>
+                </a:solidFill>
                 <a:latin typeface="Avenir"/>
                 <a:ea typeface="Avenir"/>
                 <a:cs typeface="Avenir"/>
@@ -432,9 +467,16 @@
               <a:spcAft>
                 <a:spcPts val="0"/>
               </a:spcAft>
-              <a:buSzPts val="1400"/>
+              <a:buClr>
+                <a:srgbClr val="000000"/>
+              </a:buClr>
+              <a:buSzPts val="1400"/>
+              <a:buFont typeface="Arial"/>
               <a:buNone/>
               <a:defRPr b="0" i="0" sz="1600" u="none" cap="none" strike="noStrike">
+                <a:solidFill>
+                  <a:srgbClr val="000000"/>
+                </a:solidFill>
                 <a:latin typeface="Avenir"/>
                 <a:ea typeface="Avenir"/>
                 <a:cs typeface="Avenir"/>
@@ -451,9 +493,16 @@
               <a:spcAft>
                 <a:spcPts val="0"/>
               </a:spcAft>
-              <a:buSzPts val="1400"/>
+              <a:buClr>
+                <a:srgbClr val="000000"/>
+              </a:buClr>
+              <a:buSzPts val="1400"/>
+              <a:buFont typeface="Arial"/>
               <a:buNone/>
               <a:defRPr b="0" i="0" sz="1600" u="none" cap="none" strike="noStrike">
+                <a:solidFill>
+                  <a:srgbClr val="000000"/>
+                </a:solidFill>
                 <a:latin typeface="Avenir"/>
                 <a:ea typeface="Avenir"/>
                 <a:cs typeface="Avenir"/>
@@ -470,9 +519,16 @@
               <a:spcAft>
                 <a:spcPts val="0"/>
               </a:spcAft>
-              <a:buSzPts val="1400"/>
+              <a:buClr>
+                <a:srgbClr val="000000"/>
+              </a:buClr>
+              <a:buSzPts val="1400"/>
+              <a:buFont typeface="Arial"/>
               <a:buNone/>
               <a:defRPr b="0" i="0" sz="1600" u="none" cap="none" strike="noStrike">
+                <a:solidFill>
+                  <a:srgbClr val="000000"/>
+                </a:solidFill>
                 <a:latin typeface="Avenir"/>
                 <a:ea typeface="Avenir"/>
                 <a:cs typeface="Avenir"/>
@@ -489,9 +545,16 @@
               <a:spcAft>
                 <a:spcPts val="0"/>
               </a:spcAft>
-              <a:buSzPts val="1400"/>
+              <a:buClr>
+                <a:srgbClr val="000000"/>
+              </a:buClr>
+              <a:buSzPts val="1400"/>
+              <a:buFont typeface="Arial"/>
               <a:buNone/>
               <a:defRPr b="0" i="0" sz="1600" u="none" cap="none" strike="noStrike">
+                <a:solidFill>
+                  <a:srgbClr val="000000"/>
+                </a:solidFill>
                 <a:latin typeface="Avenir"/>
                 <a:ea typeface="Avenir"/>
                 <a:cs typeface="Avenir"/>
@@ -508,9 +571,16 @@
               <a:spcAft>
                 <a:spcPts val="0"/>
               </a:spcAft>
-              <a:buSzPts val="1400"/>
+              <a:buClr>
+                <a:srgbClr val="000000"/>
+              </a:buClr>
+              <a:buSzPts val="1400"/>
+              <a:buFont typeface="Arial"/>
               <a:buNone/>
               <a:defRPr b="0" i="0" sz="1600" u="none" cap="none" strike="noStrike">
+                <a:solidFill>
+                  <a:srgbClr val="000000"/>
+                </a:solidFill>
                 <a:latin typeface="Avenir"/>
                 <a:ea typeface="Avenir"/>
                 <a:cs typeface="Avenir"/>
@@ -775,7 +845,7 @@
       </p:grpSpPr>
       <p:sp>
         <p:nvSpPr>
-          <p:cNvPr id="53" name="Google Shape;53;p4:notes"/>
+          <p:cNvPr id="53" name="Google Shape;53;p1:notes"/>
           <p:cNvSpPr txBox="1"/>
           <p:nvPr>
             <p:ph idx="1" type="body"/>
@@ -789,6 +859,10 @@
           <a:prstGeom prst="rect">
             <a:avLst/>
           </a:prstGeom>
+          <a:noFill/>
+          <a:ln>
+            <a:noFill/>
+          </a:ln>
         </p:spPr>
         <p:txBody>
           <a:bodyPr anchorCtr="0" anchor="t" bIns="91425" lIns="91425" spcFirstLastPara="1" rIns="91425" wrap="square" tIns="91425">
@@ -797,12 +871,16 @@
           <a:lstStyle/>
           <a:p>
             <a:pPr indent="0" lvl="0" marL="0" rtl="0" algn="l">
-              <a:spcBef>
-                <a:spcPts val="0"/>
-              </a:spcBef>
-              <a:spcAft>
-                <a:spcPts val="0"/>
-              </a:spcAft>
+              <a:lnSpc>
+                <a:spcPct val="125000"/>
+              </a:lnSpc>
+              <a:spcBef>
+                <a:spcPts val="0"/>
+              </a:spcBef>
+              <a:spcAft>
+                <a:spcPts val="0"/>
+              </a:spcAft>
+              <a:buSzPts val="1400"/>
               <a:buNone/>
             </a:pPr>
             <a:r>
@@ -814,7 +892,7 @@
       </p:sp>
       <p:sp>
         <p:nvSpPr>
-          <p:cNvPr id="54" name="Google Shape;54;p4:notes"/>
+          <p:cNvPr id="54" name="Google Shape;54;p1:notes"/>
           <p:cNvSpPr/>
           <p:nvPr>
             <p:ph idx="2" type="sldImg"/>
@@ -845,6 +923,10 @@
               </a:path>
             </a:pathLst>
           </a:custGeom>
+          <a:noFill/>
+          <a:ln>
+            <a:noFill/>
+          </a:ln>
         </p:spPr>
       </p:sp>
     </p:spTree>
@@ -874,7 +956,7 @@
       </p:grpSpPr>
       <p:sp>
         <p:nvSpPr>
-          <p:cNvPr id="58" name="Google Shape;58;p6:notes"/>
+          <p:cNvPr id="58" name="Google Shape;58;p2:notes"/>
           <p:cNvSpPr txBox="1"/>
           <p:nvPr>
             <p:ph idx="1" type="body"/>
@@ -888,6 +970,10 @@
           <a:prstGeom prst="rect">
             <a:avLst/>
           </a:prstGeom>
+          <a:noFill/>
+          <a:ln>
+            <a:noFill/>
+          </a:ln>
         </p:spPr>
         <p:txBody>
           <a:bodyPr anchorCtr="0" anchor="t" bIns="91425" lIns="91425" spcFirstLastPara="1" rIns="91425" wrap="square" tIns="91425">
@@ -896,12 +982,16 @@
           <a:lstStyle/>
           <a:p>
             <a:pPr indent="0" lvl="0" marL="0" rtl="0" algn="l">
-              <a:spcBef>
-                <a:spcPts val="0"/>
-              </a:spcBef>
-              <a:spcAft>
-                <a:spcPts val="0"/>
-              </a:spcAft>
+              <a:lnSpc>
+                <a:spcPct val="125000"/>
+              </a:lnSpc>
+              <a:spcBef>
+                <a:spcPts val="0"/>
+              </a:spcBef>
+              <a:spcAft>
+                <a:spcPts val="0"/>
+              </a:spcAft>
+              <a:buSzPts val="1400"/>
               <a:buNone/>
             </a:pPr>
             <a:r>
@@ -913,7 +1003,7 @@
       </p:sp>
       <p:sp>
         <p:nvSpPr>
-          <p:cNvPr id="59" name="Google Shape;59;p6:notes"/>
+          <p:cNvPr id="59" name="Google Shape;59;p2:notes"/>
           <p:cNvSpPr/>
           <p:nvPr>
             <p:ph idx="2" type="sldImg"/>
@@ -944,6 +1034,10 @@
               </a:path>
             </a:pathLst>
           </a:custGeom>
+          <a:noFill/>
+          <a:ln>
+            <a:noFill/>
+          </a:ln>
         </p:spPr>
       </p:sp>
     </p:spTree>
@@ -973,7 +1067,7 @@
       </p:grpSpPr>
       <p:sp>
         <p:nvSpPr>
-          <p:cNvPr id="64" name="Google Shape;64;g225fddc6eb_1_0:notes"/>
+          <p:cNvPr id="64" name="Google Shape;64;p3:notes"/>
           <p:cNvSpPr txBox="1"/>
           <p:nvPr>
             <p:ph idx="1" type="body"/>
@@ -987,6 +1081,10 @@
           <a:prstGeom prst="rect">
             <a:avLst/>
           </a:prstGeom>
+          <a:noFill/>
+          <a:ln>
+            <a:noFill/>
+          </a:ln>
         </p:spPr>
         <p:txBody>
           <a:bodyPr anchorCtr="0" anchor="t" bIns="91425" lIns="91425" spcFirstLastPara="1" rIns="91425" wrap="square" tIns="91425">
@@ -995,12 +1093,16 @@
           <a:lstStyle/>
           <a:p>
             <a:pPr indent="0" lvl="0" marL="0" rtl="0" algn="l">
-              <a:spcBef>
-                <a:spcPts val="0"/>
-              </a:spcBef>
-              <a:spcAft>
-                <a:spcPts val="0"/>
-              </a:spcAft>
+              <a:lnSpc>
+                <a:spcPct val="125000"/>
+              </a:lnSpc>
+              <a:spcBef>
+                <a:spcPts val="0"/>
+              </a:spcBef>
+              <a:spcAft>
+                <a:spcPts val="0"/>
+              </a:spcAft>
+              <a:buSzPts val="1400"/>
               <a:buNone/>
             </a:pPr>
             <a:r>
@@ -1012,7 +1114,7 @@
       </p:sp>
       <p:sp>
         <p:nvSpPr>
-          <p:cNvPr id="65" name="Google Shape;65;g225fddc6eb_1_0:notes"/>
+          <p:cNvPr id="65" name="Google Shape;65;p3:notes"/>
           <p:cNvSpPr/>
           <p:nvPr>
             <p:ph idx="2" type="sldImg"/>
@@ -1043,6 +1145,10 @@
               </a:path>
             </a:pathLst>
           </a:custGeom>
+          <a:noFill/>
+          <a:ln>
+            <a:noFill/>
+          </a:ln>
         </p:spPr>
       </p:sp>
     </p:spTree>
@@ -1072,7 +1178,7 @@
       </p:grpSpPr>
       <p:sp>
         <p:nvSpPr>
-          <p:cNvPr id="71" name="Google Shape;71;g225fddc6eb_1_15:notes"/>
+          <p:cNvPr id="71" name="Google Shape;71;p4:notes"/>
           <p:cNvSpPr txBox="1"/>
           <p:nvPr>
             <p:ph idx="1" type="body"/>
@@ -1086,6 +1192,10 @@
           <a:prstGeom prst="rect">
             <a:avLst/>
           </a:prstGeom>
+          <a:noFill/>
+          <a:ln>
+            <a:noFill/>
+          </a:ln>
         </p:spPr>
         <p:txBody>
           <a:bodyPr anchorCtr="0" anchor="t" bIns="91425" lIns="91425" spcFirstLastPara="1" rIns="91425" wrap="square" tIns="91425">
@@ -1094,12 +1204,16 @@
           <a:lstStyle/>
           <a:p>
             <a:pPr indent="0" lvl="0" marL="0" rtl="0" algn="l">
-              <a:spcBef>
-                <a:spcPts val="0"/>
-              </a:spcBef>
-              <a:spcAft>
-                <a:spcPts val="0"/>
-              </a:spcAft>
+              <a:lnSpc>
+                <a:spcPct val="125000"/>
+              </a:lnSpc>
+              <a:spcBef>
+                <a:spcPts val="0"/>
+              </a:spcBef>
+              <a:spcAft>
+                <a:spcPts val="0"/>
+              </a:spcAft>
+              <a:buSzPts val="1400"/>
               <a:buNone/>
             </a:pPr>
             <a:r>
@@ -1111,7 +1225,7 @@
       </p:sp>
       <p:sp>
         <p:nvSpPr>
-          <p:cNvPr id="72" name="Google Shape;72;g225fddc6eb_1_15:notes"/>
+          <p:cNvPr id="72" name="Google Shape;72;p4:notes"/>
           <p:cNvSpPr/>
           <p:nvPr>
             <p:ph idx="2" type="sldImg"/>
@@ -1142,6 +1256,10 @@
               </a:path>
             </a:pathLst>
           </a:custGeom>
+          <a:noFill/>
+          <a:ln>
+            <a:noFill/>
+          </a:ln>
         </p:spPr>
       </p:sp>
     </p:spTree>
@@ -1171,7 +1289,7 @@
       </p:grpSpPr>
       <p:sp>
         <p:nvSpPr>
-          <p:cNvPr id="78" name="Google Shape;78;g225fddc6eb_1_22:notes"/>
+          <p:cNvPr id="78" name="Google Shape;78;p5:notes"/>
           <p:cNvSpPr txBox="1"/>
           <p:nvPr>
             <p:ph idx="1" type="body"/>
@@ -1185,6 +1303,10 @@
           <a:prstGeom prst="rect">
             <a:avLst/>
           </a:prstGeom>
+          <a:noFill/>
+          <a:ln>
+            <a:noFill/>
+          </a:ln>
         </p:spPr>
         <p:txBody>
           <a:bodyPr anchorCtr="0" anchor="t" bIns="91425" lIns="91425" spcFirstLastPara="1" rIns="91425" wrap="square" tIns="91425">
@@ -1193,12 +1315,16 @@
           <a:lstStyle/>
           <a:p>
             <a:pPr indent="0" lvl="0" marL="0" rtl="0" algn="l">
-              <a:spcBef>
-                <a:spcPts val="0"/>
-              </a:spcBef>
-              <a:spcAft>
-                <a:spcPts val="0"/>
-              </a:spcAft>
+              <a:lnSpc>
+                <a:spcPct val="125000"/>
+              </a:lnSpc>
+              <a:spcBef>
+                <a:spcPts val="0"/>
+              </a:spcBef>
+              <a:spcAft>
+                <a:spcPts val="0"/>
+              </a:spcAft>
+              <a:buSzPts val="1400"/>
               <a:buNone/>
             </a:pPr>
             <a:r>
@@ -1210,7 +1336,7 @@
       </p:sp>
       <p:sp>
         <p:nvSpPr>
-          <p:cNvPr id="79" name="Google Shape;79;g225fddc6eb_1_22:notes"/>
+          <p:cNvPr id="79" name="Google Shape;79;p5:notes"/>
           <p:cNvSpPr/>
           <p:nvPr>
             <p:ph idx="2" type="sldImg"/>
@@ -1241,6 +1367,10 @@
               </a:path>
             </a:pathLst>
           </a:custGeom>
+          <a:noFill/>
+          <a:ln>
+            <a:noFill/>
+          </a:ln>
         </p:spPr>
       </p:sp>
     </p:spTree>
@@ -1270,7 +1400,7 @@
       </p:grpSpPr>
       <p:sp>
         <p:nvSpPr>
-          <p:cNvPr id="85" name="Google Shape;85;g225fddc6eb_1_29:notes"/>
+          <p:cNvPr id="85" name="Google Shape;85;p6:notes"/>
           <p:cNvSpPr txBox="1"/>
           <p:nvPr>
             <p:ph idx="1" type="body"/>
@@ -1284,6 +1414,10 @@
           <a:prstGeom prst="rect">
             <a:avLst/>
           </a:prstGeom>
+          <a:noFill/>
+          <a:ln>
+            <a:noFill/>
+          </a:ln>
         </p:spPr>
         <p:txBody>
           <a:bodyPr anchorCtr="0" anchor="t" bIns="91425" lIns="91425" spcFirstLastPara="1" rIns="91425" wrap="square" tIns="91425">
@@ -1292,12 +1426,16 @@
           <a:lstStyle/>
           <a:p>
             <a:pPr indent="0" lvl="0" marL="0" rtl="0" algn="l">
-              <a:spcBef>
-                <a:spcPts val="0"/>
-              </a:spcBef>
-              <a:spcAft>
-                <a:spcPts val="0"/>
-              </a:spcAft>
+              <a:lnSpc>
+                <a:spcPct val="125000"/>
+              </a:lnSpc>
+              <a:spcBef>
+                <a:spcPts val="0"/>
+              </a:spcBef>
+              <a:spcAft>
+                <a:spcPts val="0"/>
+              </a:spcAft>
+              <a:buSzPts val="1400"/>
               <a:buNone/>
             </a:pPr>
             <a:r>
@@ -1309,7 +1447,7 @@
       </p:sp>
       <p:sp>
         <p:nvSpPr>
-          <p:cNvPr id="86" name="Google Shape;86;g225fddc6eb_1_29:notes"/>
+          <p:cNvPr id="86" name="Google Shape;86;p6:notes"/>
           <p:cNvSpPr/>
           <p:nvPr>
             <p:ph idx="2" type="sldImg"/>
@@ -1340,6 +1478,10 @@
               </a:path>
             </a:pathLst>
           </a:custGeom>
+          <a:noFill/>
+          <a:ln>
+            <a:noFill/>
+          </a:ln>
         </p:spPr>
       </p:sp>
     </p:spTree>
@@ -1369,7 +1511,7 @@
       </p:grpSpPr>
       <p:sp>
         <p:nvSpPr>
-          <p:cNvPr id="92" name="Google Shape;92;g343363b963_1_3:notes"/>
+          <p:cNvPr id="92" name="Google Shape;92;p7:notes"/>
           <p:cNvSpPr txBox="1"/>
           <p:nvPr>
             <p:ph idx="1" type="body"/>
@@ -1383,6 +1525,10 @@
           <a:prstGeom prst="rect">
             <a:avLst/>
           </a:prstGeom>
+          <a:noFill/>
+          <a:ln>
+            <a:noFill/>
+          </a:ln>
         </p:spPr>
         <p:txBody>
           <a:bodyPr anchorCtr="0" anchor="t" bIns="91425" lIns="91425" spcFirstLastPara="1" rIns="91425" wrap="square" tIns="91425">
@@ -1391,12 +1537,16 @@
           <a:lstStyle/>
           <a:p>
             <a:pPr indent="0" lvl="0" marL="0" rtl="0" algn="l">
-              <a:spcBef>
-                <a:spcPts val="0"/>
-              </a:spcBef>
-              <a:spcAft>
-                <a:spcPts val="0"/>
-              </a:spcAft>
+              <a:lnSpc>
+                <a:spcPct val="125000"/>
+              </a:lnSpc>
+              <a:spcBef>
+                <a:spcPts val="0"/>
+              </a:spcBef>
+              <a:spcAft>
+                <a:spcPts val="0"/>
+              </a:spcAft>
+              <a:buSzPts val="1400"/>
               <a:buNone/>
             </a:pPr>
             <a:r>
@@ -1408,7 +1558,7 @@
       </p:sp>
       <p:sp>
         <p:nvSpPr>
-          <p:cNvPr id="93" name="Google Shape;93;g343363b963_1_3:notes"/>
+          <p:cNvPr id="93" name="Google Shape;93;p7:notes"/>
           <p:cNvSpPr/>
           <p:nvPr>
             <p:ph idx="2" type="sldImg"/>
@@ -1439,6 +1589,10 @@
               </a:path>
             </a:pathLst>
           </a:custGeom>
+          <a:noFill/>
+          <a:ln>
+            <a:noFill/>
+          </a:ln>
         </p:spPr>
       </p:sp>
     </p:spTree>
@@ -1468,7 +1622,7 @@
       </p:grpSpPr>
       <p:sp>
         <p:nvSpPr>
-          <p:cNvPr id="7" name="Google Shape;7;p2"/>
+          <p:cNvPr id="7" name="Google Shape;7;p9"/>
           <p:cNvSpPr txBox="1"/>
           <p:nvPr>
             <p:ph type="ctrTitle"/>
@@ -1488,9 +1642,14 @@
           </a:ln>
         </p:spPr>
         <p:txBody>
-          <a:bodyPr anchorCtr="0" anchor="t" bIns="91425" lIns="91425" spcFirstLastPara="1" rIns="91425" wrap="square" tIns="91425"/>
+          <a:bodyPr anchorCtr="0" anchor="t" bIns="91425" lIns="91425" spcFirstLastPara="1" rIns="91425" wrap="square" tIns="91425">
+            <a:noAutofit/>
+          </a:bodyPr>
           <a:lstStyle>
-            <a:lvl1pPr indent="0" lvl="0" marL="0" marR="0" rtl="0" algn="l">
+            <a:lvl1pPr lvl="0" marR="0" rtl="0" algn="l">
+              <a:lnSpc>
+                <a:spcPct val="100000"/>
+              </a:lnSpc>
               <a:spcBef>
                 <a:spcPts val="0"/>
               </a:spcBef>
@@ -1513,93 +1672,213 @@
                 <a:sym typeface="Helvetica Neue"/>
               </a:defRPr>
             </a:lvl1pPr>
-            <a:lvl2pPr indent="0" lvl="1">
-              <a:spcBef>
-                <a:spcPts val="0"/>
-              </a:spcBef>
-              <a:spcAft>
-                <a:spcPts val="0"/>
-              </a:spcAft>
-              <a:buSzPts val="1400"/>
-              <a:buNone/>
-              <a:defRPr sz="1800"/>
+            <a:lvl2pPr lvl="1" marR="0" rtl="0" algn="l">
+              <a:lnSpc>
+                <a:spcPct val="100000"/>
+              </a:lnSpc>
+              <a:spcBef>
+                <a:spcPts val="0"/>
+              </a:spcBef>
+              <a:spcAft>
+                <a:spcPts val="0"/>
+              </a:spcAft>
+              <a:buClr>
+                <a:srgbClr val="000000"/>
+              </a:buClr>
+              <a:buSzPts val="1400"/>
+              <a:buFont typeface="Arial"/>
+              <a:buNone/>
+              <a:defRPr b="0" i="0" sz="1800" u="none" cap="none" strike="noStrike">
+                <a:solidFill>
+                  <a:srgbClr val="000000"/>
+                </a:solidFill>
+                <a:latin typeface="Arial"/>
+                <a:ea typeface="Arial"/>
+                <a:cs typeface="Arial"/>
+                <a:sym typeface="Arial"/>
+              </a:defRPr>
             </a:lvl2pPr>
-            <a:lvl3pPr indent="0" lvl="2">
-              <a:spcBef>
-                <a:spcPts val="0"/>
-              </a:spcBef>
-              <a:spcAft>
-                <a:spcPts val="0"/>
-              </a:spcAft>
-              <a:buSzPts val="1400"/>
-              <a:buNone/>
-              <a:defRPr sz="1800"/>
+            <a:lvl3pPr lvl="2" marR="0" rtl="0" algn="l">
+              <a:lnSpc>
+                <a:spcPct val="100000"/>
+              </a:lnSpc>
+              <a:spcBef>
+                <a:spcPts val="0"/>
+              </a:spcBef>
+              <a:spcAft>
+                <a:spcPts val="0"/>
+              </a:spcAft>
+              <a:buClr>
+                <a:srgbClr val="000000"/>
+              </a:buClr>
+              <a:buSzPts val="1400"/>
+              <a:buFont typeface="Arial"/>
+              <a:buNone/>
+              <a:defRPr b="0" i="0" sz="1800" u="none" cap="none" strike="noStrike">
+                <a:solidFill>
+                  <a:srgbClr val="000000"/>
+                </a:solidFill>
+                <a:latin typeface="Arial"/>
+                <a:ea typeface="Arial"/>
+                <a:cs typeface="Arial"/>
+                <a:sym typeface="Arial"/>
+              </a:defRPr>
             </a:lvl3pPr>
-            <a:lvl4pPr indent="0" lvl="3">
-              <a:spcBef>
-                <a:spcPts val="0"/>
-              </a:spcBef>
-              <a:spcAft>
-                <a:spcPts val="0"/>
-              </a:spcAft>
-              <a:buSzPts val="1400"/>
-              <a:buNone/>
-              <a:defRPr sz="1800"/>
+            <a:lvl4pPr lvl="3" marR="0" rtl="0" algn="l">
+              <a:lnSpc>
+                <a:spcPct val="100000"/>
+              </a:lnSpc>
+              <a:spcBef>
+                <a:spcPts val="0"/>
+              </a:spcBef>
+              <a:spcAft>
+                <a:spcPts val="0"/>
+              </a:spcAft>
+              <a:buClr>
+                <a:srgbClr val="000000"/>
+              </a:buClr>
+              <a:buSzPts val="1400"/>
+              <a:buFont typeface="Arial"/>
+              <a:buNone/>
+              <a:defRPr b="0" i="0" sz="1800" u="none" cap="none" strike="noStrike">
+                <a:solidFill>
+                  <a:srgbClr val="000000"/>
+                </a:solidFill>
+                <a:latin typeface="Arial"/>
+                <a:ea typeface="Arial"/>
+                <a:cs typeface="Arial"/>
+                <a:sym typeface="Arial"/>
+              </a:defRPr>
             </a:lvl4pPr>
-            <a:lvl5pPr indent="0" lvl="4">
-              <a:spcBef>
-                <a:spcPts val="0"/>
-              </a:spcBef>
-              <a:spcAft>
-                <a:spcPts val="0"/>
-              </a:spcAft>
-              <a:buSzPts val="1400"/>
-              <a:buNone/>
-              <a:defRPr sz="1800"/>
+            <a:lvl5pPr lvl="4" marR="0" rtl="0" algn="l">
+              <a:lnSpc>
+                <a:spcPct val="100000"/>
+              </a:lnSpc>
+              <a:spcBef>
+                <a:spcPts val="0"/>
+              </a:spcBef>
+              <a:spcAft>
+                <a:spcPts val="0"/>
+              </a:spcAft>
+              <a:buClr>
+                <a:srgbClr val="000000"/>
+              </a:buClr>
+              <a:buSzPts val="1400"/>
+              <a:buFont typeface="Arial"/>
+              <a:buNone/>
+              <a:defRPr b="0" i="0" sz="1800" u="none" cap="none" strike="noStrike">
+                <a:solidFill>
+                  <a:srgbClr val="000000"/>
+                </a:solidFill>
+                <a:latin typeface="Arial"/>
+                <a:ea typeface="Arial"/>
+                <a:cs typeface="Arial"/>
+                <a:sym typeface="Arial"/>
+              </a:defRPr>
             </a:lvl5pPr>
-            <a:lvl6pPr indent="0" lvl="5">
-              <a:spcBef>
-                <a:spcPts val="0"/>
-              </a:spcBef>
-              <a:spcAft>
-                <a:spcPts val="0"/>
-              </a:spcAft>
-              <a:buSzPts val="1400"/>
-              <a:buNone/>
-              <a:defRPr sz="1800"/>
+            <a:lvl6pPr lvl="5" marR="0" rtl="0" algn="l">
+              <a:lnSpc>
+                <a:spcPct val="100000"/>
+              </a:lnSpc>
+              <a:spcBef>
+                <a:spcPts val="0"/>
+              </a:spcBef>
+              <a:spcAft>
+                <a:spcPts val="0"/>
+              </a:spcAft>
+              <a:buClr>
+                <a:srgbClr val="000000"/>
+              </a:buClr>
+              <a:buSzPts val="1400"/>
+              <a:buFont typeface="Arial"/>
+              <a:buNone/>
+              <a:defRPr b="0" i="0" sz="1800" u="none" cap="none" strike="noStrike">
+                <a:solidFill>
+                  <a:srgbClr val="000000"/>
+                </a:solidFill>
+                <a:latin typeface="Arial"/>
+                <a:ea typeface="Arial"/>
+                <a:cs typeface="Arial"/>
+                <a:sym typeface="Arial"/>
+              </a:defRPr>
             </a:lvl6pPr>
-            <a:lvl7pPr indent="0" lvl="6">
-              <a:spcBef>
-                <a:spcPts val="0"/>
-              </a:spcBef>
-              <a:spcAft>
-                <a:spcPts val="0"/>
-              </a:spcAft>
-              <a:buSzPts val="1400"/>
-              <a:buNone/>
-              <a:defRPr sz="1800"/>
+            <a:lvl7pPr lvl="6" marR="0" rtl="0" algn="l">
+              <a:lnSpc>
+                <a:spcPct val="100000"/>
+              </a:lnSpc>
+              <a:spcBef>
+                <a:spcPts val="0"/>
+              </a:spcBef>
+              <a:spcAft>
+                <a:spcPts val="0"/>
+              </a:spcAft>
+              <a:buClr>
+                <a:srgbClr val="000000"/>
+              </a:buClr>
+              <a:buSzPts val="1400"/>
+              <a:buFont typeface="Arial"/>
+              <a:buNone/>
+              <a:defRPr b="0" i="0" sz="1800" u="none" cap="none" strike="noStrike">
+                <a:solidFill>
+                  <a:srgbClr val="000000"/>
+                </a:solidFill>
+                <a:latin typeface="Arial"/>
+                <a:ea typeface="Arial"/>
+                <a:cs typeface="Arial"/>
+                <a:sym typeface="Arial"/>
+              </a:defRPr>
             </a:lvl7pPr>
-            <a:lvl8pPr indent="0" lvl="7">
-              <a:spcBef>
-                <a:spcPts val="0"/>
-              </a:spcBef>
-              <a:spcAft>
-                <a:spcPts val="0"/>
-              </a:spcAft>
-              <a:buSzPts val="1400"/>
-              <a:buNone/>
-              <a:defRPr sz="1800"/>
+            <a:lvl8pPr lvl="7" marR="0" rtl="0" algn="l">
+              <a:lnSpc>
+                <a:spcPct val="100000"/>
+              </a:lnSpc>
+              <a:spcBef>
+                <a:spcPts val="0"/>
+              </a:spcBef>
+              <a:spcAft>
+                <a:spcPts val="0"/>
+              </a:spcAft>
+              <a:buClr>
+                <a:srgbClr val="000000"/>
+              </a:buClr>
+              <a:buSzPts val="1400"/>
+              <a:buFont typeface="Arial"/>
+              <a:buNone/>
+              <a:defRPr b="0" i="0" sz="1800" u="none" cap="none" strike="noStrike">
+                <a:solidFill>
+                  <a:srgbClr val="000000"/>
+                </a:solidFill>
+                <a:latin typeface="Arial"/>
+                <a:ea typeface="Arial"/>
+                <a:cs typeface="Arial"/>
+                <a:sym typeface="Arial"/>
+              </a:defRPr>
             </a:lvl8pPr>
-            <a:lvl9pPr indent="0" lvl="8">
-              <a:spcBef>
-                <a:spcPts val="0"/>
-              </a:spcBef>
-              <a:spcAft>
-                <a:spcPts val="0"/>
-              </a:spcAft>
-              <a:buSzPts val="1400"/>
-              <a:buNone/>
-              <a:defRPr sz="1800"/>
+            <a:lvl9pPr lvl="8" marR="0" rtl="0" algn="l">
+              <a:lnSpc>
+                <a:spcPct val="100000"/>
+              </a:lnSpc>
+              <a:spcBef>
+                <a:spcPts val="0"/>
+              </a:spcBef>
+              <a:spcAft>
+                <a:spcPts val="0"/>
+              </a:spcAft>
+              <a:buClr>
+                <a:srgbClr val="000000"/>
+              </a:buClr>
+              <a:buSzPts val="1400"/>
+              <a:buFont typeface="Arial"/>
+              <a:buNone/>
+              <a:defRPr b="0" i="0" sz="1800" u="none" cap="none" strike="noStrike">
+                <a:solidFill>
+                  <a:srgbClr val="000000"/>
+                </a:solidFill>
+                <a:latin typeface="Arial"/>
+                <a:ea typeface="Arial"/>
+                <a:cs typeface="Arial"/>
+                <a:sym typeface="Arial"/>
+              </a:defRPr>
             </a:lvl9pPr>
           </a:lstStyle>
           <a:p/>
@@ -1607,7 +1886,7 @@
       </p:sp>
       <p:sp>
         <p:nvSpPr>
-          <p:cNvPr id="8" name="Google Shape;8;p2"/>
+          <p:cNvPr id="8" name="Google Shape;8;p9"/>
           <p:cNvSpPr txBox="1"/>
           <p:nvPr>
             <p:ph idx="1" type="subTitle"/>
@@ -1627,9 +1906,14 @@
           </a:ln>
         </p:spPr>
         <p:txBody>
-          <a:bodyPr anchorCtr="0" anchor="t" bIns="91425" lIns="91425" spcFirstLastPara="1" rIns="91425" wrap="square" tIns="91425"/>
+          <a:bodyPr anchorCtr="0" anchor="t" bIns="91425" lIns="91425" spcFirstLastPara="1" rIns="91425" wrap="square" tIns="91425">
+            <a:noAutofit/>
+          </a:bodyPr>
           <a:lstStyle>
-            <a:lvl1pPr indent="0" lvl="0" marL="0" marR="0" rtl="0" algn="l">
+            <a:lvl1pPr lvl="0" marR="0" rtl="0" algn="l">
+              <a:lnSpc>
+                <a:spcPct val="100000"/>
+              </a:lnSpc>
               <a:spcBef>
                 <a:spcPts val="920"/>
               </a:spcBef>
@@ -1652,7 +1936,10 @@
                 <a:sym typeface="Helvetica Neue"/>
               </a:defRPr>
             </a:lvl1pPr>
-            <a:lvl2pPr indent="-2295" lvl="1" marL="649995" marR="0" rtl="0" algn="ctr">
+            <a:lvl2pPr lvl="1" marR="0" rtl="0" algn="ctr">
+              <a:lnSpc>
+                <a:spcPct val="100000"/>
+              </a:lnSpc>
               <a:spcBef>
                 <a:spcPts val="800"/>
               </a:spcBef>
@@ -1675,7 +1962,10 @@
                 <a:sym typeface="Arial"/>
               </a:defRPr>
             </a:lvl2pPr>
-            <a:lvl3pPr indent="-4591" lvl="2" marL="1299992" marR="0" rtl="0" algn="ctr">
+            <a:lvl3pPr lvl="2" marR="0" rtl="0" algn="ctr">
+              <a:lnSpc>
+                <a:spcPct val="100000"/>
+              </a:lnSpc>
               <a:spcBef>
                 <a:spcPts val="680"/>
               </a:spcBef>
@@ -1698,7 +1988,10 @@
                 <a:sym typeface="Arial"/>
               </a:defRPr>
             </a:lvl3pPr>
-            <a:lvl4pPr indent="-6892" lvl="3" marL="1949993" marR="0" rtl="0" algn="ctr">
+            <a:lvl4pPr lvl="3" marR="0" rtl="0" algn="ctr">
+              <a:lnSpc>
+                <a:spcPct val="100000"/>
+              </a:lnSpc>
               <a:spcBef>
                 <a:spcPts val="560"/>
               </a:spcBef>
@@ -1721,7 +2014,10 @@
                 <a:sym typeface="Arial"/>
               </a:defRPr>
             </a:lvl4pPr>
-            <a:lvl5pPr indent="-9188" lvl="4" marL="2599989" marR="0" rtl="0" algn="ctr">
+            <a:lvl5pPr lvl="4" marR="0" rtl="0" algn="ctr">
+              <a:lnSpc>
+                <a:spcPct val="100000"/>
+              </a:lnSpc>
               <a:spcBef>
                 <a:spcPts val="560"/>
               </a:spcBef>
@@ -1744,7 +2040,10 @@
                 <a:sym typeface="Arial"/>
               </a:defRPr>
             </a:lvl5pPr>
-            <a:lvl6pPr indent="-11483" lvl="5" marL="3249984" marR="0" rtl="0" algn="ctr">
+            <a:lvl6pPr lvl="5" marR="0" rtl="0" algn="ctr">
+              <a:lnSpc>
+                <a:spcPct val="100000"/>
+              </a:lnSpc>
               <a:spcBef>
                 <a:spcPts val="560"/>
               </a:spcBef>
@@ -1767,7 +2066,10 @@
                 <a:sym typeface="Arial"/>
               </a:defRPr>
             </a:lvl6pPr>
-            <a:lvl7pPr indent="-1084" lvl="6" marL="3899984" marR="0" rtl="0" algn="ctr">
+            <a:lvl7pPr lvl="6" marR="0" rtl="0" algn="ctr">
+              <a:lnSpc>
+                <a:spcPct val="100000"/>
+              </a:lnSpc>
               <a:spcBef>
                 <a:spcPts val="560"/>
               </a:spcBef>
@@ -1790,7 +2092,10 @@
                 <a:sym typeface="Arial"/>
               </a:defRPr>
             </a:lvl7pPr>
-            <a:lvl8pPr indent="-3376" lvl="7" marL="4549976" marR="0" rtl="0" algn="ctr">
+            <a:lvl8pPr lvl="7" marR="0" rtl="0" algn="ctr">
+              <a:lnSpc>
+                <a:spcPct val="100000"/>
+              </a:lnSpc>
               <a:spcBef>
                 <a:spcPts val="560"/>
               </a:spcBef>
@@ -1813,7 +2118,10 @@
                 <a:sym typeface="Arial"/>
               </a:defRPr>
             </a:lvl8pPr>
-            <a:lvl9pPr indent="-5677" lvl="8" marL="5199977" marR="0" rtl="0" algn="ctr">
+            <a:lvl9pPr lvl="8" marR="0" rtl="0" algn="ctr">
+              <a:lnSpc>
+                <a:spcPct val="100000"/>
+              </a:lnSpc>
               <a:spcBef>
                 <a:spcPts val="560"/>
               </a:spcBef>
@@ -1842,7 +2150,7 @@
       </p:sp>
       <p:cxnSp>
         <p:nvCxnSpPr>
-          <p:cNvPr id="9" name="Google Shape;9;p2"/>
+          <p:cNvPr id="9" name="Google Shape;9;p9"/>
           <p:cNvCxnSpPr/>
           <p:nvPr/>
         </p:nvCxnSpPr>
@@ -1868,7 +2176,7 @@
       </p:cxnSp>
       <p:pic>
         <p:nvPicPr>
-          <p:cNvPr descr="activeeon-white.pdf" id="10" name="Google Shape;10;p2"/>
+          <p:cNvPr descr="activeeon-white.pdf" id="10" name="Google Shape;10;p9"/>
           <p:cNvPicPr preferRelativeResize="0"/>
           <p:nvPr/>
         </p:nvPicPr>
@@ -1920,7 +2228,7 @@
       </p:grpSpPr>
       <p:sp>
         <p:nvSpPr>
-          <p:cNvPr id="48" name="Google Shape;48;p11"/>
+          <p:cNvPr id="48" name="Google Shape;48;p18"/>
           <p:cNvSpPr txBox="1"/>
           <p:nvPr/>
         </p:nvSpPr>
@@ -1944,16 +2252,24 @@
           <a:lstStyle/>
           <a:p>
             <a:pPr indent="0" lvl="0" marL="0" marR="0" rtl="0" algn="ctr">
-              <a:spcBef>
-                <a:spcPts val="0"/>
-              </a:spcBef>
-              <a:spcAft>
-                <a:spcPts val="0"/>
-              </a:spcAft>
+              <a:lnSpc>
+                <a:spcPct val="100000"/>
+              </a:lnSpc>
+              <a:spcBef>
+                <a:spcPts val="0"/>
+              </a:spcBef>
+              <a:spcAft>
+                <a:spcPts val="0"/>
+              </a:spcAft>
+              <a:buClr>
+                <a:srgbClr val="000000"/>
+              </a:buClr>
+              <a:buSzPts val="1700"/>
+              <a:buFont typeface="Arial"/>
               <a:buNone/>
             </a:pPr>
             <a:fld id="{00000000-1234-1234-1234-123412341234}" type="slidenum">
-              <a:rPr lang="en-US" sz="1700">
+              <a:rPr b="0" i="0" lang="en-US" sz="1700" u="none" cap="none" strike="noStrike">
                 <a:solidFill>
                   <a:schemeClr val="lt1"/>
                 </a:solidFill>
@@ -1964,7 +2280,7 @@
               </a:rPr>
               <a:t>‹#›</a:t>
             </a:fld>
-            <a:endParaRPr sz="1700">
+            <a:endParaRPr b="0" i="0" sz="1700" u="none" cap="none" strike="noStrike">
               <a:solidFill>
                 <a:schemeClr val="lt1"/>
               </a:solidFill>
@@ -1978,7 +2294,7 @@
       </p:sp>
       <p:sp>
         <p:nvSpPr>
-          <p:cNvPr id="49" name="Google Shape;49;p11"/>
+          <p:cNvPr id="49" name="Google Shape;49;p18"/>
           <p:cNvSpPr txBox="1"/>
           <p:nvPr>
             <p:ph idx="1" type="body"/>
@@ -1998,9 +2314,14 @@
           </a:ln>
         </p:spPr>
         <p:txBody>
-          <a:bodyPr anchorCtr="0" anchor="t" bIns="91425" lIns="91425" spcFirstLastPara="1" rIns="91425" wrap="square" tIns="91425"/>
+          <a:bodyPr anchorCtr="0" anchor="t" bIns="91425" lIns="91425" spcFirstLastPara="1" rIns="91425" wrap="square" tIns="91425">
+            <a:noAutofit/>
+          </a:bodyPr>
           <a:lstStyle>
             <a:lvl1pPr indent="-520700" lvl="0" marL="457200" marR="0" rtl="0" algn="l">
+              <a:lnSpc>
+                <a:spcPct val="100000"/>
+              </a:lnSpc>
               <a:spcBef>
                 <a:spcPts val="920"/>
               </a:spcBef>
@@ -2024,6 +2345,9 @@
               </a:defRPr>
             </a:lvl1pPr>
             <a:lvl2pPr indent="-482600" lvl="1" marL="914400" marR="0" rtl="0" algn="l">
+              <a:lnSpc>
+                <a:spcPct val="100000"/>
+              </a:lnSpc>
               <a:spcBef>
                 <a:spcPts val="800"/>
               </a:spcBef>
@@ -2047,6 +2371,9 @@
               </a:defRPr>
             </a:lvl2pPr>
             <a:lvl3pPr indent="-444500" lvl="2" marL="1371600" marR="0" rtl="0" algn="l">
+              <a:lnSpc>
+                <a:spcPct val="100000"/>
+              </a:lnSpc>
               <a:spcBef>
                 <a:spcPts val="680"/>
               </a:spcBef>
@@ -2070,6 +2397,9 @@
               </a:defRPr>
             </a:lvl3pPr>
             <a:lvl4pPr indent="-406400" lvl="3" marL="1828800" marR="0" rtl="0" algn="l">
+              <a:lnSpc>
+                <a:spcPct val="100000"/>
+              </a:lnSpc>
               <a:spcBef>
                 <a:spcPts val="560"/>
               </a:spcBef>
@@ -2093,6 +2423,9 @@
               </a:defRPr>
             </a:lvl4pPr>
             <a:lvl5pPr indent="-406400" lvl="4" marL="2286000" marR="0" rtl="0" algn="l">
+              <a:lnSpc>
+                <a:spcPct val="100000"/>
+              </a:lnSpc>
               <a:spcBef>
                 <a:spcPts val="560"/>
               </a:spcBef>
@@ -2116,6 +2449,9 @@
               </a:defRPr>
             </a:lvl5pPr>
             <a:lvl6pPr indent="-406400" lvl="5" marL="2743200" marR="0" rtl="0" algn="l">
+              <a:lnSpc>
+                <a:spcPct val="100000"/>
+              </a:lnSpc>
               <a:spcBef>
                 <a:spcPts val="560"/>
               </a:spcBef>
@@ -2139,6 +2475,9 @@
               </a:defRPr>
             </a:lvl6pPr>
             <a:lvl7pPr indent="-406400" lvl="6" marL="3200400" marR="0" rtl="0" algn="l">
+              <a:lnSpc>
+                <a:spcPct val="100000"/>
+              </a:lnSpc>
               <a:spcBef>
                 <a:spcPts val="560"/>
               </a:spcBef>
@@ -2162,6 +2501,9 @@
               </a:defRPr>
             </a:lvl7pPr>
             <a:lvl8pPr indent="-406400" lvl="7" marL="3657600" marR="0" rtl="0" algn="l">
+              <a:lnSpc>
+                <a:spcPct val="100000"/>
+              </a:lnSpc>
               <a:spcBef>
                 <a:spcPts val="560"/>
               </a:spcBef>
@@ -2185,6 +2527,9 @@
               </a:defRPr>
             </a:lvl8pPr>
             <a:lvl9pPr indent="-406400" lvl="8" marL="4114800" marR="0" rtl="0" algn="l">
+              <a:lnSpc>
+                <a:spcPct val="100000"/>
+              </a:lnSpc>
               <a:spcBef>
                 <a:spcPts val="560"/>
               </a:spcBef>
@@ -2213,7 +2558,7 @@
       </p:sp>
       <p:sp>
         <p:nvSpPr>
-          <p:cNvPr id="50" name="Google Shape;50;p11"/>
+          <p:cNvPr id="50" name="Google Shape;50;p18"/>
           <p:cNvSpPr txBox="1"/>
           <p:nvPr>
             <p:ph type="title"/>
@@ -2233,9 +2578,14 @@
           </a:ln>
         </p:spPr>
         <p:txBody>
-          <a:bodyPr anchorCtr="0" anchor="t" bIns="91425" lIns="91425" spcFirstLastPara="1" rIns="91425" wrap="square" tIns="91425"/>
+          <a:bodyPr anchorCtr="0" anchor="t" bIns="91425" lIns="91425" spcFirstLastPara="1" rIns="91425" wrap="square" tIns="91425">
+            <a:noAutofit/>
+          </a:bodyPr>
           <a:lstStyle>
-            <a:lvl1pPr indent="0" lvl="0" marL="0" marR="0" rtl="0" algn="ctr">
+            <a:lvl1pPr lvl="0" marR="0" rtl="0" algn="ctr">
+              <a:lnSpc>
+                <a:spcPct val="100000"/>
+              </a:lnSpc>
               <a:spcBef>
                 <a:spcPts val="0"/>
               </a:spcBef>
@@ -2258,93 +2608,213 @@
                 <a:sym typeface="Arial"/>
               </a:defRPr>
             </a:lvl1pPr>
-            <a:lvl2pPr indent="0" lvl="1">
-              <a:spcBef>
-                <a:spcPts val="0"/>
-              </a:spcBef>
-              <a:spcAft>
-                <a:spcPts val="0"/>
-              </a:spcAft>
-              <a:buSzPts val="1400"/>
-              <a:buNone/>
-              <a:defRPr sz="1800"/>
+            <a:lvl2pPr lvl="1" marR="0" rtl="0" algn="l">
+              <a:lnSpc>
+                <a:spcPct val="100000"/>
+              </a:lnSpc>
+              <a:spcBef>
+                <a:spcPts val="0"/>
+              </a:spcBef>
+              <a:spcAft>
+                <a:spcPts val="0"/>
+              </a:spcAft>
+              <a:buClr>
+                <a:srgbClr val="000000"/>
+              </a:buClr>
+              <a:buSzPts val="1400"/>
+              <a:buFont typeface="Arial"/>
+              <a:buNone/>
+              <a:defRPr b="0" i="0" sz="1800" u="none" cap="none" strike="noStrike">
+                <a:solidFill>
+                  <a:srgbClr val="000000"/>
+                </a:solidFill>
+                <a:latin typeface="Arial"/>
+                <a:ea typeface="Arial"/>
+                <a:cs typeface="Arial"/>
+                <a:sym typeface="Arial"/>
+              </a:defRPr>
             </a:lvl2pPr>
-            <a:lvl3pPr indent="0" lvl="2">
-              <a:spcBef>
-                <a:spcPts val="0"/>
-              </a:spcBef>
-              <a:spcAft>
-                <a:spcPts val="0"/>
-              </a:spcAft>
-              <a:buSzPts val="1400"/>
-              <a:buNone/>
-              <a:defRPr sz="1800"/>
+            <a:lvl3pPr lvl="2" marR="0" rtl="0" algn="l">
+              <a:lnSpc>
+                <a:spcPct val="100000"/>
+              </a:lnSpc>
+              <a:spcBef>
+                <a:spcPts val="0"/>
+              </a:spcBef>
+              <a:spcAft>
+                <a:spcPts val="0"/>
+              </a:spcAft>
+              <a:buClr>
+                <a:srgbClr val="000000"/>
+              </a:buClr>
+              <a:buSzPts val="1400"/>
+              <a:buFont typeface="Arial"/>
+              <a:buNone/>
+              <a:defRPr b="0" i="0" sz="1800" u="none" cap="none" strike="noStrike">
+                <a:solidFill>
+                  <a:srgbClr val="000000"/>
+                </a:solidFill>
+                <a:latin typeface="Arial"/>
+                <a:ea typeface="Arial"/>
+                <a:cs typeface="Arial"/>
+                <a:sym typeface="Arial"/>
+              </a:defRPr>
             </a:lvl3pPr>
-            <a:lvl4pPr indent="0" lvl="3">
-              <a:spcBef>
-                <a:spcPts val="0"/>
-              </a:spcBef>
-              <a:spcAft>
-                <a:spcPts val="0"/>
-              </a:spcAft>
-              <a:buSzPts val="1400"/>
-              <a:buNone/>
-              <a:defRPr sz="1800"/>
+            <a:lvl4pPr lvl="3" marR="0" rtl="0" algn="l">
+              <a:lnSpc>
+                <a:spcPct val="100000"/>
+              </a:lnSpc>
+              <a:spcBef>
+                <a:spcPts val="0"/>
+              </a:spcBef>
+              <a:spcAft>
+                <a:spcPts val="0"/>
+              </a:spcAft>
+              <a:buClr>
+                <a:srgbClr val="000000"/>
+              </a:buClr>
+              <a:buSzPts val="1400"/>
+              <a:buFont typeface="Arial"/>
+              <a:buNone/>
+              <a:defRPr b="0" i="0" sz="1800" u="none" cap="none" strike="noStrike">
+                <a:solidFill>
+                  <a:srgbClr val="000000"/>
+                </a:solidFill>
+                <a:latin typeface="Arial"/>
+                <a:ea typeface="Arial"/>
+                <a:cs typeface="Arial"/>
+                <a:sym typeface="Arial"/>
+              </a:defRPr>
             </a:lvl4pPr>
-            <a:lvl5pPr indent="0" lvl="4">
-              <a:spcBef>
-                <a:spcPts val="0"/>
-              </a:spcBef>
-              <a:spcAft>
-                <a:spcPts val="0"/>
-              </a:spcAft>
-              <a:buSzPts val="1400"/>
-              <a:buNone/>
-              <a:defRPr sz="1800"/>
+            <a:lvl5pPr lvl="4" marR="0" rtl="0" algn="l">
+              <a:lnSpc>
+                <a:spcPct val="100000"/>
+              </a:lnSpc>
+              <a:spcBef>
+                <a:spcPts val="0"/>
+              </a:spcBef>
+              <a:spcAft>
+                <a:spcPts val="0"/>
+              </a:spcAft>
+              <a:buClr>
+                <a:srgbClr val="000000"/>
+              </a:buClr>
+              <a:buSzPts val="1400"/>
+              <a:buFont typeface="Arial"/>
+              <a:buNone/>
+              <a:defRPr b="0" i="0" sz="1800" u="none" cap="none" strike="noStrike">
+                <a:solidFill>
+                  <a:srgbClr val="000000"/>
+                </a:solidFill>
+                <a:latin typeface="Arial"/>
+                <a:ea typeface="Arial"/>
+                <a:cs typeface="Arial"/>
+                <a:sym typeface="Arial"/>
+              </a:defRPr>
             </a:lvl5pPr>
-            <a:lvl6pPr indent="0" lvl="5">
-              <a:spcBef>
-                <a:spcPts val="0"/>
-              </a:spcBef>
-              <a:spcAft>
-                <a:spcPts val="0"/>
-              </a:spcAft>
-              <a:buSzPts val="1400"/>
-              <a:buNone/>
-              <a:defRPr sz="1800"/>
+            <a:lvl6pPr lvl="5" marR="0" rtl="0" algn="l">
+              <a:lnSpc>
+                <a:spcPct val="100000"/>
+              </a:lnSpc>
+              <a:spcBef>
+                <a:spcPts val="0"/>
+              </a:spcBef>
+              <a:spcAft>
+                <a:spcPts val="0"/>
+              </a:spcAft>
+              <a:buClr>
+                <a:srgbClr val="000000"/>
+              </a:buClr>
+              <a:buSzPts val="1400"/>
+              <a:buFont typeface="Arial"/>
+              <a:buNone/>
+              <a:defRPr b="0" i="0" sz="1800" u="none" cap="none" strike="noStrike">
+                <a:solidFill>
+                  <a:srgbClr val="000000"/>
+                </a:solidFill>
+                <a:latin typeface="Arial"/>
+                <a:ea typeface="Arial"/>
+                <a:cs typeface="Arial"/>
+                <a:sym typeface="Arial"/>
+              </a:defRPr>
             </a:lvl6pPr>
-            <a:lvl7pPr indent="0" lvl="6">
-              <a:spcBef>
-                <a:spcPts val="0"/>
-              </a:spcBef>
-              <a:spcAft>
-                <a:spcPts val="0"/>
-              </a:spcAft>
-              <a:buSzPts val="1400"/>
-              <a:buNone/>
-              <a:defRPr sz="1800"/>
+            <a:lvl7pPr lvl="6" marR="0" rtl="0" algn="l">
+              <a:lnSpc>
+                <a:spcPct val="100000"/>
+              </a:lnSpc>
+              <a:spcBef>
+                <a:spcPts val="0"/>
+              </a:spcBef>
+              <a:spcAft>
+                <a:spcPts val="0"/>
+              </a:spcAft>
+              <a:buClr>
+                <a:srgbClr val="000000"/>
+              </a:buClr>
+              <a:buSzPts val="1400"/>
+              <a:buFont typeface="Arial"/>
+              <a:buNone/>
+              <a:defRPr b="0" i="0" sz="1800" u="none" cap="none" strike="noStrike">
+                <a:solidFill>
+                  <a:srgbClr val="000000"/>
+                </a:solidFill>
+                <a:latin typeface="Arial"/>
+                <a:ea typeface="Arial"/>
+                <a:cs typeface="Arial"/>
+                <a:sym typeface="Arial"/>
+              </a:defRPr>
             </a:lvl7pPr>
-            <a:lvl8pPr indent="0" lvl="7">
-              <a:spcBef>
-                <a:spcPts val="0"/>
-              </a:spcBef>
-              <a:spcAft>
-                <a:spcPts val="0"/>
-              </a:spcAft>
-              <a:buSzPts val="1400"/>
-              <a:buNone/>
-              <a:defRPr sz="1800"/>
+            <a:lvl8pPr lvl="7" marR="0" rtl="0" algn="l">
+              <a:lnSpc>
+                <a:spcPct val="100000"/>
+              </a:lnSpc>
+              <a:spcBef>
+                <a:spcPts val="0"/>
+              </a:spcBef>
+              <a:spcAft>
+                <a:spcPts val="0"/>
+              </a:spcAft>
+              <a:buClr>
+                <a:srgbClr val="000000"/>
+              </a:buClr>
+              <a:buSzPts val="1400"/>
+              <a:buFont typeface="Arial"/>
+              <a:buNone/>
+              <a:defRPr b="0" i="0" sz="1800" u="none" cap="none" strike="noStrike">
+                <a:solidFill>
+                  <a:srgbClr val="000000"/>
+                </a:solidFill>
+                <a:latin typeface="Arial"/>
+                <a:ea typeface="Arial"/>
+                <a:cs typeface="Arial"/>
+                <a:sym typeface="Arial"/>
+              </a:defRPr>
             </a:lvl8pPr>
-            <a:lvl9pPr indent="0" lvl="8">
-              <a:spcBef>
-                <a:spcPts val="0"/>
-              </a:spcBef>
-              <a:spcAft>
-                <a:spcPts val="0"/>
-              </a:spcAft>
-              <a:buSzPts val="1400"/>
-              <a:buNone/>
-              <a:defRPr sz="1800"/>
+            <a:lvl9pPr lvl="8" marR="0" rtl="0" algn="l">
+              <a:lnSpc>
+                <a:spcPct val="100000"/>
+              </a:lnSpc>
+              <a:spcBef>
+                <a:spcPts val="0"/>
+              </a:spcBef>
+              <a:spcAft>
+                <a:spcPts val="0"/>
+              </a:spcAft>
+              <a:buClr>
+                <a:srgbClr val="000000"/>
+              </a:buClr>
+              <a:buSzPts val="1400"/>
+              <a:buFont typeface="Arial"/>
+              <a:buNone/>
+              <a:defRPr b="0" i="0" sz="1800" u="none" cap="none" strike="noStrike">
+                <a:solidFill>
+                  <a:srgbClr val="000000"/>
+                </a:solidFill>
+                <a:latin typeface="Arial"/>
+                <a:ea typeface="Arial"/>
+                <a:cs typeface="Arial"/>
+                <a:sym typeface="Arial"/>
+              </a:defRPr>
             </a:lvl9pPr>
           </a:lstStyle>
           <a:p/>
@@ -2352,7 +2822,7 @@
       </p:sp>
       <p:sp>
         <p:nvSpPr>
-          <p:cNvPr id="51" name="Google Shape;51;p11"/>
+          <p:cNvPr id="51" name="Google Shape;51;p18"/>
           <p:cNvSpPr txBox="1"/>
           <p:nvPr>
             <p:ph idx="11" type="ftr"/>
@@ -2372,146 +2842,238 @@
           </a:ln>
         </p:spPr>
         <p:txBody>
-          <a:bodyPr anchorCtr="0" anchor="t" bIns="91425" lIns="91425" spcFirstLastPara="1" rIns="91425" wrap="square" tIns="91425"/>
+          <a:bodyPr anchorCtr="0" anchor="t" bIns="91425" lIns="91425" spcFirstLastPara="1" rIns="91425" wrap="square" tIns="91425">
+            <a:noAutofit/>
+          </a:bodyPr>
           <a:lstStyle>
-            <a:lvl1pPr indent="0" lvl="0" marL="0" marR="0" rtl="0" algn="ctr">
-              <a:spcBef>
-                <a:spcPts val="0"/>
-              </a:spcBef>
-              <a:spcAft>
-                <a:spcPts val="0"/>
-              </a:spcAft>
-              <a:buSzPts val="1400"/>
-              <a:buNone/>
-              <a:defRPr sz="3400">
+            <a:lvl1pPr lvl="0" marR="0" rtl="0" algn="ctr">
+              <a:lnSpc>
+                <a:spcPct val="100000"/>
+              </a:lnSpc>
+              <a:spcBef>
+                <a:spcPts val="0"/>
+              </a:spcBef>
+              <a:spcAft>
+                <a:spcPts val="0"/>
+              </a:spcAft>
+              <a:buClr>
+                <a:srgbClr val="000000"/>
+              </a:buClr>
+              <a:buSzPts val="1400"/>
+              <a:buFont typeface="Arial"/>
+              <a:buNone/>
+              <a:defRPr b="0" i="0" sz="3400" u="none" cap="none" strike="noStrike">
+                <a:solidFill>
+                  <a:srgbClr val="000000"/>
+                </a:solidFill>
                 <a:latin typeface="Arial"/>
                 <a:ea typeface="Arial"/>
                 <a:cs typeface="Arial"/>
                 <a:sym typeface="Arial"/>
               </a:defRPr>
             </a:lvl1pPr>
-            <a:lvl2pPr indent="215900" lvl="1" marL="457200" marR="0" rtl="0" algn="ctr">
-              <a:spcBef>
-                <a:spcPts val="0"/>
-              </a:spcBef>
-              <a:spcAft>
-                <a:spcPts val="0"/>
-              </a:spcAft>
-              <a:buSzPts val="1400"/>
+            <a:lvl2pPr lvl="1" marR="0" rtl="0" algn="ctr">
+              <a:lnSpc>
+                <a:spcPct val="100000"/>
+              </a:lnSpc>
+              <a:spcBef>
+                <a:spcPts val="0"/>
+              </a:spcBef>
+              <a:spcAft>
+                <a:spcPts val="0"/>
+              </a:spcAft>
+              <a:buClr>
+                <a:srgbClr val="000000"/>
+              </a:buClr>
+              <a:buSzPts val="1400"/>
+              <a:buFont typeface="Arial"/>
               <a:buNone/>
               <a:defRPr b="0" i="0" sz="3400" u="none" cap="none" strike="noStrike">
+                <a:solidFill>
+                  <a:srgbClr val="000000"/>
+                </a:solidFill>
                 <a:latin typeface="Arial"/>
                 <a:ea typeface="Arial"/>
                 <a:cs typeface="Arial"/>
                 <a:sym typeface="Arial"/>
               </a:defRPr>
             </a:lvl2pPr>
-            <a:lvl3pPr indent="444500" lvl="2" marL="914400" marR="0" rtl="0" algn="ctr">
-              <a:spcBef>
-                <a:spcPts val="0"/>
-              </a:spcBef>
-              <a:spcAft>
-                <a:spcPts val="0"/>
-              </a:spcAft>
-              <a:buSzPts val="1400"/>
+            <a:lvl3pPr lvl="2" marR="0" rtl="0" algn="ctr">
+              <a:lnSpc>
+                <a:spcPct val="100000"/>
+              </a:lnSpc>
+              <a:spcBef>
+                <a:spcPts val="0"/>
+              </a:spcBef>
+              <a:spcAft>
+                <a:spcPts val="0"/>
+              </a:spcAft>
+              <a:buClr>
+                <a:srgbClr val="000000"/>
+              </a:buClr>
+              <a:buSzPts val="1400"/>
+              <a:buFont typeface="Arial"/>
               <a:buNone/>
               <a:defRPr b="0" i="0" sz="3400" u="none" cap="none" strike="noStrike">
+                <a:solidFill>
+                  <a:srgbClr val="000000"/>
+                </a:solidFill>
                 <a:latin typeface="Arial"/>
                 <a:ea typeface="Arial"/>
                 <a:cs typeface="Arial"/>
                 <a:sym typeface="Arial"/>
               </a:defRPr>
             </a:lvl3pPr>
-            <a:lvl4pPr indent="673100" lvl="3" marL="1371600" marR="0" rtl="0" algn="ctr">
-              <a:spcBef>
-                <a:spcPts val="0"/>
-              </a:spcBef>
-              <a:spcAft>
-                <a:spcPts val="0"/>
-              </a:spcAft>
-              <a:buSzPts val="1400"/>
+            <a:lvl4pPr lvl="3" marR="0" rtl="0" algn="ctr">
+              <a:lnSpc>
+                <a:spcPct val="100000"/>
+              </a:lnSpc>
+              <a:spcBef>
+                <a:spcPts val="0"/>
+              </a:spcBef>
+              <a:spcAft>
+                <a:spcPts val="0"/>
+              </a:spcAft>
+              <a:buClr>
+                <a:srgbClr val="000000"/>
+              </a:buClr>
+              <a:buSzPts val="1400"/>
+              <a:buFont typeface="Arial"/>
               <a:buNone/>
               <a:defRPr b="0" i="0" sz="3400" u="none" cap="none" strike="noStrike">
+                <a:solidFill>
+                  <a:srgbClr val="000000"/>
+                </a:solidFill>
                 <a:latin typeface="Arial"/>
                 <a:ea typeface="Arial"/>
                 <a:cs typeface="Arial"/>
                 <a:sym typeface="Arial"/>
               </a:defRPr>
             </a:lvl4pPr>
-            <a:lvl5pPr indent="901700" lvl="4" marL="1828800" marR="0" rtl="0" algn="ctr">
-              <a:spcBef>
-                <a:spcPts val="0"/>
-              </a:spcBef>
-              <a:spcAft>
-                <a:spcPts val="0"/>
-              </a:spcAft>
-              <a:buSzPts val="1400"/>
+            <a:lvl5pPr lvl="4" marR="0" rtl="0" algn="ctr">
+              <a:lnSpc>
+                <a:spcPct val="100000"/>
+              </a:lnSpc>
+              <a:spcBef>
+                <a:spcPts val="0"/>
+              </a:spcBef>
+              <a:spcAft>
+                <a:spcPts val="0"/>
+              </a:spcAft>
+              <a:buClr>
+                <a:srgbClr val="000000"/>
+              </a:buClr>
+              <a:buSzPts val="1400"/>
+              <a:buFont typeface="Arial"/>
               <a:buNone/>
               <a:defRPr b="0" i="0" sz="3400" u="none" cap="none" strike="noStrike">
+                <a:solidFill>
+                  <a:srgbClr val="000000"/>
+                </a:solidFill>
                 <a:latin typeface="Arial"/>
                 <a:ea typeface="Arial"/>
                 <a:cs typeface="Arial"/>
                 <a:sym typeface="Arial"/>
               </a:defRPr>
             </a:lvl5pPr>
-            <a:lvl6pPr indent="1130300" lvl="5" marL="2286000" marR="0" rtl="0" algn="ctr">
-              <a:spcBef>
-                <a:spcPts val="0"/>
-              </a:spcBef>
-              <a:spcAft>
-                <a:spcPts val="0"/>
-              </a:spcAft>
-              <a:buSzPts val="1400"/>
+            <a:lvl6pPr lvl="5" marR="0" rtl="0" algn="ctr">
+              <a:lnSpc>
+                <a:spcPct val="100000"/>
+              </a:lnSpc>
+              <a:spcBef>
+                <a:spcPts val="0"/>
+              </a:spcBef>
+              <a:spcAft>
+                <a:spcPts val="0"/>
+              </a:spcAft>
+              <a:buClr>
+                <a:srgbClr val="000000"/>
+              </a:buClr>
+              <a:buSzPts val="1400"/>
+              <a:buFont typeface="Arial"/>
               <a:buNone/>
               <a:defRPr b="0" i="0" sz="3400" u="none" cap="none" strike="noStrike">
+                <a:solidFill>
+                  <a:srgbClr val="000000"/>
+                </a:solidFill>
                 <a:latin typeface="Arial"/>
                 <a:ea typeface="Arial"/>
                 <a:cs typeface="Arial"/>
                 <a:sym typeface="Arial"/>
               </a:defRPr>
             </a:lvl6pPr>
-            <a:lvl7pPr indent="1358900" lvl="6" marL="2743200" marR="0" rtl="0" algn="ctr">
-              <a:spcBef>
-                <a:spcPts val="0"/>
-              </a:spcBef>
-              <a:spcAft>
-                <a:spcPts val="0"/>
-              </a:spcAft>
-              <a:buSzPts val="1400"/>
+            <a:lvl7pPr lvl="6" marR="0" rtl="0" algn="ctr">
+              <a:lnSpc>
+                <a:spcPct val="100000"/>
+              </a:lnSpc>
+              <a:spcBef>
+                <a:spcPts val="0"/>
+              </a:spcBef>
+              <a:spcAft>
+                <a:spcPts val="0"/>
+              </a:spcAft>
+              <a:buClr>
+                <a:srgbClr val="000000"/>
+              </a:buClr>
+              <a:buSzPts val="1400"/>
+              <a:buFont typeface="Arial"/>
               <a:buNone/>
               <a:defRPr b="0" i="0" sz="3400" u="none" cap="none" strike="noStrike">
+                <a:solidFill>
+                  <a:srgbClr val="000000"/>
+                </a:solidFill>
                 <a:latin typeface="Arial"/>
                 <a:ea typeface="Arial"/>
                 <a:cs typeface="Arial"/>
                 <a:sym typeface="Arial"/>
               </a:defRPr>
             </a:lvl7pPr>
-            <a:lvl8pPr indent="1587500" lvl="7" marL="3200400" marR="0" rtl="0" algn="ctr">
-              <a:spcBef>
-                <a:spcPts val="0"/>
-              </a:spcBef>
-              <a:spcAft>
-                <a:spcPts val="0"/>
-              </a:spcAft>
-              <a:buSzPts val="1400"/>
+            <a:lvl8pPr lvl="7" marR="0" rtl="0" algn="ctr">
+              <a:lnSpc>
+                <a:spcPct val="100000"/>
+              </a:lnSpc>
+              <a:spcBef>
+                <a:spcPts val="0"/>
+              </a:spcBef>
+              <a:spcAft>
+                <a:spcPts val="0"/>
+              </a:spcAft>
+              <a:buClr>
+                <a:srgbClr val="000000"/>
+              </a:buClr>
+              <a:buSzPts val="1400"/>
+              <a:buFont typeface="Arial"/>
               <a:buNone/>
               <a:defRPr b="0" i="0" sz="3400" u="none" cap="none" strike="noStrike">
+                <a:solidFill>
+                  <a:srgbClr val="000000"/>
+                </a:solidFill>
                 <a:latin typeface="Arial"/>
                 <a:ea typeface="Arial"/>
                 <a:cs typeface="Arial"/>
                 <a:sym typeface="Arial"/>
               </a:defRPr>
             </a:lvl8pPr>
-            <a:lvl9pPr indent="1816100" lvl="8" marL="3657600" marR="0" rtl="0" algn="ctr">
-              <a:spcBef>
-                <a:spcPts val="0"/>
-              </a:spcBef>
-              <a:spcAft>
-                <a:spcPts val="0"/>
-              </a:spcAft>
-              <a:buSzPts val="1400"/>
+            <a:lvl9pPr lvl="8" marR="0" rtl="0" algn="ctr">
+              <a:lnSpc>
+                <a:spcPct val="100000"/>
+              </a:lnSpc>
+              <a:spcBef>
+                <a:spcPts val="0"/>
+              </a:spcBef>
+              <a:spcAft>
+                <a:spcPts val="0"/>
+              </a:spcAft>
+              <a:buClr>
+                <a:srgbClr val="000000"/>
+              </a:buClr>
+              <a:buSzPts val="1400"/>
+              <a:buFont typeface="Arial"/>
               <a:buNone/>
               <a:defRPr b="0" i="0" sz="3400" u="none" cap="none" strike="noStrike">
+                <a:solidFill>
+                  <a:srgbClr val="000000"/>
+                </a:solidFill>
                 <a:latin typeface="Arial"/>
                 <a:ea typeface="Arial"/>
                 <a:cs typeface="Arial"/>
@@ -2549,7 +3111,7 @@
       </p:grpSpPr>
       <p:sp>
         <p:nvSpPr>
-          <p:cNvPr id="12" name="Google Shape;12;p3"/>
+          <p:cNvPr id="12" name="Google Shape;12;p10"/>
           <p:cNvSpPr txBox="1"/>
           <p:nvPr>
             <p:ph idx="1" type="body"/>
@@ -2569,9 +3131,14 @@
           </a:ln>
         </p:spPr>
         <p:txBody>
-          <a:bodyPr anchorCtr="0" anchor="t" bIns="91425" lIns="91425" spcFirstLastPara="1" rIns="91425" wrap="square" tIns="91425"/>
+          <a:bodyPr anchorCtr="0" anchor="t" bIns="91425" lIns="91425" spcFirstLastPara="1" rIns="91425" wrap="square" tIns="91425">
+            <a:noAutofit/>
+          </a:bodyPr>
           <a:lstStyle>
             <a:lvl1pPr indent="-419100" lvl="0" marL="457200" marR="0" rtl="0" algn="l">
+              <a:lnSpc>
+                <a:spcPct val="100000"/>
+              </a:lnSpc>
               <a:spcBef>
                 <a:spcPts val="800"/>
               </a:spcBef>
@@ -2595,6 +3162,9 @@
               </a:defRPr>
             </a:lvl1pPr>
             <a:lvl2pPr indent="-444500" lvl="1" marL="914400" marR="0" rtl="0" algn="l">
+              <a:lnSpc>
+                <a:spcPct val="100000"/>
+              </a:lnSpc>
               <a:spcBef>
                 <a:spcPts val="680"/>
               </a:spcBef>
@@ -2618,6 +3188,9 @@
               </a:defRPr>
             </a:lvl2pPr>
             <a:lvl3pPr indent="-406400" lvl="2" marL="1371600" marR="0" rtl="0" algn="l">
+              <a:lnSpc>
+                <a:spcPct val="100000"/>
+              </a:lnSpc>
               <a:spcBef>
                 <a:spcPts val="560"/>
               </a:spcBef>
@@ -2641,6 +3214,9 @@
               </a:defRPr>
             </a:lvl3pPr>
             <a:lvl4pPr indent="-393700" lvl="3" marL="1828800" marR="0" rtl="0" algn="l">
+              <a:lnSpc>
+                <a:spcPct val="100000"/>
+              </a:lnSpc>
               <a:spcBef>
                 <a:spcPts val="520"/>
               </a:spcBef>
@@ -2664,6 +3240,9 @@
               </a:defRPr>
             </a:lvl4pPr>
             <a:lvl5pPr indent="-393700" lvl="4" marL="2286000" marR="0" rtl="0" algn="l">
+              <a:lnSpc>
+                <a:spcPct val="100000"/>
+              </a:lnSpc>
               <a:spcBef>
                 <a:spcPts val="520"/>
               </a:spcBef>
@@ -2687,6 +3266,9 @@
               </a:defRPr>
             </a:lvl5pPr>
             <a:lvl6pPr indent="-406400" lvl="5" marL="2743200" marR="0" rtl="0" algn="l">
+              <a:lnSpc>
+                <a:spcPct val="100000"/>
+              </a:lnSpc>
               <a:spcBef>
                 <a:spcPts val="560"/>
               </a:spcBef>
@@ -2710,6 +3292,9 @@
               </a:defRPr>
             </a:lvl6pPr>
             <a:lvl7pPr indent="-406400" lvl="6" marL="3200400" marR="0" rtl="0" algn="l">
+              <a:lnSpc>
+                <a:spcPct val="100000"/>
+              </a:lnSpc>
               <a:spcBef>
                 <a:spcPts val="560"/>
               </a:spcBef>
@@ -2733,6 +3318,9 @@
               </a:defRPr>
             </a:lvl7pPr>
             <a:lvl8pPr indent="-406400" lvl="7" marL="3657600" marR="0" rtl="0" algn="l">
+              <a:lnSpc>
+                <a:spcPct val="100000"/>
+              </a:lnSpc>
               <a:spcBef>
                 <a:spcPts val="560"/>
               </a:spcBef>
@@ -2756,6 +3344,9 @@
               </a:defRPr>
             </a:lvl8pPr>
             <a:lvl9pPr indent="-406400" lvl="8" marL="4114800" marR="0" rtl="0" algn="l">
+              <a:lnSpc>
+                <a:spcPct val="100000"/>
+              </a:lnSpc>
               <a:spcBef>
                 <a:spcPts val="560"/>
               </a:spcBef>
@@ -2784,7 +3375,7 @@
       </p:sp>
       <p:cxnSp>
         <p:nvCxnSpPr>
-          <p:cNvPr id="13" name="Google Shape;13;p3"/>
+          <p:cNvPr id="13" name="Google Shape;13;p10"/>
           <p:cNvCxnSpPr/>
           <p:nvPr/>
         </p:nvCxnSpPr>
@@ -2810,7 +3401,7 @@
       </p:cxnSp>
       <p:pic>
         <p:nvPicPr>
-          <p:cNvPr descr="activeeon-white.pdf" id="14" name="Google Shape;14;p3"/>
+          <p:cNvPr descr="activeeon-white.pdf" id="14" name="Google Shape;14;p10"/>
           <p:cNvPicPr preferRelativeResize="0"/>
           <p:nvPr/>
         </p:nvPicPr>
@@ -2837,7 +3428,7 @@
       </p:pic>
       <p:sp>
         <p:nvSpPr>
-          <p:cNvPr id="15" name="Google Shape;15;p3"/>
+          <p:cNvPr id="15" name="Google Shape;15;p10"/>
           <p:cNvSpPr txBox="1"/>
           <p:nvPr>
             <p:ph type="title"/>
@@ -2857,9 +3448,14 @@
           </a:ln>
         </p:spPr>
         <p:txBody>
-          <a:bodyPr anchorCtr="0" anchor="t" bIns="91425" lIns="91425" spcFirstLastPara="1" rIns="91425" wrap="square" tIns="91425"/>
+          <a:bodyPr anchorCtr="0" anchor="t" bIns="91425" lIns="91425" spcFirstLastPara="1" rIns="91425" wrap="square" tIns="91425">
+            <a:noAutofit/>
+          </a:bodyPr>
           <a:lstStyle>
-            <a:lvl1pPr indent="0" lvl="0" marL="0" marR="0" rtl="0" algn="l">
+            <a:lvl1pPr lvl="0" marR="0" rtl="0" algn="l">
+              <a:lnSpc>
+                <a:spcPct val="100000"/>
+              </a:lnSpc>
               <a:spcBef>
                 <a:spcPts val="0"/>
               </a:spcBef>
@@ -2882,93 +3478,213 @@
                 <a:sym typeface="Helvetica Neue"/>
               </a:defRPr>
             </a:lvl1pPr>
-            <a:lvl2pPr indent="0" lvl="1">
-              <a:spcBef>
-                <a:spcPts val="0"/>
-              </a:spcBef>
-              <a:spcAft>
-                <a:spcPts val="0"/>
-              </a:spcAft>
-              <a:buSzPts val="1400"/>
-              <a:buNone/>
-              <a:defRPr sz="1800"/>
+            <a:lvl2pPr lvl="1" marR="0" rtl="0" algn="l">
+              <a:lnSpc>
+                <a:spcPct val="100000"/>
+              </a:lnSpc>
+              <a:spcBef>
+                <a:spcPts val="0"/>
+              </a:spcBef>
+              <a:spcAft>
+                <a:spcPts val="0"/>
+              </a:spcAft>
+              <a:buClr>
+                <a:srgbClr val="000000"/>
+              </a:buClr>
+              <a:buSzPts val="1400"/>
+              <a:buFont typeface="Arial"/>
+              <a:buNone/>
+              <a:defRPr b="0" i="0" sz="1800" u="none" cap="none" strike="noStrike">
+                <a:solidFill>
+                  <a:srgbClr val="000000"/>
+                </a:solidFill>
+                <a:latin typeface="Arial"/>
+                <a:ea typeface="Arial"/>
+                <a:cs typeface="Arial"/>
+                <a:sym typeface="Arial"/>
+              </a:defRPr>
             </a:lvl2pPr>
-            <a:lvl3pPr indent="0" lvl="2">
-              <a:spcBef>
-                <a:spcPts val="0"/>
-              </a:spcBef>
-              <a:spcAft>
-                <a:spcPts val="0"/>
-              </a:spcAft>
-              <a:buSzPts val="1400"/>
-              <a:buNone/>
-              <a:defRPr sz="1800"/>
+            <a:lvl3pPr lvl="2" marR="0" rtl="0" algn="l">
+              <a:lnSpc>
+                <a:spcPct val="100000"/>
+              </a:lnSpc>
+              <a:spcBef>
+                <a:spcPts val="0"/>
+              </a:spcBef>
+              <a:spcAft>
+                <a:spcPts val="0"/>
+              </a:spcAft>
+              <a:buClr>
+                <a:srgbClr val="000000"/>
+              </a:buClr>
+              <a:buSzPts val="1400"/>
+              <a:buFont typeface="Arial"/>
+              <a:buNone/>
+              <a:defRPr b="0" i="0" sz="1800" u="none" cap="none" strike="noStrike">
+                <a:solidFill>
+                  <a:srgbClr val="000000"/>
+                </a:solidFill>
+                <a:latin typeface="Arial"/>
+                <a:ea typeface="Arial"/>
+                <a:cs typeface="Arial"/>
+                <a:sym typeface="Arial"/>
+              </a:defRPr>
             </a:lvl3pPr>
-            <a:lvl4pPr indent="0" lvl="3">
-              <a:spcBef>
-                <a:spcPts val="0"/>
-              </a:spcBef>
-              <a:spcAft>
-                <a:spcPts val="0"/>
-              </a:spcAft>
-              <a:buSzPts val="1400"/>
-              <a:buNone/>
-              <a:defRPr sz="1800"/>
+            <a:lvl4pPr lvl="3" marR="0" rtl="0" algn="l">
+              <a:lnSpc>
+                <a:spcPct val="100000"/>
+              </a:lnSpc>
+              <a:spcBef>
+                <a:spcPts val="0"/>
+              </a:spcBef>
+              <a:spcAft>
+                <a:spcPts val="0"/>
+              </a:spcAft>
+              <a:buClr>
+                <a:srgbClr val="000000"/>
+              </a:buClr>
+              <a:buSzPts val="1400"/>
+              <a:buFont typeface="Arial"/>
+              <a:buNone/>
+              <a:defRPr b="0" i="0" sz="1800" u="none" cap="none" strike="noStrike">
+                <a:solidFill>
+                  <a:srgbClr val="000000"/>
+                </a:solidFill>
+                <a:latin typeface="Arial"/>
+                <a:ea typeface="Arial"/>
+                <a:cs typeface="Arial"/>
+                <a:sym typeface="Arial"/>
+              </a:defRPr>
             </a:lvl4pPr>
-            <a:lvl5pPr indent="0" lvl="4">
-              <a:spcBef>
-                <a:spcPts val="0"/>
-              </a:spcBef>
-              <a:spcAft>
-                <a:spcPts val="0"/>
-              </a:spcAft>
-              <a:buSzPts val="1400"/>
-              <a:buNone/>
-              <a:defRPr sz="1800"/>
+            <a:lvl5pPr lvl="4" marR="0" rtl="0" algn="l">
+              <a:lnSpc>
+                <a:spcPct val="100000"/>
+              </a:lnSpc>
+              <a:spcBef>
+                <a:spcPts val="0"/>
+              </a:spcBef>
+              <a:spcAft>
+                <a:spcPts val="0"/>
+              </a:spcAft>
+              <a:buClr>
+                <a:srgbClr val="000000"/>
+              </a:buClr>
+              <a:buSzPts val="1400"/>
+              <a:buFont typeface="Arial"/>
+              <a:buNone/>
+              <a:defRPr b="0" i="0" sz="1800" u="none" cap="none" strike="noStrike">
+                <a:solidFill>
+                  <a:srgbClr val="000000"/>
+                </a:solidFill>
+                <a:latin typeface="Arial"/>
+                <a:ea typeface="Arial"/>
+                <a:cs typeface="Arial"/>
+                <a:sym typeface="Arial"/>
+              </a:defRPr>
             </a:lvl5pPr>
-            <a:lvl6pPr indent="0" lvl="5">
-              <a:spcBef>
-                <a:spcPts val="0"/>
-              </a:spcBef>
-              <a:spcAft>
-                <a:spcPts val="0"/>
-              </a:spcAft>
-              <a:buSzPts val="1400"/>
-              <a:buNone/>
-              <a:defRPr sz="1800"/>
+            <a:lvl6pPr lvl="5" marR="0" rtl="0" algn="l">
+              <a:lnSpc>
+                <a:spcPct val="100000"/>
+              </a:lnSpc>
+              <a:spcBef>
+                <a:spcPts val="0"/>
+              </a:spcBef>
+              <a:spcAft>
+                <a:spcPts val="0"/>
+              </a:spcAft>
+              <a:buClr>
+                <a:srgbClr val="000000"/>
+              </a:buClr>
+              <a:buSzPts val="1400"/>
+              <a:buFont typeface="Arial"/>
+              <a:buNone/>
+              <a:defRPr b="0" i="0" sz="1800" u="none" cap="none" strike="noStrike">
+                <a:solidFill>
+                  <a:srgbClr val="000000"/>
+                </a:solidFill>
+                <a:latin typeface="Arial"/>
+                <a:ea typeface="Arial"/>
+                <a:cs typeface="Arial"/>
+                <a:sym typeface="Arial"/>
+              </a:defRPr>
             </a:lvl6pPr>
-            <a:lvl7pPr indent="0" lvl="6">
-              <a:spcBef>
-                <a:spcPts val="0"/>
-              </a:spcBef>
-              <a:spcAft>
-                <a:spcPts val="0"/>
-              </a:spcAft>
-              <a:buSzPts val="1400"/>
-              <a:buNone/>
-              <a:defRPr sz="1800"/>
+            <a:lvl7pPr lvl="6" marR="0" rtl="0" algn="l">
+              <a:lnSpc>
+                <a:spcPct val="100000"/>
+              </a:lnSpc>
+              <a:spcBef>
+                <a:spcPts val="0"/>
+              </a:spcBef>
+              <a:spcAft>
+                <a:spcPts val="0"/>
+              </a:spcAft>
+              <a:buClr>
+                <a:srgbClr val="000000"/>
+              </a:buClr>
+              <a:buSzPts val="1400"/>
+              <a:buFont typeface="Arial"/>
+              <a:buNone/>
+              <a:defRPr b="0" i="0" sz="1800" u="none" cap="none" strike="noStrike">
+                <a:solidFill>
+                  <a:srgbClr val="000000"/>
+                </a:solidFill>
+                <a:latin typeface="Arial"/>
+                <a:ea typeface="Arial"/>
+                <a:cs typeface="Arial"/>
+                <a:sym typeface="Arial"/>
+              </a:defRPr>
             </a:lvl7pPr>
-            <a:lvl8pPr indent="0" lvl="7">
-              <a:spcBef>
-                <a:spcPts val="0"/>
-              </a:spcBef>
-              <a:spcAft>
-                <a:spcPts val="0"/>
-              </a:spcAft>
-              <a:buSzPts val="1400"/>
-              <a:buNone/>
-              <a:defRPr sz="1800"/>
+            <a:lvl8pPr lvl="7" marR="0" rtl="0" algn="l">
+              <a:lnSpc>
+                <a:spcPct val="100000"/>
+              </a:lnSpc>
+              <a:spcBef>
+                <a:spcPts val="0"/>
+              </a:spcBef>
+              <a:spcAft>
+                <a:spcPts val="0"/>
+              </a:spcAft>
+              <a:buClr>
+                <a:srgbClr val="000000"/>
+              </a:buClr>
+              <a:buSzPts val="1400"/>
+              <a:buFont typeface="Arial"/>
+              <a:buNone/>
+              <a:defRPr b="0" i="0" sz="1800" u="none" cap="none" strike="noStrike">
+                <a:solidFill>
+                  <a:srgbClr val="000000"/>
+                </a:solidFill>
+                <a:latin typeface="Arial"/>
+                <a:ea typeface="Arial"/>
+                <a:cs typeface="Arial"/>
+                <a:sym typeface="Arial"/>
+              </a:defRPr>
             </a:lvl8pPr>
-            <a:lvl9pPr indent="0" lvl="8">
-              <a:spcBef>
-                <a:spcPts val="0"/>
-              </a:spcBef>
-              <a:spcAft>
-                <a:spcPts val="0"/>
-              </a:spcAft>
-              <a:buSzPts val="1400"/>
-              <a:buNone/>
-              <a:defRPr sz="1800"/>
+            <a:lvl9pPr lvl="8" marR="0" rtl="0" algn="l">
+              <a:lnSpc>
+                <a:spcPct val="100000"/>
+              </a:lnSpc>
+              <a:spcBef>
+                <a:spcPts val="0"/>
+              </a:spcBef>
+              <a:spcAft>
+                <a:spcPts val="0"/>
+              </a:spcAft>
+              <a:buClr>
+                <a:srgbClr val="000000"/>
+              </a:buClr>
+              <a:buSzPts val="1400"/>
+              <a:buFont typeface="Arial"/>
+              <a:buNone/>
+              <a:defRPr b="0" i="0" sz="1800" u="none" cap="none" strike="noStrike">
+                <a:solidFill>
+                  <a:srgbClr val="000000"/>
+                </a:solidFill>
+                <a:latin typeface="Arial"/>
+                <a:ea typeface="Arial"/>
+                <a:cs typeface="Arial"/>
+                <a:sym typeface="Arial"/>
+              </a:defRPr>
             </a:lvl9pPr>
           </a:lstStyle>
           <a:p/>
@@ -3001,7 +3717,7 @@
       </p:grpSpPr>
       <p:sp>
         <p:nvSpPr>
-          <p:cNvPr id="17" name="Google Shape;17;p4"/>
+          <p:cNvPr id="17" name="Google Shape;17;p11"/>
           <p:cNvSpPr txBox="1"/>
           <p:nvPr>
             <p:ph idx="1" type="body"/>
@@ -3021,9 +3737,14 @@
           </a:ln>
         </p:spPr>
         <p:txBody>
-          <a:bodyPr anchorCtr="0" anchor="t" bIns="91425" lIns="91425" spcFirstLastPara="1" rIns="91425" wrap="square" tIns="91425"/>
+          <a:bodyPr anchorCtr="0" anchor="t" bIns="91425" lIns="91425" spcFirstLastPara="1" rIns="91425" wrap="square" tIns="91425">
+            <a:noAutofit/>
+          </a:bodyPr>
           <a:lstStyle>
             <a:lvl1pPr indent="-419100" lvl="0" marL="457200" marR="0" rtl="0" algn="l">
+              <a:lnSpc>
+                <a:spcPct val="100000"/>
+              </a:lnSpc>
               <a:spcBef>
                 <a:spcPts val="800"/>
               </a:spcBef>
@@ -3047,6 +3768,9 @@
               </a:defRPr>
             </a:lvl1pPr>
             <a:lvl2pPr indent="-444500" lvl="1" marL="914400" marR="0" rtl="0" algn="l">
+              <a:lnSpc>
+                <a:spcPct val="100000"/>
+              </a:lnSpc>
               <a:spcBef>
                 <a:spcPts val="680"/>
               </a:spcBef>
@@ -3070,6 +3794,9 @@
               </a:defRPr>
             </a:lvl2pPr>
             <a:lvl3pPr indent="-406400" lvl="2" marL="1371600" marR="0" rtl="0" algn="l">
+              <a:lnSpc>
+                <a:spcPct val="100000"/>
+              </a:lnSpc>
               <a:spcBef>
                 <a:spcPts val="560"/>
               </a:spcBef>
@@ -3093,6 +3820,9 @@
               </a:defRPr>
             </a:lvl3pPr>
             <a:lvl4pPr indent="-393700" lvl="3" marL="1828800" marR="0" rtl="0" algn="l">
+              <a:lnSpc>
+                <a:spcPct val="100000"/>
+              </a:lnSpc>
               <a:spcBef>
                 <a:spcPts val="520"/>
               </a:spcBef>
@@ -3116,6 +3846,9 @@
               </a:defRPr>
             </a:lvl4pPr>
             <a:lvl5pPr indent="-393700" lvl="4" marL="2286000" marR="0" rtl="0" algn="l">
+              <a:lnSpc>
+                <a:spcPct val="100000"/>
+              </a:lnSpc>
               <a:spcBef>
                 <a:spcPts val="520"/>
               </a:spcBef>
@@ -3139,6 +3872,9 @@
               </a:defRPr>
             </a:lvl5pPr>
             <a:lvl6pPr indent="-406400" lvl="5" marL="2743200" marR="0" rtl="0" algn="l">
+              <a:lnSpc>
+                <a:spcPct val="100000"/>
+              </a:lnSpc>
               <a:spcBef>
                 <a:spcPts val="560"/>
               </a:spcBef>
@@ -3162,6 +3898,9 @@
               </a:defRPr>
             </a:lvl6pPr>
             <a:lvl7pPr indent="-406400" lvl="6" marL="3200400" marR="0" rtl="0" algn="l">
+              <a:lnSpc>
+                <a:spcPct val="100000"/>
+              </a:lnSpc>
               <a:spcBef>
                 <a:spcPts val="560"/>
               </a:spcBef>
@@ -3185,6 +3924,9 @@
               </a:defRPr>
             </a:lvl7pPr>
             <a:lvl8pPr indent="-406400" lvl="7" marL="3657600" marR="0" rtl="0" algn="l">
+              <a:lnSpc>
+                <a:spcPct val="100000"/>
+              </a:lnSpc>
               <a:spcBef>
                 <a:spcPts val="560"/>
               </a:spcBef>
@@ -3208,6 +3950,9 @@
               </a:defRPr>
             </a:lvl8pPr>
             <a:lvl9pPr indent="-406400" lvl="8" marL="4114800" marR="0" rtl="0" algn="l">
+              <a:lnSpc>
+                <a:spcPct val="100000"/>
+              </a:lnSpc>
               <a:spcBef>
                 <a:spcPts val="560"/>
               </a:spcBef>
@@ -3236,7 +3981,7 @@
       </p:sp>
       <p:cxnSp>
         <p:nvCxnSpPr>
-          <p:cNvPr id="18" name="Google Shape;18;p4"/>
+          <p:cNvPr id="18" name="Google Shape;18;p11"/>
           <p:cNvCxnSpPr/>
           <p:nvPr/>
         </p:nvCxnSpPr>
@@ -3262,7 +4007,7 @@
       </p:cxnSp>
       <p:pic>
         <p:nvPicPr>
-          <p:cNvPr descr="activeeon-white.pdf" id="19" name="Google Shape;19;p4"/>
+          <p:cNvPr descr="activeeon-white.pdf" id="19" name="Google Shape;19;p11"/>
           <p:cNvPicPr preferRelativeResize="0"/>
           <p:nvPr/>
         </p:nvPicPr>
@@ -3289,7 +4034,7 @@
       </p:pic>
       <p:sp>
         <p:nvSpPr>
-          <p:cNvPr id="20" name="Google Shape;20;p4"/>
+          <p:cNvPr id="20" name="Google Shape;20;p11"/>
           <p:cNvSpPr txBox="1"/>
           <p:nvPr>
             <p:ph type="title"/>
@@ -3309,9 +4054,14 @@
           </a:ln>
         </p:spPr>
         <p:txBody>
-          <a:bodyPr anchorCtr="0" anchor="t" bIns="91425" lIns="91425" spcFirstLastPara="1" rIns="91425" wrap="square" tIns="91425"/>
+          <a:bodyPr anchorCtr="0" anchor="t" bIns="91425" lIns="91425" spcFirstLastPara="1" rIns="91425" wrap="square" tIns="91425">
+            <a:noAutofit/>
+          </a:bodyPr>
           <a:lstStyle>
-            <a:lvl1pPr indent="0" lvl="0" marL="0" marR="0" rtl="0" algn="l">
+            <a:lvl1pPr lvl="0" marR="0" rtl="0" algn="l">
+              <a:lnSpc>
+                <a:spcPct val="100000"/>
+              </a:lnSpc>
               <a:spcBef>
                 <a:spcPts val="0"/>
               </a:spcBef>
@@ -3334,93 +4084,213 @@
                 <a:sym typeface="Helvetica Neue"/>
               </a:defRPr>
             </a:lvl1pPr>
-            <a:lvl2pPr indent="0" lvl="1">
-              <a:spcBef>
-                <a:spcPts val="0"/>
-              </a:spcBef>
-              <a:spcAft>
-                <a:spcPts val="0"/>
-              </a:spcAft>
-              <a:buSzPts val="1400"/>
-              <a:buNone/>
-              <a:defRPr sz="1800"/>
+            <a:lvl2pPr lvl="1" marR="0" rtl="0" algn="l">
+              <a:lnSpc>
+                <a:spcPct val="100000"/>
+              </a:lnSpc>
+              <a:spcBef>
+                <a:spcPts val="0"/>
+              </a:spcBef>
+              <a:spcAft>
+                <a:spcPts val="0"/>
+              </a:spcAft>
+              <a:buClr>
+                <a:srgbClr val="000000"/>
+              </a:buClr>
+              <a:buSzPts val="1400"/>
+              <a:buFont typeface="Arial"/>
+              <a:buNone/>
+              <a:defRPr b="0" i="0" sz="1800" u="none" cap="none" strike="noStrike">
+                <a:solidFill>
+                  <a:srgbClr val="000000"/>
+                </a:solidFill>
+                <a:latin typeface="Arial"/>
+                <a:ea typeface="Arial"/>
+                <a:cs typeface="Arial"/>
+                <a:sym typeface="Arial"/>
+              </a:defRPr>
             </a:lvl2pPr>
-            <a:lvl3pPr indent="0" lvl="2">
-              <a:spcBef>
-                <a:spcPts val="0"/>
-              </a:spcBef>
-              <a:spcAft>
-                <a:spcPts val="0"/>
-              </a:spcAft>
-              <a:buSzPts val="1400"/>
-              <a:buNone/>
-              <a:defRPr sz="1800"/>
+            <a:lvl3pPr lvl="2" marR="0" rtl="0" algn="l">
+              <a:lnSpc>
+                <a:spcPct val="100000"/>
+              </a:lnSpc>
+              <a:spcBef>
+                <a:spcPts val="0"/>
+              </a:spcBef>
+              <a:spcAft>
+                <a:spcPts val="0"/>
+              </a:spcAft>
+              <a:buClr>
+                <a:srgbClr val="000000"/>
+              </a:buClr>
+              <a:buSzPts val="1400"/>
+              <a:buFont typeface="Arial"/>
+              <a:buNone/>
+              <a:defRPr b="0" i="0" sz="1800" u="none" cap="none" strike="noStrike">
+                <a:solidFill>
+                  <a:srgbClr val="000000"/>
+                </a:solidFill>
+                <a:latin typeface="Arial"/>
+                <a:ea typeface="Arial"/>
+                <a:cs typeface="Arial"/>
+                <a:sym typeface="Arial"/>
+              </a:defRPr>
             </a:lvl3pPr>
-            <a:lvl4pPr indent="0" lvl="3">
-              <a:spcBef>
-                <a:spcPts val="0"/>
-              </a:spcBef>
-              <a:spcAft>
-                <a:spcPts val="0"/>
-              </a:spcAft>
-              <a:buSzPts val="1400"/>
-              <a:buNone/>
-              <a:defRPr sz="1800"/>
+            <a:lvl4pPr lvl="3" marR="0" rtl="0" algn="l">
+              <a:lnSpc>
+                <a:spcPct val="100000"/>
+              </a:lnSpc>
+              <a:spcBef>
+                <a:spcPts val="0"/>
+              </a:spcBef>
+              <a:spcAft>
+                <a:spcPts val="0"/>
+              </a:spcAft>
+              <a:buClr>
+                <a:srgbClr val="000000"/>
+              </a:buClr>
+              <a:buSzPts val="1400"/>
+              <a:buFont typeface="Arial"/>
+              <a:buNone/>
+              <a:defRPr b="0" i="0" sz="1800" u="none" cap="none" strike="noStrike">
+                <a:solidFill>
+                  <a:srgbClr val="000000"/>
+                </a:solidFill>
+                <a:latin typeface="Arial"/>
+                <a:ea typeface="Arial"/>
+                <a:cs typeface="Arial"/>
+                <a:sym typeface="Arial"/>
+              </a:defRPr>
             </a:lvl4pPr>
-            <a:lvl5pPr indent="0" lvl="4">
-              <a:spcBef>
-                <a:spcPts val="0"/>
-              </a:spcBef>
-              <a:spcAft>
-                <a:spcPts val="0"/>
-              </a:spcAft>
-              <a:buSzPts val="1400"/>
-              <a:buNone/>
-              <a:defRPr sz="1800"/>
+            <a:lvl5pPr lvl="4" marR="0" rtl="0" algn="l">
+              <a:lnSpc>
+                <a:spcPct val="100000"/>
+              </a:lnSpc>
+              <a:spcBef>
+                <a:spcPts val="0"/>
+              </a:spcBef>
+              <a:spcAft>
+                <a:spcPts val="0"/>
+              </a:spcAft>
+              <a:buClr>
+                <a:srgbClr val="000000"/>
+              </a:buClr>
+              <a:buSzPts val="1400"/>
+              <a:buFont typeface="Arial"/>
+              <a:buNone/>
+              <a:defRPr b="0" i="0" sz="1800" u="none" cap="none" strike="noStrike">
+                <a:solidFill>
+                  <a:srgbClr val="000000"/>
+                </a:solidFill>
+                <a:latin typeface="Arial"/>
+                <a:ea typeface="Arial"/>
+                <a:cs typeface="Arial"/>
+                <a:sym typeface="Arial"/>
+              </a:defRPr>
             </a:lvl5pPr>
-            <a:lvl6pPr indent="0" lvl="5">
-              <a:spcBef>
-                <a:spcPts val="0"/>
-              </a:spcBef>
-              <a:spcAft>
-                <a:spcPts val="0"/>
-              </a:spcAft>
-              <a:buSzPts val="1400"/>
-              <a:buNone/>
-              <a:defRPr sz="1800"/>
+            <a:lvl6pPr lvl="5" marR="0" rtl="0" algn="l">
+              <a:lnSpc>
+                <a:spcPct val="100000"/>
+              </a:lnSpc>
+              <a:spcBef>
+                <a:spcPts val="0"/>
+              </a:spcBef>
+              <a:spcAft>
+                <a:spcPts val="0"/>
+              </a:spcAft>
+              <a:buClr>
+                <a:srgbClr val="000000"/>
+              </a:buClr>
+              <a:buSzPts val="1400"/>
+              <a:buFont typeface="Arial"/>
+              <a:buNone/>
+              <a:defRPr b="0" i="0" sz="1800" u="none" cap="none" strike="noStrike">
+                <a:solidFill>
+                  <a:srgbClr val="000000"/>
+                </a:solidFill>
+                <a:latin typeface="Arial"/>
+                <a:ea typeface="Arial"/>
+                <a:cs typeface="Arial"/>
+                <a:sym typeface="Arial"/>
+              </a:defRPr>
             </a:lvl6pPr>
-            <a:lvl7pPr indent="0" lvl="6">
-              <a:spcBef>
-                <a:spcPts val="0"/>
-              </a:spcBef>
-              <a:spcAft>
-                <a:spcPts val="0"/>
-              </a:spcAft>
-              <a:buSzPts val="1400"/>
-              <a:buNone/>
-              <a:defRPr sz="1800"/>
+            <a:lvl7pPr lvl="6" marR="0" rtl="0" algn="l">
+              <a:lnSpc>
+                <a:spcPct val="100000"/>
+              </a:lnSpc>
+              <a:spcBef>
+                <a:spcPts val="0"/>
+              </a:spcBef>
+              <a:spcAft>
+                <a:spcPts val="0"/>
+              </a:spcAft>
+              <a:buClr>
+                <a:srgbClr val="000000"/>
+              </a:buClr>
+              <a:buSzPts val="1400"/>
+              <a:buFont typeface="Arial"/>
+              <a:buNone/>
+              <a:defRPr b="0" i="0" sz="1800" u="none" cap="none" strike="noStrike">
+                <a:solidFill>
+                  <a:srgbClr val="000000"/>
+                </a:solidFill>
+                <a:latin typeface="Arial"/>
+                <a:ea typeface="Arial"/>
+                <a:cs typeface="Arial"/>
+                <a:sym typeface="Arial"/>
+              </a:defRPr>
             </a:lvl7pPr>
-            <a:lvl8pPr indent="0" lvl="7">
-              <a:spcBef>
-                <a:spcPts val="0"/>
-              </a:spcBef>
-              <a:spcAft>
-                <a:spcPts val="0"/>
-              </a:spcAft>
-              <a:buSzPts val="1400"/>
-              <a:buNone/>
-              <a:defRPr sz="1800"/>
+            <a:lvl8pPr lvl="7" marR="0" rtl="0" algn="l">
+              <a:lnSpc>
+                <a:spcPct val="100000"/>
+              </a:lnSpc>
+              <a:spcBef>
+                <a:spcPts val="0"/>
+              </a:spcBef>
+              <a:spcAft>
+                <a:spcPts val="0"/>
+              </a:spcAft>
+              <a:buClr>
+                <a:srgbClr val="000000"/>
+              </a:buClr>
+              <a:buSzPts val="1400"/>
+              <a:buFont typeface="Arial"/>
+              <a:buNone/>
+              <a:defRPr b="0" i="0" sz="1800" u="none" cap="none" strike="noStrike">
+                <a:solidFill>
+                  <a:srgbClr val="000000"/>
+                </a:solidFill>
+                <a:latin typeface="Arial"/>
+                <a:ea typeface="Arial"/>
+                <a:cs typeface="Arial"/>
+                <a:sym typeface="Arial"/>
+              </a:defRPr>
             </a:lvl8pPr>
-            <a:lvl9pPr indent="0" lvl="8">
-              <a:spcBef>
-                <a:spcPts val="0"/>
-              </a:spcBef>
-              <a:spcAft>
-                <a:spcPts val="0"/>
-              </a:spcAft>
-              <a:buSzPts val="1400"/>
-              <a:buNone/>
-              <a:defRPr sz="1800"/>
+            <a:lvl9pPr lvl="8" marR="0" rtl="0" algn="l">
+              <a:lnSpc>
+                <a:spcPct val="100000"/>
+              </a:lnSpc>
+              <a:spcBef>
+                <a:spcPts val="0"/>
+              </a:spcBef>
+              <a:spcAft>
+                <a:spcPts val="0"/>
+              </a:spcAft>
+              <a:buClr>
+                <a:srgbClr val="000000"/>
+              </a:buClr>
+              <a:buSzPts val="1400"/>
+              <a:buFont typeface="Arial"/>
+              <a:buNone/>
+              <a:defRPr b="0" i="0" sz="1800" u="none" cap="none" strike="noStrike">
+                <a:solidFill>
+                  <a:srgbClr val="000000"/>
+                </a:solidFill>
+                <a:latin typeface="Arial"/>
+                <a:ea typeface="Arial"/>
+                <a:cs typeface="Arial"/>
+                <a:sym typeface="Arial"/>
+              </a:defRPr>
             </a:lvl9pPr>
           </a:lstStyle>
           <a:p/>
@@ -3453,7 +4323,7 @@
       </p:grpSpPr>
       <p:cxnSp>
         <p:nvCxnSpPr>
-          <p:cNvPr id="22" name="Google Shape;22;p5"/>
+          <p:cNvPr id="22" name="Google Shape;22;p12"/>
           <p:cNvCxnSpPr/>
           <p:nvPr/>
         </p:nvCxnSpPr>
@@ -3479,7 +4349,7 @@
       </p:cxnSp>
       <p:sp>
         <p:nvSpPr>
-          <p:cNvPr id="23" name="Google Shape;23;p5"/>
+          <p:cNvPr id="23" name="Google Shape;23;p12"/>
           <p:cNvSpPr txBox="1"/>
           <p:nvPr>
             <p:ph idx="1" type="body"/>
@@ -3499,9 +4369,14 @@
           </a:ln>
         </p:spPr>
         <p:txBody>
-          <a:bodyPr anchorCtr="0" anchor="b" bIns="91425" lIns="91425" spcFirstLastPara="1" rIns="91425" wrap="square" tIns="91425"/>
+          <a:bodyPr anchorCtr="0" anchor="b" bIns="91425" lIns="91425" spcFirstLastPara="1" rIns="91425" wrap="square" tIns="91425">
+            <a:noAutofit/>
+          </a:bodyPr>
           <a:lstStyle>
             <a:lvl1pPr indent="-228600" lvl="0" marL="457200" marR="0" rtl="0" algn="l">
+              <a:lnSpc>
+                <a:spcPct val="100000"/>
+              </a:lnSpc>
               <a:spcBef>
                 <a:spcPts val="560"/>
               </a:spcBef>
@@ -3525,6 +4400,9 @@
               </a:defRPr>
             </a:lvl1pPr>
             <a:lvl2pPr indent="-228600" lvl="1" marL="914400" marR="0" rtl="0" algn="l">
+              <a:lnSpc>
+                <a:spcPct val="100000"/>
+              </a:lnSpc>
               <a:spcBef>
                 <a:spcPts val="560"/>
               </a:spcBef>
@@ -3548,6 +4426,9 @@
               </a:defRPr>
             </a:lvl2pPr>
             <a:lvl3pPr indent="-228600" lvl="2" marL="1371600" marR="0" rtl="0" algn="l">
+              <a:lnSpc>
+                <a:spcPct val="100000"/>
+              </a:lnSpc>
               <a:spcBef>
                 <a:spcPts val="520"/>
               </a:spcBef>
@@ -3571,6 +4452,9 @@
               </a:defRPr>
             </a:lvl3pPr>
             <a:lvl4pPr indent="-228600" lvl="3" marL="1828800" marR="0" rtl="0" algn="l">
+              <a:lnSpc>
+                <a:spcPct val="100000"/>
+              </a:lnSpc>
               <a:spcBef>
                 <a:spcPts val="460"/>
               </a:spcBef>
@@ -3594,6 +4478,9 @@
               </a:defRPr>
             </a:lvl4pPr>
             <a:lvl5pPr indent="-228600" lvl="4" marL="2286000" marR="0" rtl="0" algn="l">
+              <a:lnSpc>
+                <a:spcPct val="100000"/>
+              </a:lnSpc>
               <a:spcBef>
                 <a:spcPts val="460"/>
               </a:spcBef>
@@ -3617,6 +4504,9 @@
               </a:defRPr>
             </a:lvl5pPr>
             <a:lvl6pPr indent="-228600" lvl="5" marL="2743200" marR="0" rtl="0" algn="l">
+              <a:lnSpc>
+                <a:spcPct val="100000"/>
+              </a:lnSpc>
               <a:spcBef>
                 <a:spcPts val="460"/>
               </a:spcBef>
@@ -3640,6 +4530,9 @@
               </a:defRPr>
             </a:lvl6pPr>
             <a:lvl7pPr indent="-228600" lvl="6" marL="3200400" marR="0" rtl="0" algn="l">
+              <a:lnSpc>
+                <a:spcPct val="100000"/>
+              </a:lnSpc>
               <a:spcBef>
                 <a:spcPts val="460"/>
               </a:spcBef>
@@ -3663,6 +4556,9 @@
               </a:defRPr>
             </a:lvl7pPr>
             <a:lvl8pPr indent="-228600" lvl="7" marL="3657600" marR="0" rtl="0" algn="l">
+              <a:lnSpc>
+                <a:spcPct val="100000"/>
+              </a:lnSpc>
               <a:spcBef>
                 <a:spcPts val="460"/>
               </a:spcBef>
@@ -3686,6 +4582,9 @@
               </a:defRPr>
             </a:lvl8pPr>
             <a:lvl9pPr indent="-228600" lvl="8" marL="4114800" marR="0" rtl="0" algn="l">
+              <a:lnSpc>
+                <a:spcPct val="100000"/>
+              </a:lnSpc>
               <a:spcBef>
                 <a:spcPts val="460"/>
               </a:spcBef>
@@ -3714,7 +4613,7 @@
       </p:sp>
       <p:sp>
         <p:nvSpPr>
-          <p:cNvPr id="24" name="Google Shape;24;p5"/>
+          <p:cNvPr id="24" name="Google Shape;24;p12"/>
           <p:cNvSpPr txBox="1"/>
           <p:nvPr>
             <p:ph idx="2" type="body"/>
@@ -3734,9 +4633,14 @@
           </a:ln>
         </p:spPr>
         <p:txBody>
-          <a:bodyPr anchorCtr="0" anchor="b" bIns="91425" lIns="91425" spcFirstLastPara="1" rIns="91425" wrap="square" tIns="91425"/>
+          <a:bodyPr anchorCtr="0" anchor="b" bIns="91425" lIns="91425" spcFirstLastPara="1" rIns="91425" wrap="square" tIns="91425">
+            <a:noAutofit/>
+          </a:bodyPr>
           <a:lstStyle>
             <a:lvl1pPr indent="-228600" lvl="0" marL="457200" marR="0" rtl="0" algn="l">
+              <a:lnSpc>
+                <a:spcPct val="100000"/>
+              </a:lnSpc>
               <a:spcBef>
                 <a:spcPts val="560"/>
               </a:spcBef>
@@ -3760,6 +4664,9 @@
               </a:defRPr>
             </a:lvl1pPr>
             <a:lvl2pPr indent="-228600" lvl="1" marL="914400" marR="0" rtl="0" algn="l">
+              <a:lnSpc>
+                <a:spcPct val="100000"/>
+              </a:lnSpc>
               <a:spcBef>
                 <a:spcPts val="560"/>
               </a:spcBef>
@@ -3783,6 +4690,9 @@
               </a:defRPr>
             </a:lvl2pPr>
             <a:lvl3pPr indent="-228600" lvl="2" marL="1371600" marR="0" rtl="0" algn="l">
+              <a:lnSpc>
+                <a:spcPct val="100000"/>
+              </a:lnSpc>
               <a:spcBef>
                 <a:spcPts val="520"/>
               </a:spcBef>
@@ -3806,6 +4716,9 @@
               </a:defRPr>
             </a:lvl3pPr>
             <a:lvl4pPr indent="-228600" lvl="3" marL="1828800" marR="0" rtl="0" algn="l">
+              <a:lnSpc>
+                <a:spcPct val="100000"/>
+              </a:lnSpc>
               <a:spcBef>
                 <a:spcPts val="460"/>
               </a:spcBef>
@@ -3829,6 +4742,9 @@
               </a:defRPr>
             </a:lvl4pPr>
             <a:lvl5pPr indent="-228600" lvl="4" marL="2286000" marR="0" rtl="0" algn="l">
+              <a:lnSpc>
+                <a:spcPct val="100000"/>
+              </a:lnSpc>
               <a:spcBef>
                 <a:spcPts val="460"/>
               </a:spcBef>
@@ -3852,6 +4768,9 @@
               </a:defRPr>
             </a:lvl5pPr>
             <a:lvl6pPr indent="-228600" lvl="5" marL="2743200" marR="0" rtl="0" algn="l">
+              <a:lnSpc>
+                <a:spcPct val="100000"/>
+              </a:lnSpc>
               <a:spcBef>
                 <a:spcPts val="460"/>
               </a:spcBef>
@@ -3875,6 +4794,9 @@
               </a:defRPr>
             </a:lvl6pPr>
             <a:lvl7pPr indent="-228600" lvl="6" marL="3200400" marR="0" rtl="0" algn="l">
+              <a:lnSpc>
+                <a:spcPct val="100000"/>
+              </a:lnSpc>
               <a:spcBef>
                 <a:spcPts val="460"/>
               </a:spcBef>
@@ -3898,6 +4820,9 @@
               </a:defRPr>
             </a:lvl7pPr>
             <a:lvl8pPr indent="-228600" lvl="7" marL="3657600" marR="0" rtl="0" algn="l">
+              <a:lnSpc>
+                <a:spcPct val="100000"/>
+              </a:lnSpc>
               <a:spcBef>
                 <a:spcPts val="460"/>
               </a:spcBef>
@@ -3921,6 +4846,9 @@
               </a:defRPr>
             </a:lvl8pPr>
             <a:lvl9pPr indent="-228600" lvl="8" marL="4114800" marR="0" rtl="0" algn="l">
+              <a:lnSpc>
+                <a:spcPct val="100000"/>
+              </a:lnSpc>
               <a:spcBef>
                 <a:spcPts val="460"/>
               </a:spcBef>
@@ -3949,7 +4877,7 @@
       </p:sp>
       <p:pic>
         <p:nvPicPr>
-          <p:cNvPr descr="activeeon-white.pdf" id="25" name="Google Shape;25;p5"/>
+          <p:cNvPr descr="activeeon-white.pdf" id="25" name="Google Shape;25;p12"/>
           <p:cNvPicPr preferRelativeResize="0"/>
           <p:nvPr/>
         </p:nvPicPr>
@@ -3976,7 +4904,7 @@
       </p:pic>
       <p:sp>
         <p:nvSpPr>
-          <p:cNvPr id="26" name="Google Shape;26;p5"/>
+          <p:cNvPr id="26" name="Google Shape;26;p12"/>
           <p:cNvSpPr txBox="1"/>
           <p:nvPr>
             <p:ph idx="3" type="body"/>
@@ -3996,9 +4924,14 @@
           </a:ln>
         </p:spPr>
         <p:txBody>
-          <a:bodyPr anchorCtr="0" anchor="t" bIns="91425" lIns="91425" spcFirstLastPara="1" rIns="91425" wrap="square" tIns="91425"/>
+          <a:bodyPr anchorCtr="0" anchor="t" bIns="91425" lIns="91425" spcFirstLastPara="1" rIns="91425" wrap="square" tIns="91425">
+            <a:noAutofit/>
+          </a:bodyPr>
           <a:lstStyle>
             <a:lvl1pPr indent="-390525" lvl="0" marL="457200" marR="0" rtl="0" algn="l">
+              <a:lnSpc>
+                <a:spcPct val="100000"/>
+              </a:lnSpc>
               <a:spcBef>
                 <a:spcPts val="680"/>
               </a:spcBef>
@@ -4022,6 +4955,9 @@
               </a:defRPr>
             </a:lvl1pPr>
             <a:lvl2pPr indent="-406400" lvl="1" marL="914400" marR="0" rtl="0" algn="l">
+              <a:lnSpc>
+                <a:spcPct val="100000"/>
+              </a:lnSpc>
               <a:spcBef>
                 <a:spcPts val="560"/>
               </a:spcBef>
@@ -4045,6 +4981,9 @@
               </a:defRPr>
             </a:lvl2pPr>
             <a:lvl3pPr indent="-393700" lvl="2" marL="1371600" marR="0" rtl="0" algn="l">
+              <a:lnSpc>
+                <a:spcPct val="100000"/>
+              </a:lnSpc>
               <a:spcBef>
                 <a:spcPts val="520"/>
               </a:spcBef>
@@ -4068,6 +5007,9 @@
               </a:defRPr>
             </a:lvl3pPr>
             <a:lvl4pPr indent="-374650" lvl="3" marL="1828800" marR="0" rtl="0" algn="l">
+              <a:lnSpc>
+                <a:spcPct val="100000"/>
+              </a:lnSpc>
               <a:spcBef>
                 <a:spcPts val="460"/>
               </a:spcBef>
@@ -4091,6 +5033,9 @@
               </a:defRPr>
             </a:lvl4pPr>
             <a:lvl5pPr indent="-374650" lvl="4" marL="2286000" marR="0" rtl="0" algn="l">
+              <a:lnSpc>
+                <a:spcPct val="100000"/>
+              </a:lnSpc>
               <a:spcBef>
                 <a:spcPts val="460"/>
               </a:spcBef>
@@ -4114,6 +5059,9 @@
               </a:defRPr>
             </a:lvl5pPr>
             <a:lvl6pPr indent="-406400" lvl="5" marL="2743200" marR="0" rtl="0" algn="l">
+              <a:lnSpc>
+                <a:spcPct val="100000"/>
+              </a:lnSpc>
               <a:spcBef>
                 <a:spcPts val="560"/>
               </a:spcBef>
@@ -4137,6 +5085,9 @@
               </a:defRPr>
             </a:lvl6pPr>
             <a:lvl7pPr indent="-406400" lvl="6" marL="3200400" marR="0" rtl="0" algn="l">
+              <a:lnSpc>
+                <a:spcPct val="100000"/>
+              </a:lnSpc>
               <a:spcBef>
                 <a:spcPts val="560"/>
               </a:spcBef>
@@ -4160,6 +5111,9 @@
               </a:defRPr>
             </a:lvl7pPr>
             <a:lvl8pPr indent="-406400" lvl="7" marL="3657600" marR="0" rtl="0" algn="l">
+              <a:lnSpc>
+                <a:spcPct val="100000"/>
+              </a:lnSpc>
               <a:spcBef>
                 <a:spcPts val="560"/>
               </a:spcBef>
@@ -4183,6 +5137,9 @@
               </a:defRPr>
             </a:lvl8pPr>
             <a:lvl9pPr indent="-406400" lvl="8" marL="4114800" marR="0" rtl="0" algn="l">
+              <a:lnSpc>
+                <a:spcPct val="100000"/>
+              </a:lnSpc>
               <a:spcBef>
                 <a:spcPts val="560"/>
               </a:spcBef>
@@ -4211,7 +5168,7 @@
       </p:sp>
       <p:sp>
         <p:nvSpPr>
-          <p:cNvPr id="27" name="Google Shape;27;p5"/>
+          <p:cNvPr id="27" name="Google Shape;27;p12"/>
           <p:cNvSpPr txBox="1"/>
           <p:nvPr>
             <p:ph idx="4" type="body"/>
@@ -4231,9 +5188,14 @@
           </a:ln>
         </p:spPr>
         <p:txBody>
-          <a:bodyPr anchorCtr="0" anchor="t" bIns="91425" lIns="91425" spcFirstLastPara="1" rIns="91425" wrap="square" tIns="91425"/>
+          <a:bodyPr anchorCtr="0" anchor="t" bIns="91425" lIns="91425" spcFirstLastPara="1" rIns="91425" wrap="square" tIns="91425">
+            <a:noAutofit/>
+          </a:bodyPr>
           <a:lstStyle>
             <a:lvl1pPr indent="-390525" lvl="0" marL="457200" marR="0" rtl="0" algn="l">
+              <a:lnSpc>
+                <a:spcPct val="100000"/>
+              </a:lnSpc>
               <a:spcBef>
                 <a:spcPts val="680"/>
               </a:spcBef>
@@ -4257,6 +5219,9 @@
               </a:defRPr>
             </a:lvl1pPr>
             <a:lvl2pPr indent="-406400" lvl="1" marL="914400" marR="0" rtl="0" algn="l">
+              <a:lnSpc>
+                <a:spcPct val="100000"/>
+              </a:lnSpc>
               <a:spcBef>
                 <a:spcPts val="560"/>
               </a:spcBef>
@@ -4280,6 +5245,9 @@
               </a:defRPr>
             </a:lvl2pPr>
             <a:lvl3pPr indent="-393700" lvl="2" marL="1371600" marR="0" rtl="0" algn="l">
+              <a:lnSpc>
+                <a:spcPct val="100000"/>
+              </a:lnSpc>
               <a:spcBef>
                 <a:spcPts val="520"/>
               </a:spcBef>
@@ -4303,6 +5271,9 @@
               </a:defRPr>
             </a:lvl3pPr>
             <a:lvl4pPr indent="-374650" lvl="3" marL="1828800" marR="0" rtl="0" algn="l">
+              <a:lnSpc>
+                <a:spcPct val="100000"/>
+              </a:lnSpc>
               <a:spcBef>
                 <a:spcPts val="460"/>
               </a:spcBef>
@@ -4326,6 +5297,9 @@
               </a:defRPr>
             </a:lvl4pPr>
             <a:lvl5pPr indent="-374650" lvl="4" marL="2286000" marR="0" rtl="0" algn="l">
+              <a:lnSpc>
+                <a:spcPct val="100000"/>
+              </a:lnSpc>
               <a:spcBef>
                 <a:spcPts val="460"/>
               </a:spcBef>
@@ -4349,6 +5323,9 @@
               </a:defRPr>
             </a:lvl5pPr>
             <a:lvl6pPr indent="-406400" lvl="5" marL="2743200" marR="0" rtl="0" algn="l">
+              <a:lnSpc>
+                <a:spcPct val="100000"/>
+              </a:lnSpc>
               <a:spcBef>
                 <a:spcPts val="560"/>
               </a:spcBef>
@@ -4372,6 +5349,9 @@
               </a:defRPr>
             </a:lvl6pPr>
             <a:lvl7pPr indent="-406400" lvl="6" marL="3200400" marR="0" rtl="0" algn="l">
+              <a:lnSpc>
+                <a:spcPct val="100000"/>
+              </a:lnSpc>
               <a:spcBef>
                 <a:spcPts val="560"/>
               </a:spcBef>
@@ -4395,6 +5375,9 @@
               </a:defRPr>
             </a:lvl7pPr>
             <a:lvl8pPr indent="-406400" lvl="7" marL="3657600" marR="0" rtl="0" algn="l">
+              <a:lnSpc>
+                <a:spcPct val="100000"/>
+              </a:lnSpc>
               <a:spcBef>
                 <a:spcPts val="560"/>
               </a:spcBef>
@@ -4418,6 +5401,9 @@
               </a:defRPr>
             </a:lvl8pPr>
             <a:lvl9pPr indent="-406400" lvl="8" marL="4114800" marR="0" rtl="0" algn="l">
+              <a:lnSpc>
+                <a:spcPct val="100000"/>
+              </a:lnSpc>
               <a:spcBef>
                 <a:spcPts val="560"/>
               </a:spcBef>
@@ -4446,7 +5432,7 @@
       </p:sp>
       <p:sp>
         <p:nvSpPr>
-          <p:cNvPr id="28" name="Google Shape;28;p5"/>
+          <p:cNvPr id="28" name="Google Shape;28;p12"/>
           <p:cNvSpPr txBox="1"/>
           <p:nvPr>
             <p:ph type="title"/>
@@ -4466,9 +5452,14 @@
           </a:ln>
         </p:spPr>
         <p:txBody>
-          <a:bodyPr anchorCtr="0" anchor="t" bIns="91425" lIns="91425" spcFirstLastPara="1" rIns="91425" wrap="square" tIns="91425"/>
+          <a:bodyPr anchorCtr="0" anchor="t" bIns="91425" lIns="91425" spcFirstLastPara="1" rIns="91425" wrap="square" tIns="91425">
+            <a:noAutofit/>
+          </a:bodyPr>
           <a:lstStyle>
-            <a:lvl1pPr indent="0" lvl="0" marL="0" marR="0" rtl="0" algn="l">
+            <a:lvl1pPr lvl="0" marR="0" rtl="0" algn="l">
+              <a:lnSpc>
+                <a:spcPct val="100000"/>
+              </a:lnSpc>
               <a:spcBef>
                 <a:spcPts val="0"/>
               </a:spcBef>
@@ -4491,93 +5482,213 @@
                 <a:sym typeface="Helvetica Neue"/>
               </a:defRPr>
             </a:lvl1pPr>
-            <a:lvl2pPr indent="0" lvl="1">
-              <a:spcBef>
-                <a:spcPts val="0"/>
-              </a:spcBef>
-              <a:spcAft>
-                <a:spcPts val="0"/>
-              </a:spcAft>
-              <a:buSzPts val="1400"/>
-              <a:buNone/>
-              <a:defRPr sz="1800"/>
+            <a:lvl2pPr lvl="1" marR="0" rtl="0" algn="l">
+              <a:lnSpc>
+                <a:spcPct val="100000"/>
+              </a:lnSpc>
+              <a:spcBef>
+                <a:spcPts val="0"/>
+              </a:spcBef>
+              <a:spcAft>
+                <a:spcPts val="0"/>
+              </a:spcAft>
+              <a:buClr>
+                <a:srgbClr val="000000"/>
+              </a:buClr>
+              <a:buSzPts val="1400"/>
+              <a:buFont typeface="Arial"/>
+              <a:buNone/>
+              <a:defRPr b="0" i="0" sz="1800" u="none" cap="none" strike="noStrike">
+                <a:solidFill>
+                  <a:srgbClr val="000000"/>
+                </a:solidFill>
+                <a:latin typeface="Arial"/>
+                <a:ea typeface="Arial"/>
+                <a:cs typeface="Arial"/>
+                <a:sym typeface="Arial"/>
+              </a:defRPr>
             </a:lvl2pPr>
-            <a:lvl3pPr indent="0" lvl="2">
-              <a:spcBef>
-                <a:spcPts val="0"/>
-              </a:spcBef>
-              <a:spcAft>
-                <a:spcPts val="0"/>
-              </a:spcAft>
-              <a:buSzPts val="1400"/>
-              <a:buNone/>
-              <a:defRPr sz="1800"/>
+            <a:lvl3pPr lvl="2" marR="0" rtl="0" algn="l">
+              <a:lnSpc>
+                <a:spcPct val="100000"/>
+              </a:lnSpc>
+              <a:spcBef>
+                <a:spcPts val="0"/>
+              </a:spcBef>
+              <a:spcAft>
+                <a:spcPts val="0"/>
+              </a:spcAft>
+              <a:buClr>
+                <a:srgbClr val="000000"/>
+              </a:buClr>
+              <a:buSzPts val="1400"/>
+              <a:buFont typeface="Arial"/>
+              <a:buNone/>
+              <a:defRPr b="0" i="0" sz="1800" u="none" cap="none" strike="noStrike">
+                <a:solidFill>
+                  <a:srgbClr val="000000"/>
+                </a:solidFill>
+                <a:latin typeface="Arial"/>
+                <a:ea typeface="Arial"/>
+                <a:cs typeface="Arial"/>
+                <a:sym typeface="Arial"/>
+              </a:defRPr>
             </a:lvl3pPr>
-            <a:lvl4pPr indent="0" lvl="3">
-              <a:spcBef>
-                <a:spcPts val="0"/>
-              </a:spcBef>
-              <a:spcAft>
-                <a:spcPts val="0"/>
-              </a:spcAft>
-              <a:buSzPts val="1400"/>
-              <a:buNone/>
-              <a:defRPr sz="1800"/>
+            <a:lvl4pPr lvl="3" marR="0" rtl="0" algn="l">
+              <a:lnSpc>
+                <a:spcPct val="100000"/>
+              </a:lnSpc>
+              <a:spcBef>
+                <a:spcPts val="0"/>
+              </a:spcBef>
+              <a:spcAft>
+                <a:spcPts val="0"/>
+              </a:spcAft>
+              <a:buClr>
+                <a:srgbClr val="000000"/>
+              </a:buClr>
+              <a:buSzPts val="1400"/>
+              <a:buFont typeface="Arial"/>
+              <a:buNone/>
+              <a:defRPr b="0" i="0" sz="1800" u="none" cap="none" strike="noStrike">
+                <a:solidFill>
+                  <a:srgbClr val="000000"/>
+                </a:solidFill>
+                <a:latin typeface="Arial"/>
+                <a:ea typeface="Arial"/>
+                <a:cs typeface="Arial"/>
+                <a:sym typeface="Arial"/>
+              </a:defRPr>
             </a:lvl4pPr>
-            <a:lvl5pPr indent="0" lvl="4">
-              <a:spcBef>
-                <a:spcPts val="0"/>
-              </a:spcBef>
-              <a:spcAft>
-                <a:spcPts val="0"/>
-              </a:spcAft>
-              <a:buSzPts val="1400"/>
-              <a:buNone/>
-              <a:defRPr sz="1800"/>
+            <a:lvl5pPr lvl="4" marR="0" rtl="0" algn="l">
+              <a:lnSpc>
+                <a:spcPct val="100000"/>
+              </a:lnSpc>
+              <a:spcBef>
+                <a:spcPts val="0"/>
+              </a:spcBef>
+              <a:spcAft>
+                <a:spcPts val="0"/>
+              </a:spcAft>
+              <a:buClr>
+                <a:srgbClr val="000000"/>
+              </a:buClr>
+              <a:buSzPts val="1400"/>
+              <a:buFont typeface="Arial"/>
+              <a:buNone/>
+              <a:defRPr b="0" i="0" sz="1800" u="none" cap="none" strike="noStrike">
+                <a:solidFill>
+                  <a:srgbClr val="000000"/>
+                </a:solidFill>
+                <a:latin typeface="Arial"/>
+                <a:ea typeface="Arial"/>
+                <a:cs typeface="Arial"/>
+                <a:sym typeface="Arial"/>
+              </a:defRPr>
             </a:lvl5pPr>
-            <a:lvl6pPr indent="0" lvl="5">
-              <a:spcBef>
-                <a:spcPts val="0"/>
-              </a:spcBef>
-              <a:spcAft>
-                <a:spcPts val="0"/>
-              </a:spcAft>
-              <a:buSzPts val="1400"/>
-              <a:buNone/>
-              <a:defRPr sz="1800"/>
+            <a:lvl6pPr lvl="5" marR="0" rtl="0" algn="l">
+              <a:lnSpc>
+                <a:spcPct val="100000"/>
+              </a:lnSpc>
+              <a:spcBef>
+                <a:spcPts val="0"/>
+              </a:spcBef>
+              <a:spcAft>
+                <a:spcPts val="0"/>
+              </a:spcAft>
+              <a:buClr>
+                <a:srgbClr val="000000"/>
+              </a:buClr>
+              <a:buSzPts val="1400"/>
+              <a:buFont typeface="Arial"/>
+              <a:buNone/>
+              <a:defRPr b="0" i="0" sz="1800" u="none" cap="none" strike="noStrike">
+                <a:solidFill>
+                  <a:srgbClr val="000000"/>
+                </a:solidFill>
+                <a:latin typeface="Arial"/>
+                <a:ea typeface="Arial"/>
+                <a:cs typeface="Arial"/>
+                <a:sym typeface="Arial"/>
+              </a:defRPr>
             </a:lvl6pPr>
-            <a:lvl7pPr indent="0" lvl="6">
-              <a:spcBef>
-                <a:spcPts val="0"/>
-              </a:spcBef>
-              <a:spcAft>
-                <a:spcPts val="0"/>
-              </a:spcAft>
-              <a:buSzPts val="1400"/>
-              <a:buNone/>
-              <a:defRPr sz="1800"/>
+            <a:lvl7pPr lvl="6" marR="0" rtl="0" algn="l">
+              <a:lnSpc>
+                <a:spcPct val="100000"/>
+              </a:lnSpc>
+              <a:spcBef>
+                <a:spcPts val="0"/>
+              </a:spcBef>
+              <a:spcAft>
+                <a:spcPts val="0"/>
+              </a:spcAft>
+              <a:buClr>
+                <a:srgbClr val="000000"/>
+              </a:buClr>
+              <a:buSzPts val="1400"/>
+              <a:buFont typeface="Arial"/>
+              <a:buNone/>
+              <a:defRPr b="0" i="0" sz="1800" u="none" cap="none" strike="noStrike">
+                <a:solidFill>
+                  <a:srgbClr val="000000"/>
+                </a:solidFill>
+                <a:latin typeface="Arial"/>
+                <a:ea typeface="Arial"/>
+                <a:cs typeface="Arial"/>
+                <a:sym typeface="Arial"/>
+              </a:defRPr>
             </a:lvl7pPr>
-            <a:lvl8pPr indent="0" lvl="7">
-              <a:spcBef>
-                <a:spcPts val="0"/>
-              </a:spcBef>
-              <a:spcAft>
-                <a:spcPts val="0"/>
-              </a:spcAft>
-              <a:buSzPts val="1400"/>
-              <a:buNone/>
-              <a:defRPr sz="1800"/>
+            <a:lvl8pPr lvl="7" marR="0" rtl="0" algn="l">
+              <a:lnSpc>
+                <a:spcPct val="100000"/>
+              </a:lnSpc>
+              <a:spcBef>
+                <a:spcPts val="0"/>
+              </a:spcBef>
+              <a:spcAft>
+                <a:spcPts val="0"/>
+              </a:spcAft>
+              <a:buClr>
+                <a:srgbClr val="000000"/>
+              </a:buClr>
+              <a:buSzPts val="1400"/>
+              <a:buFont typeface="Arial"/>
+              <a:buNone/>
+              <a:defRPr b="0" i="0" sz="1800" u="none" cap="none" strike="noStrike">
+                <a:solidFill>
+                  <a:srgbClr val="000000"/>
+                </a:solidFill>
+                <a:latin typeface="Arial"/>
+                <a:ea typeface="Arial"/>
+                <a:cs typeface="Arial"/>
+                <a:sym typeface="Arial"/>
+              </a:defRPr>
             </a:lvl8pPr>
-            <a:lvl9pPr indent="0" lvl="8">
-              <a:spcBef>
-                <a:spcPts val="0"/>
-              </a:spcBef>
-              <a:spcAft>
-                <a:spcPts val="0"/>
-              </a:spcAft>
-              <a:buSzPts val="1400"/>
-              <a:buNone/>
-              <a:defRPr sz="1800"/>
+            <a:lvl9pPr lvl="8" marR="0" rtl="0" algn="l">
+              <a:lnSpc>
+                <a:spcPct val="100000"/>
+              </a:lnSpc>
+              <a:spcBef>
+                <a:spcPts val="0"/>
+              </a:spcBef>
+              <a:spcAft>
+                <a:spcPts val="0"/>
+              </a:spcAft>
+              <a:buClr>
+                <a:srgbClr val="000000"/>
+              </a:buClr>
+              <a:buSzPts val="1400"/>
+              <a:buFont typeface="Arial"/>
+              <a:buNone/>
+              <a:defRPr b="0" i="0" sz="1800" u="none" cap="none" strike="noStrike">
+                <a:solidFill>
+                  <a:srgbClr val="000000"/>
+                </a:solidFill>
+                <a:latin typeface="Arial"/>
+                <a:ea typeface="Arial"/>
+                <a:cs typeface="Arial"/>
+                <a:sym typeface="Arial"/>
+              </a:defRPr>
             </a:lvl9pPr>
           </a:lstStyle>
           <a:p/>
@@ -4610,7 +5721,7 @@
       </p:grpSpPr>
       <p:cxnSp>
         <p:nvCxnSpPr>
-          <p:cNvPr id="30" name="Google Shape;30;p6"/>
+          <p:cNvPr id="30" name="Google Shape;30;p13"/>
           <p:cNvCxnSpPr/>
           <p:nvPr/>
         </p:nvCxnSpPr>
@@ -4636,7 +5747,7 @@
       </p:cxnSp>
       <p:pic>
         <p:nvPicPr>
-          <p:cNvPr descr="activeeon-white.pdf" id="31" name="Google Shape;31;p6"/>
+          <p:cNvPr descr="activeeon-white.pdf" id="31" name="Google Shape;31;p13"/>
           <p:cNvPicPr preferRelativeResize="0"/>
           <p:nvPr/>
         </p:nvPicPr>
@@ -4663,7 +5774,7 @@
       </p:pic>
       <p:sp>
         <p:nvSpPr>
-          <p:cNvPr id="32" name="Google Shape;32;p6"/>
+          <p:cNvPr id="32" name="Google Shape;32;p13"/>
           <p:cNvSpPr txBox="1"/>
           <p:nvPr>
             <p:ph type="title"/>
@@ -4683,9 +5794,14 @@
           </a:ln>
         </p:spPr>
         <p:txBody>
-          <a:bodyPr anchorCtr="0" anchor="t" bIns="91425" lIns="91425" spcFirstLastPara="1" rIns="91425" wrap="square" tIns="91425"/>
+          <a:bodyPr anchorCtr="0" anchor="t" bIns="91425" lIns="91425" spcFirstLastPara="1" rIns="91425" wrap="square" tIns="91425">
+            <a:noAutofit/>
+          </a:bodyPr>
           <a:lstStyle>
-            <a:lvl1pPr indent="0" lvl="0" marL="0" marR="0" rtl="0" algn="l">
+            <a:lvl1pPr lvl="0" marR="0" rtl="0" algn="l">
+              <a:lnSpc>
+                <a:spcPct val="100000"/>
+              </a:lnSpc>
               <a:spcBef>
                 <a:spcPts val="0"/>
               </a:spcBef>
@@ -4708,93 +5824,213 @@
                 <a:sym typeface="Helvetica Neue"/>
               </a:defRPr>
             </a:lvl1pPr>
-            <a:lvl2pPr indent="0" lvl="1">
-              <a:spcBef>
-                <a:spcPts val="0"/>
-              </a:spcBef>
-              <a:spcAft>
-                <a:spcPts val="0"/>
-              </a:spcAft>
-              <a:buSzPts val="1400"/>
-              <a:buNone/>
-              <a:defRPr sz="1800"/>
+            <a:lvl2pPr lvl="1" marR="0" rtl="0" algn="l">
+              <a:lnSpc>
+                <a:spcPct val="100000"/>
+              </a:lnSpc>
+              <a:spcBef>
+                <a:spcPts val="0"/>
+              </a:spcBef>
+              <a:spcAft>
+                <a:spcPts val="0"/>
+              </a:spcAft>
+              <a:buClr>
+                <a:srgbClr val="000000"/>
+              </a:buClr>
+              <a:buSzPts val="1400"/>
+              <a:buFont typeface="Arial"/>
+              <a:buNone/>
+              <a:defRPr b="0" i="0" sz="1800" u="none" cap="none" strike="noStrike">
+                <a:solidFill>
+                  <a:srgbClr val="000000"/>
+                </a:solidFill>
+                <a:latin typeface="Arial"/>
+                <a:ea typeface="Arial"/>
+                <a:cs typeface="Arial"/>
+                <a:sym typeface="Arial"/>
+              </a:defRPr>
             </a:lvl2pPr>
-            <a:lvl3pPr indent="0" lvl="2">
-              <a:spcBef>
-                <a:spcPts val="0"/>
-              </a:spcBef>
-              <a:spcAft>
-                <a:spcPts val="0"/>
-              </a:spcAft>
-              <a:buSzPts val="1400"/>
-              <a:buNone/>
-              <a:defRPr sz="1800"/>
+            <a:lvl3pPr lvl="2" marR="0" rtl="0" algn="l">
+              <a:lnSpc>
+                <a:spcPct val="100000"/>
+              </a:lnSpc>
+              <a:spcBef>
+                <a:spcPts val="0"/>
+              </a:spcBef>
+              <a:spcAft>
+                <a:spcPts val="0"/>
+              </a:spcAft>
+              <a:buClr>
+                <a:srgbClr val="000000"/>
+              </a:buClr>
+              <a:buSzPts val="1400"/>
+              <a:buFont typeface="Arial"/>
+              <a:buNone/>
+              <a:defRPr b="0" i="0" sz="1800" u="none" cap="none" strike="noStrike">
+                <a:solidFill>
+                  <a:srgbClr val="000000"/>
+                </a:solidFill>
+                <a:latin typeface="Arial"/>
+                <a:ea typeface="Arial"/>
+                <a:cs typeface="Arial"/>
+                <a:sym typeface="Arial"/>
+              </a:defRPr>
             </a:lvl3pPr>
-            <a:lvl4pPr indent="0" lvl="3">
-              <a:spcBef>
-                <a:spcPts val="0"/>
-              </a:spcBef>
-              <a:spcAft>
-                <a:spcPts val="0"/>
-              </a:spcAft>
-              <a:buSzPts val="1400"/>
-              <a:buNone/>
-              <a:defRPr sz="1800"/>
+            <a:lvl4pPr lvl="3" marR="0" rtl="0" algn="l">
+              <a:lnSpc>
+                <a:spcPct val="100000"/>
+              </a:lnSpc>
+              <a:spcBef>
+                <a:spcPts val="0"/>
+              </a:spcBef>
+              <a:spcAft>
+                <a:spcPts val="0"/>
+              </a:spcAft>
+              <a:buClr>
+                <a:srgbClr val="000000"/>
+              </a:buClr>
+              <a:buSzPts val="1400"/>
+              <a:buFont typeface="Arial"/>
+              <a:buNone/>
+              <a:defRPr b="0" i="0" sz="1800" u="none" cap="none" strike="noStrike">
+                <a:solidFill>
+                  <a:srgbClr val="000000"/>
+                </a:solidFill>
+                <a:latin typeface="Arial"/>
+                <a:ea typeface="Arial"/>
+                <a:cs typeface="Arial"/>
+                <a:sym typeface="Arial"/>
+              </a:defRPr>
             </a:lvl4pPr>
-            <a:lvl5pPr indent="0" lvl="4">
-              <a:spcBef>
-                <a:spcPts val="0"/>
-              </a:spcBef>
-              <a:spcAft>
-                <a:spcPts val="0"/>
-              </a:spcAft>
-              <a:buSzPts val="1400"/>
-              <a:buNone/>
-              <a:defRPr sz="1800"/>
+            <a:lvl5pPr lvl="4" marR="0" rtl="0" algn="l">
+              <a:lnSpc>
+                <a:spcPct val="100000"/>
+              </a:lnSpc>
+              <a:spcBef>
+                <a:spcPts val="0"/>
+              </a:spcBef>
+              <a:spcAft>
+                <a:spcPts val="0"/>
+              </a:spcAft>
+              <a:buClr>
+                <a:srgbClr val="000000"/>
+              </a:buClr>
+              <a:buSzPts val="1400"/>
+              <a:buFont typeface="Arial"/>
+              <a:buNone/>
+              <a:defRPr b="0" i="0" sz="1800" u="none" cap="none" strike="noStrike">
+                <a:solidFill>
+                  <a:srgbClr val="000000"/>
+                </a:solidFill>
+                <a:latin typeface="Arial"/>
+                <a:ea typeface="Arial"/>
+                <a:cs typeface="Arial"/>
+                <a:sym typeface="Arial"/>
+              </a:defRPr>
             </a:lvl5pPr>
-            <a:lvl6pPr indent="0" lvl="5">
-              <a:spcBef>
-                <a:spcPts val="0"/>
-              </a:spcBef>
-              <a:spcAft>
-                <a:spcPts val="0"/>
-              </a:spcAft>
-              <a:buSzPts val="1400"/>
-              <a:buNone/>
-              <a:defRPr sz="1800"/>
+            <a:lvl6pPr lvl="5" marR="0" rtl="0" algn="l">
+              <a:lnSpc>
+                <a:spcPct val="100000"/>
+              </a:lnSpc>
+              <a:spcBef>
+                <a:spcPts val="0"/>
+              </a:spcBef>
+              <a:spcAft>
+                <a:spcPts val="0"/>
+              </a:spcAft>
+              <a:buClr>
+                <a:srgbClr val="000000"/>
+              </a:buClr>
+              <a:buSzPts val="1400"/>
+              <a:buFont typeface="Arial"/>
+              <a:buNone/>
+              <a:defRPr b="0" i="0" sz="1800" u="none" cap="none" strike="noStrike">
+                <a:solidFill>
+                  <a:srgbClr val="000000"/>
+                </a:solidFill>
+                <a:latin typeface="Arial"/>
+                <a:ea typeface="Arial"/>
+                <a:cs typeface="Arial"/>
+                <a:sym typeface="Arial"/>
+              </a:defRPr>
             </a:lvl6pPr>
-            <a:lvl7pPr indent="0" lvl="6">
-              <a:spcBef>
-                <a:spcPts val="0"/>
-              </a:spcBef>
-              <a:spcAft>
-                <a:spcPts val="0"/>
-              </a:spcAft>
-              <a:buSzPts val="1400"/>
-              <a:buNone/>
-              <a:defRPr sz="1800"/>
+            <a:lvl7pPr lvl="6" marR="0" rtl="0" algn="l">
+              <a:lnSpc>
+                <a:spcPct val="100000"/>
+              </a:lnSpc>
+              <a:spcBef>
+                <a:spcPts val="0"/>
+              </a:spcBef>
+              <a:spcAft>
+                <a:spcPts val="0"/>
+              </a:spcAft>
+              <a:buClr>
+                <a:srgbClr val="000000"/>
+              </a:buClr>
+              <a:buSzPts val="1400"/>
+              <a:buFont typeface="Arial"/>
+              <a:buNone/>
+              <a:defRPr b="0" i="0" sz="1800" u="none" cap="none" strike="noStrike">
+                <a:solidFill>
+                  <a:srgbClr val="000000"/>
+                </a:solidFill>
+                <a:latin typeface="Arial"/>
+                <a:ea typeface="Arial"/>
+                <a:cs typeface="Arial"/>
+                <a:sym typeface="Arial"/>
+              </a:defRPr>
             </a:lvl7pPr>
-            <a:lvl8pPr indent="0" lvl="7">
-              <a:spcBef>
-                <a:spcPts val="0"/>
-              </a:spcBef>
-              <a:spcAft>
-                <a:spcPts val="0"/>
-              </a:spcAft>
-              <a:buSzPts val="1400"/>
-              <a:buNone/>
-              <a:defRPr sz="1800"/>
+            <a:lvl8pPr lvl="7" marR="0" rtl="0" algn="l">
+              <a:lnSpc>
+                <a:spcPct val="100000"/>
+              </a:lnSpc>
+              <a:spcBef>
+                <a:spcPts val="0"/>
+              </a:spcBef>
+              <a:spcAft>
+                <a:spcPts val="0"/>
+              </a:spcAft>
+              <a:buClr>
+                <a:srgbClr val="000000"/>
+              </a:buClr>
+              <a:buSzPts val="1400"/>
+              <a:buFont typeface="Arial"/>
+              <a:buNone/>
+              <a:defRPr b="0" i="0" sz="1800" u="none" cap="none" strike="noStrike">
+                <a:solidFill>
+                  <a:srgbClr val="000000"/>
+                </a:solidFill>
+                <a:latin typeface="Arial"/>
+                <a:ea typeface="Arial"/>
+                <a:cs typeface="Arial"/>
+                <a:sym typeface="Arial"/>
+              </a:defRPr>
             </a:lvl8pPr>
-            <a:lvl9pPr indent="0" lvl="8">
-              <a:spcBef>
-                <a:spcPts val="0"/>
-              </a:spcBef>
-              <a:spcAft>
-                <a:spcPts val="0"/>
-              </a:spcAft>
-              <a:buSzPts val="1400"/>
-              <a:buNone/>
-              <a:defRPr sz="1800"/>
+            <a:lvl9pPr lvl="8" marR="0" rtl="0" algn="l">
+              <a:lnSpc>
+                <a:spcPct val="100000"/>
+              </a:lnSpc>
+              <a:spcBef>
+                <a:spcPts val="0"/>
+              </a:spcBef>
+              <a:spcAft>
+                <a:spcPts val="0"/>
+              </a:spcAft>
+              <a:buClr>
+                <a:srgbClr val="000000"/>
+              </a:buClr>
+              <a:buSzPts val="1400"/>
+              <a:buFont typeface="Arial"/>
+              <a:buNone/>
+              <a:defRPr b="0" i="0" sz="1800" u="none" cap="none" strike="noStrike">
+                <a:solidFill>
+                  <a:srgbClr val="000000"/>
+                </a:solidFill>
+                <a:latin typeface="Arial"/>
+                <a:ea typeface="Arial"/>
+                <a:cs typeface="Arial"/>
+                <a:sym typeface="Arial"/>
+              </a:defRPr>
             </a:lvl9pPr>
           </a:lstStyle>
           <a:p/>
@@ -4827,7 +6063,7 @@
       </p:grpSpPr>
       <p:pic>
         <p:nvPicPr>
-          <p:cNvPr id="34" name="Google Shape;34;p7"/>
+          <p:cNvPr id="34" name="Google Shape;34;p14"/>
           <p:cNvPicPr preferRelativeResize="0"/>
           <p:nvPr/>
         </p:nvPicPr>
@@ -4854,7 +6090,7 @@
       </p:pic>
       <p:pic>
         <p:nvPicPr>
-          <p:cNvPr id="35" name="Google Shape;35;p7"/>
+          <p:cNvPr id="35" name="Google Shape;35;p14"/>
           <p:cNvPicPr preferRelativeResize="0"/>
           <p:nvPr/>
         </p:nvPicPr>
@@ -4931,7 +6167,7 @@
       </p:grpSpPr>
       <p:sp>
         <p:nvSpPr>
-          <p:cNvPr id="38" name="Google Shape;38;p9"/>
+          <p:cNvPr id="38" name="Google Shape;38;p16"/>
           <p:cNvSpPr txBox="1"/>
           <p:nvPr>
             <p:ph idx="10" type="dt"/>
@@ -4951,146 +6187,238 @@
           </a:ln>
         </p:spPr>
         <p:txBody>
-          <a:bodyPr anchorCtr="0" anchor="t" bIns="91425" lIns="91425" spcFirstLastPara="1" rIns="91425" wrap="square" tIns="91425"/>
+          <a:bodyPr anchorCtr="0" anchor="t" bIns="91425" lIns="91425" spcFirstLastPara="1" rIns="91425" wrap="square" tIns="91425">
+            <a:noAutofit/>
+          </a:bodyPr>
           <a:lstStyle>
-            <a:lvl1pPr indent="0" lvl="0" marL="0" marR="0" rtl="0" algn="ctr">
-              <a:spcBef>
-                <a:spcPts val="0"/>
-              </a:spcBef>
-              <a:spcAft>
-                <a:spcPts val="0"/>
-              </a:spcAft>
-              <a:buSzPts val="1400"/>
+            <a:lvl1pPr lvl="0" marR="0" rtl="0" algn="ctr">
+              <a:lnSpc>
+                <a:spcPct val="100000"/>
+              </a:lnSpc>
+              <a:spcBef>
+                <a:spcPts val="0"/>
+              </a:spcBef>
+              <a:spcAft>
+                <a:spcPts val="0"/>
+              </a:spcAft>
+              <a:buClr>
+                <a:srgbClr val="000000"/>
+              </a:buClr>
+              <a:buSzPts val="1400"/>
+              <a:buFont typeface="Arial"/>
               <a:buNone/>
               <a:defRPr b="0" i="0" sz="3400" u="none" cap="none" strike="noStrike">
+                <a:solidFill>
+                  <a:srgbClr val="000000"/>
+                </a:solidFill>
                 <a:latin typeface="Arial"/>
                 <a:ea typeface="Arial"/>
                 <a:cs typeface="Arial"/>
                 <a:sym typeface="Arial"/>
               </a:defRPr>
             </a:lvl1pPr>
-            <a:lvl2pPr indent="215900" lvl="1" marL="457200" marR="0" rtl="0" algn="ctr">
-              <a:spcBef>
-                <a:spcPts val="0"/>
-              </a:spcBef>
-              <a:spcAft>
-                <a:spcPts val="0"/>
-              </a:spcAft>
-              <a:buSzPts val="1400"/>
+            <a:lvl2pPr lvl="1" marR="0" rtl="0" algn="ctr">
+              <a:lnSpc>
+                <a:spcPct val="100000"/>
+              </a:lnSpc>
+              <a:spcBef>
+                <a:spcPts val="0"/>
+              </a:spcBef>
+              <a:spcAft>
+                <a:spcPts val="0"/>
+              </a:spcAft>
+              <a:buClr>
+                <a:srgbClr val="000000"/>
+              </a:buClr>
+              <a:buSzPts val="1400"/>
+              <a:buFont typeface="Arial"/>
               <a:buNone/>
               <a:defRPr b="0" i="0" sz="3400" u="none" cap="none" strike="noStrike">
+                <a:solidFill>
+                  <a:srgbClr val="000000"/>
+                </a:solidFill>
                 <a:latin typeface="Arial"/>
                 <a:ea typeface="Arial"/>
                 <a:cs typeface="Arial"/>
                 <a:sym typeface="Arial"/>
               </a:defRPr>
             </a:lvl2pPr>
-            <a:lvl3pPr indent="444500" lvl="2" marL="914400" marR="0" rtl="0" algn="ctr">
-              <a:spcBef>
-                <a:spcPts val="0"/>
-              </a:spcBef>
-              <a:spcAft>
-                <a:spcPts val="0"/>
-              </a:spcAft>
-              <a:buSzPts val="1400"/>
+            <a:lvl3pPr lvl="2" marR="0" rtl="0" algn="ctr">
+              <a:lnSpc>
+                <a:spcPct val="100000"/>
+              </a:lnSpc>
+              <a:spcBef>
+                <a:spcPts val="0"/>
+              </a:spcBef>
+              <a:spcAft>
+                <a:spcPts val="0"/>
+              </a:spcAft>
+              <a:buClr>
+                <a:srgbClr val="000000"/>
+              </a:buClr>
+              <a:buSzPts val="1400"/>
+              <a:buFont typeface="Arial"/>
               <a:buNone/>
               <a:defRPr b="0" i="0" sz="3400" u="none" cap="none" strike="noStrike">
+                <a:solidFill>
+                  <a:srgbClr val="000000"/>
+                </a:solidFill>
                 <a:latin typeface="Arial"/>
                 <a:ea typeface="Arial"/>
                 <a:cs typeface="Arial"/>
                 <a:sym typeface="Arial"/>
               </a:defRPr>
             </a:lvl3pPr>
-            <a:lvl4pPr indent="673100" lvl="3" marL="1371600" marR="0" rtl="0" algn="ctr">
-              <a:spcBef>
-                <a:spcPts val="0"/>
-              </a:spcBef>
-              <a:spcAft>
-                <a:spcPts val="0"/>
-              </a:spcAft>
-              <a:buSzPts val="1400"/>
+            <a:lvl4pPr lvl="3" marR="0" rtl="0" algn="ctr">
+              <a:lnSpc>
+                <a:spcPct val="100000"/>
+              </a:lnSpc>
+              <a:spcBef>
+                <a:spcPts val="0"/>
+              </a:spcBef>
+              <a:spcAft>
+                <a:spcPts val="0"/>
+              </a:spcAft>
+              <a:buClr>
+                <a:srgbClr val="000000"/>
+              </a:buClr>
+              <a:buSzPts val="1400"/>
+              <a:buFont typeface="Arial"/>
               <a:buNone/>
               <a:defRPr b="0" i="0" sz="3400" u="none" cap="none" strike="noStrike">
+                <a:solidFill>
+                  <a:srgbClr val="000000"/>
+                </a:solidFill>
                 <a:latin typeface="Arial"/>
                 <a:ea typeface="Arial"/>
                 <a:cs typeface="Arial"/>
                 <a:sym typeface="Arial"/>
               </a:defRPr>
             </a:lvl4pPr>
-            <a:lvl5pPr indent="901700" lvl="4" marL="1828800" marR="0" rtl="0" algn="ctr">
-              <a:spcBef>
-                <a:spcPts val="0"/>
-              </a:spcBef>
-              <a:spcAft>
-                <a:spcPts val="0"/>
-              </a:spcAft>
-              <a:buSzPts val="1400"/>
+            <a:lvl5pPr lvl="4" marR="0" rtl="0" algn="ctr">
+              <a:lnSpc>
+                <a:spcPct val="100000"/>
+              </a:lnSpc>
+              <a:spcBef>
+                <a:spcPts val="0"/>
+              </a:spcBef>
+              <a:spcAft>
+                <a:spcPts val="0"/>
+              </a:spcAft>
+              <a:buClr>
+                <a:srgbClr val="000000"/>
+              </a:buClr>
+              <a:buSzPts val="1400"/>
+              <a:buFont typeface="Arial"/>
               <a:buNone/>
               <a:defRPr b="0" i="0" sz="3400" u="none" cap="none" strike="noStrike">
+                <a:solidFill>
+                  <a:srgbClr val="000000"/>
+                </a:solidFill>
                 <a:latin typeface="Arial"/>
                 <a:ea typeface="Arial"/>
                 <a:cs typeface="Arial"/>
                 <a:sym typeface="Arial"/>
               </a:defRPr>
             </a:lvl5pPr>
-            <a:lvl6pPr indent="1130300" lvl="5" marL="2286000" marR="0" rtl="0" algn="ctr">
-              <a:spcBef>
-                <a:spcPts val="0"/>
-              </a:spcBef>
-              <a:spcAft>
-                <a:spcPts val="0"/>
-              </a:spcAft>
-              <a:buSzPts val="1400"/>
+            <a:lvl6pPr lvl="5" marR="0" rtl="0" algn="ctr">
+              <a:lnSpc>
+                <a:spcPct val="100000"/>
+              </a:lnSpc>
+              <a:spcBef>
+                <a:spcPts val="0"/>
+              </a:spcBef>
+              <a:spcAft>
+                <a:spcPts val="0"/>
+              </a:spcAft>
+              <a:buClr>
+                <a:srgbClr val="000000"/>
+              </a:buClr>
+              <a:buSzPts val="1400"/>
+              <a:buFont typeface="Arial"/>
               <a:buNone/>
               <a:defRPr b="0" i="0" sz="3400" u="none" cap="none" strike="noStrike">
+                <a:solidFill>
+                  <a:srgbClr val="000000"/>
+                </a:solidFill>
                 <a:latin typeface="Arial"/>
                 <a:ea typeface="Arial"/>
                 <a:cs typeface="Arial"/>
                 <a:sym typeface="Arial"/>
               </a:defRPr>
             </a:lvl6pPr>
-            <a:lvl7pPr indent="1358900" lvl="6" marL="2743200" marR="0" rtl="0" algn="ctr">
-              <a:spcBef>
-                <a:spcPts val="0"/>
-              </a:spcBef>
-              <a:spcAft>
-                <a:spcPts val="0"/>
-              </a:spcAft>
-              <a:buSzPts val="1400"/>
+            <a:lvl7pPr lvl="6" marR="0" rtl="0" algn="ctr">
+              <a:lnSpc>
+                <a:spcPct val="100000"/>
+              </a:lnSpc>
+              <a:spcBef>
+                <a:spcPts val="0"/>
+              </a:spcBef>
+              <a:spcAft>
+                <a:spcPts val="0"/>
+              </a:spcAft>
+              <a:buClr>
+                <a:srgbClr val="000000"/>
+              </a:buClr>
+              <a:buSzPts val="1400"/>
+              <a:buFont typeface="Arial"/>
               <a:buNone/>
               <a:defRPr b="0" i="0" sz="3400" u="none" cap="none" strike="noStrike">
+                <a:solidFill>
+                  <a:srgbClr val="000000"/>
+                </a:solidFill>
                 <a:latin typeface="Arial"/>
                 <a:ea typeface="Arial"/>
                 <a:cs typeface="Arial"/>
                 <a:sym typeface="Arial"/>
               </a:defRPr>
             </a:lvl7pPr>
-            <a:lvl8pPr indent="1587500" lvl="7" marL="3200400" marR="0" rtl="0" algn="ctr">
-              <a:spcBef>
-                <a:spcPts val="0"/>
-              </a:spcBef>
-              <a:spcAft>
-                <a:spcPts val="0"/>
-              </a:spcAft>
-              <a:buSzPts val="1400"/>
+            <a:lvl8pPr lvl="7" marR="0" rtl="0" algn="ctr">
+              <a:lnSpc>
+                <a:spcPct val="100000"/>
+              </a:lnSpc>
+              <a:spcBef>
+                <a:spcPts val="0"/>
+              </a:spcBef>
+              <a:spcAft>
+                <a:spcPts val="0"/>
+              </a:spcAft>
+              <a:buClr>
+                <a:srgbClr val="000000"/>
+              </a:buClr>
+              <a:buSzPts val="1400"/>
+              <a:buFont typeface="Arial"/>
               <a:buNone/>
               <a:defRPr b="0" i="0" sz="3400" u="none" cap="none" strike="noStrike">
+                <a:solidFill>
+                  <a:srgbClr val="000000"/>
+                </a:solidFill>
                 <a:latin typeface="Arial"/>
                 <a:ea typeface="Arial"/>
                 <a:cs typeface="Arial"/>
                 <a:sym typeface="Arial"/>
               </a:defRPr>
             </a:lvl8pPr>
-            <a:lvl9pPr indent="1816100" lvl="8" marL="3657600" marR="0" rtl="0" algn="ctr">
-              <a:spcBef>
-                <a:spcPts val="0"/>
-              </a:spcBef>
-              <a:spcAft>
-                <a:spcPts val="0"/>
-              </a:spcAft>
-              <a:buSzPts val="1400"/>
+            <a:lvl9pPr lvl="8" marR="0" rtl="0" algn="ctr">
+              <a:lnSpc>
+                <a:spcPct val="100000"/>
+              </a:lnSpc>
+              <a:spcBef>
+                <a:spcPts val="0"/>
+              </a:spcBef>
+              <a:spcAft>
+                <a:spcPts val="0"/>
+              </a:spcAft>
+              <a:buClr>
+                <a:srgbClr val="000000"/>
+              </a:buClr>
+              <a:buSzPts val="1400"/>
+              <a:buFont typeface="Arial"/>
               <a:buNone/>
               <a:defRPr b="0" i="0" sz="3400" u="none" cap="none" strike="noStrike">
+                <a:solidFill>
+                  <a:srgbClr val="000000"/>
+                </a:solidFill>
                 <a:latin typeface="Arial"/>
                 <a:ea typeface="Arial"/>
                 <a:cs typeface="Arial"/>
@@ -5103,7 +6431,7 @@
       </p:sp>
       <p:sp>
         <p:nvSpPr>
-          <p:cNvPr id="39" name="Google Shape;39;p9"/>
+          <p:cNvPr id="39" name="Google Shape;39;p16"/>
           <p:cNvSpPr txBox="1"/>
           <p:nvPr>
             <p:ph idx="11" type="ftr"/>
@@ -5123,146 +6451,238 @@
           </a:ln>
         </p:spPr>
         <p:txBody>
-          <a:bodyPr anchorCtr="0" anchor="t" bIns="91425" lIns="91425" spcFirstLastPara="1" rIns="91425" wrap="square" tIns="91425"/>
+          <a:bodyPr anchorCtr="0" anchor="t" bIns="91425" lIns="91425" spcFirstLastPara="1" rIns="91425" wrap="square" tIns="91425">
+            <a:noAutofit/>
+          </a:bodyPr>
           <a:lstStyle>
-            <a:lvl1pPr indent="0" lvl="0" marL="0" marR="0" rtl="0" algn="ctr">
-              <a:spcBef>
-                <a:spcPts val="0"/>
-              </a:spcBef>
-              <a:spcAft>
-                <a:spcPts val="0"/>
-              </a:spcAft>
-              <a:buSzPts val="1400"/>
+            <a:lvl1pPr lvl="0" marR="0" rtl="0" algn="ctr">
+              <a:lnSpc>
+                <a:spcPct val="100000"/>
+              </a:lnSpc>
+              <a:spcBef>
+                <a:spcPts val="0"/>
+              </a:spcBef>
+              <a:spcAft>
+                <a:spcPts val="0"/>
+              </a:spcAft>
+              <a:buClr>
+                <a:srgbClr val="000000"/>
+              </a:buClr>
+              <a:buSzPts val="1400"/>
+              <a:buFont typeface="Arial"/>
               <a:buNone/>
               <a:defRPr b="0" i="0" sz="3400" u="none" cap="none" strike="noStrike">
+                <a:solidFill>
+                  <a:srgbClr val="000000"/>
+                </a:solidFill>
                 <a:latin typeface="Arial"/>
                 <a:ea typeface="Arial"/>
                 <a:cs typeface="Arial"/>
                 <a:sym typeface="Arial"/>
               </a:defRPr>
             </a:lvl1pPr>
-            <a:lvl2pPr indent="215900" lvl="1" marL="457200" marR="0" rtl="0" algn="ctr">
-              <a:spcBef>
-                <a:spcPts val="0"/>
-              </a:spcBef>
-              <a:spcAft>
-                <a:spcPts val="0"/>
-              </a:spcAft>
-              <a:buSzPts val="1400"/>
+            <a:lvl2pPr lvl="1" marR="0" rtl="0" algn="ctr">
+              <a:lnSpc>
+                <a:spcPct val="100000"/>
+              </a:lnSpc>
+              <a:spcBef>
+                <a:spcPts val="0"/>
+              </a:spcBef>
+              <a:spcAft>
+                <a:spcPts val="0"/>
+              </a:spcAft>
+              <a:buClr>
+                <a:srgbClr val="000000"/>
+              </a:buClr>
+              <a:buSzPts val="1400"/>
+              <a:buFont typeface="Arial"/>
               <a:buNone/>
               <a:defRPr b="0" i="0" sz="3400" u="none" cap="none" strike="noStrike">
+                <a:solidFill>
+                  <a:srgbClr val="000000"/>
+                </a:solidFill>
                 <a:latin typeface="Arial"/>
                 <a:ea typeface="Arial"/>
                 <a:cs typeface="Arial"/>
                 <a:sym typeface="Arial"/>
               </a:defRPr>
             </a:lvl2pPr>
-            <a:lvl3pPr indent="444500" lvl="2" marL="914400" marR="0" rtl="0" algn="ctr">
-              <a:spcBef>
-                <a:spcPts val="0"/>
-              </a:spcBef>
-              <a:spcAft>
-                <a:spcPts val="0"/>
-              </a:spcAft>
-              <a:buSzPts val="1400"/>
+            <a:lvl3pPr lvl="2" marR="0" rtl="0" algn="ctr">
+              <a:lnSpc>
+                <a:spcPct val="100000"/>
+              </a:lnSpc>
+              <a:spcBef>
+                <a:spcPts val="0"/>
+              </a:spcBef>
+              <a:spcAft>
+                <a:spcPts val="0"/>
+              </a:spcAft>
+              <a:buClr>
+                <a:srgbClr val="000000"/>
+              </a:buClr>
+              <a:buSzPts val="1400"/>
+              <a:buFont typeface="Arial"/>
               <a:buNone/>
               <a:defRPr b="0" i="0" sz="3400" u="none" cap="none" strike="noStrike">
+                <a:solidFill>
+                  <a:srgbClr val="000000"/>
+                </a:solidFill>
                 <a:latin typeface="Arial"/>
                 <a:ea typeface="Arial"/>
                 <a:cs typeface="Arial"/>
                 <a:sym typeface="Arial"/>
               </a:defRPr>
             </a:lvl3pPr>
-            <a:lvl4pPr indent="673100" lvl="3" marL="1371600" marR="0" rtl="0" algn="ctr">
-              <a:spcBef>
-                <a:spcPts val="0"/>
-              </a:spcBef>
-              <a:spcAft>
-                <a:spcPts val="0"/>
-              </a:spcAft>
-              <a:buSzPts val="1400"/>
+            <a:lvl4pPr lvl="3" marR="0" rtl="0" algn="ctr">
+              <a:lnSpc>
+                <a:spcPct val="100000"/>
+              </a:lnSpc>
+              <a:spcBef>
+                <a:spcPts val="0"/>
+              </a:spcBef>
+              <a:spcAft>
+                <a:spcPts val="0"/>
+              </a:spcAft>
+              <a:buClr>
+                <a:srgbClr val="000000"/>
+              </a:buClr>
+              <a:buSzPts val="1400"/>
+              <a:buFont typeface="Arial"/>
               <a:buNone/>
               <a:defRPr b="0" i="0" sz="3400" u="none" cap="none" strike="noStrike">
+                <a:solidFill>
+                  <a:srgbClr val="000000"/>
+                </a:solidFill>
                 <a:latin typeface="Arial"/>
                 <a:ea typeface="Arial"/>
                 <a:cs typeface="Arial"/>
                 <a:sym typeface="Arial"/>
               </a:defRPr>
             </a:lvl4pPr>
-            <a:lvl5pPr indent="901700" lvl="4" marL="1828800" marR="0" rtl="0" algn="ctr">
-              <a:spcBef>
-                <a:spcPts val="0"/>
-              </a:spcBef>
-              <a:spcAft>
-                <a:spcPts val="0"/>
-              </a:spcAft>
-              <a:buSzPts val="1400"/>
+            <a:lvl5pPr lvl="4" marR="0" rtl="0" algn="ctr">
+              <a:lnSpc>
+                <a:spcPct val="100000"/>
+              </a:lnSpc>
+              <a:spcBef>
+                <a:spcPts val="0"/>
+              </a:spcBef>
+              <a:spcAft>
+                <a:spcPts val="0"/>
+              </a:spcAft>
+              <a:buClr>
+                <a:srgbClr val="000000"/>
+              </a:buClr>
+              <a:buSzPts val="1400"/>
+              <a:buFont typeface="Arial"/>
               <a:buNone/>
               <a:defRPr b="0" i="0" sz="3400" u="none" cap="none" strike="noStrike">
+                <a:solidFill>
+                  <a:srgbClr val="000000"/>
+                </a:solidFill>
                 <a:latin typeface="Arial"/>
                 <a:ea typeface="Arial"/>
                 <a:cs typeface="Arial"/>
                 <a:sym typeface="Arial"/>
               </a:defRPr>
             </a:lvl5pPr>
-            <a:lvl6pPr indent="1130300" lvl="5" marL="2286000" marR="0" rtl="0" algn="ctr">
-              <a:spcBef>
-                <a:spcPts val="0"/>
-              </a:spcBef>
-              <a:spcAft>
-                <a:spcPts val="0"/>
-              </a:spcAft>
-              <a:buSzPts val="1400"/>
+            <a:lvl6pPr lvl="5" marR="0" rtl="0" algn="ctr">
+              <a:lnSpc>
+                <a:spcPct val="100000"/>
+              </a:lnSpc>
+              <a:spcBef>
+                <a:spcPts val="0"/>
+              </a:spcBef>
+              <a:spcAft>
+                <a:spcPts val="0"/>
+              </a:spcAft>
+              <a:buClr>
+                <a:srgbClr val="000000"/>
+              </a:buClr>
+              <a:buSzPts val="1400"/>
+              <a:buFont typeface="Arial"/>
               <a:buNone/>
               <a:defRPr b="0" i="0" sz="3400" u="none" cap="none" strike="noStrike">
+                <a:solidFill>
+                  <a:srgbClr val="000000"/>
+                </a:solidFill>
                 <a:latin typeface="Arial"/>
                 <a:ea typeface="Arial"/>
                 <a:cs typeface="Arial"/>
                 <a:sym typeface="Arial"/>
               </a:defRPr>
             </a:lvl6pPr>
-            <a:lvl7pPr indent="1358900" lvl="6" marL="2743200" marR="0" rtl="0" algn="ctr">
-              <a:spcBef>
-                <a:spcPts val="0"/>
-              </a:spcBef>
-              <a:spcAft>
-                <a:spcPts val="0"/>
-              </a:spcAft>
-              <a:buSzPts val="1400"/>
+            <a:lvl7pPr lvl="6" marR="0" rtl="0" algn="ctr">
+              <a:lnSpc>
+                <a:spcPct val="100000"/>
+              </a:lnSpc>
+              <a:spcBef>
+                <a:spcPts val="0"/>
+              </a:spcBef>
+              <a:spcAft>
+                <a:spcPts val="0"/>
+              </a:spcAft>
+              <a:buClr>
+                <a:srgbClr val="000000"/>
+              </a:buClr>
+              <a:buSzPts val="1400"/>
+              <a:buFont typeface="Arial"/>
               <a:buNone/>
               <a:defRPr b="0" i="0" sz="3400" u="none" cap="none" strike="noStrike">
+                <a:solidFill>
+                  <a:srgbClr val="000000"/>
+                </a:solidFill>
                 <a:latin typeface="Arial"/>
                 <a:ea typeface="Arial"/>
                 <a:cs typeface="Arial"/>
                 <a:sym typeface="Arial"/>
               </a:defRPr>
             </a:lvl7pPr>
-            <a:lvl8pPr indent="1587500" lvl="7" marL="3200400" marR="0" rtl="0" algn="ctr">
-              <a:spcBef>
-                <a:spcPts val="0"/>
-              </a:spcBef>
-              <a:spcAft>
-                <a:spcPts val="0"/>
-              </a:spcAft>
-              <a:buSzPts val="1400"/>
+            <a:lvl8pPr lvl="7" marR="0" rtl="0" algn="ctr">
+              <a:lnSpc>
+                <a:spcPct val="100000"/>
+              </a:lnSpc>
+              <a:spcBef>
+                <a:spcPts val="0"/>
+              </a:spcBef>
+              <a:spcAft>
+                <a:spcPts val="0"/>
+              </a:spcAft>
+              <a:buClr>
+                <a:srgbClr val="000000"/>
+              </a:buClr>
+              <a:buSzPts val="1400"/>
+              <a:buFont typeface="Arial"/>
               <a:buNone/>
               <a:defRPr b="0" i="0" sz="3400" u="none" cap="none" strike="noStrike">
+                <a:solidFill>
+                  <a:srgbClr val="000000"/>
+                </a:solidFill>
                 <a:latin typeface="Arial"/>
                 <a:ea typeface="Arial"/>
                 <a:cs typeface="Arial"/>
                 <a:sym typeface="Arial"/>
               </a:defRPr>
             </a:lvl8pPr>
-            <a:lvl9pPr indent="1816100" lvl="8" marL="3657600" marR="0" rtl="0" algn="ctr">
-              <a:spcBef>
-                <a:spcPts val="0"/>
-              </a:spcBef>
-              <a:spcAft>
-                <a:spcPts val="0"/>
-              </a:spcAft>
-              <a:buSzPts val="1400"/>
+            <a:lvl9pPr lvl="8" marR="0" rtl="0" algn="ctr">
+              <a:lnSpc>
+                <a:spcPct val="100000"/>
+              </a:lnSpc>
+              <a:spcBef>
+                <a:spcPts val="0"/>
+              </a:spcBef>
+              <a:spcAft>
+                <a:spcPts val="0"/>
+              </a:spcAft>
+              <a:buClr>
+                <a:srgbClr val="000000"/>
+              </a:buClr>
+              <a:buSzPts val="1400"/>
+              <a:buFont typeface="Arial"/>
               <a:buNone/>
               <a:defRPr b="0" i="0" sz="3400" u="none" cap="none" strike="noStrike">
+                <a:solidFill>
+                  <a:srgbClr val="000000"/>
+                </a:solidFill>
                 <a:latin typeface="Arial"/>
                 <a:ea typeface="Arial"/>
                 <a:cs typeface="Arial"/>
@@ -5275,7 +6695,7 @@
       </p:sp>
       <p:sp>
         <p:nvSpPr>
-          <p:cNvPr id="40" name="Google Shape;40;p9"/>
+          <p:cNvPr id="40" name="Google Shape;40;p16"/>
           <p:cNvSpPr txBox="1"/>
           <p:nvPr>
             <p:ph idx="12" type="sldNum"/>
@@ -5300,9 +6720,20 @@
           </a:bodyPr>
           <a:lstStyle>
             <a:lvl1pPr indent="0" lvl="0" marL="0" marR="0" rtl="0" algn="ctr">
-              <a:spcBef>
-                <a:spcPts val="0"/>
-              </a:spcBef>
+              <a:lnSpc>
+                <a:spcPct val="100000"/>
+              </a:lnSpc>
+              <a:spcBef>
+                <a:spcPts val="0"/>
+              </a:spcBef>
+              <a:spcAft>
+                <a:spcPts val="0"/>
+              </a:spcAft>
+              <a:buClr>
+                <a:srgbClr val="000000"/>
+              </a:buClr>
+              <a:buSzPts val="3400"/>
+              <a:buFont typeface="Arial"/>
               <a:buNone/>
               <a:defRPr b="0" i="0" sz="3400" u="none" cap="none" strike="noStrike">
                 <a:solidFill>
@@ -5315,9 +6746,20 @@
               </a:defRPr>
             </a:lvl1pPr>
             <a:lvl2pPr indent="0" lvl="1" marL="0" marR="0" rtl="0" algn="ctr">
-              <a:spcBef>
-                <a:spcPts val="0"/>
-              </a:spcBef>
+              <a:lnSpc>
+                <a:spcPct val="100000"/>
+              </a:lnSpc>
+              <a:spcBef>
+                <a:spcPts val="0"/>
+              </a:spcBef>
+              <a:spcAft>
+                <a:spcPts val="0"/>
+              </a:spcAft>
+              <a:buClr>
+                <a:srgbClr val="000000"/>
+              </a:buClr>
+              <a:buSzPts val="3400"/>
+              <a:buFont typeface="Arial"/>
               <a:buNone/>
               <a:defRPr b="0" i="0" sz="3400" u="none" cap="none" strike="noStrike">
                 <a:solidFill>
@@ -5330,9 +6772,20 @@
               </a:defRPr>
             </a:lvl2pPr>
             <a:lvl3pPr indent="0" lvl="2" marL="0" marR="0" rtl="0" algn="ctr">
-              <a:spcBef>
-                <a:spcPts val="0"/>
-              </a:spcBef>
+              <a:lnSpc>
+                <a:spcPct val="100000"/>
+              </a:lnSpc>
+              <a:spcBef>
+                <a:spcPts val="0"/>
+              </a:spcBef>
+              <a:spcAft>
+                <a:spcPts val="0"/>
+              </a:spcAft>
+              <a:buClr>
+                <a:srgbClr val="000000"/>
+              </a:buClr>
+              <a:buSzPts val="3400"/>
+              <a:buFont typeface="Arial"/>
               <a:buNone/>
               <a:defRPr b="0" i="0" sz="3400" u="none" cap="none" strike="noStrike">
                 <a:solidFill>
@@ -5345,9 +6798,20 @@
               </a:defRPr>
             </a:lvl3pPr>
             <a:lvl4pPr indent="0" lvl="3" marL="0" marR="0" rtl="0" algn="ctr">
-              <a:spcBef>
-                <a:spcPts val="0"/>
-              </a:spcBef>
+              <a:lnSpc>
+                <a:spcPct val="100000"/>
+              </a:lnSpc>
+              <a:spcBef>
+                <a:spcPts val="0"/>
+              </a:spcBef>
+              <a:spcAft>
+                <a:spcPts val="0"/>
+              </a:spcAft>
+              <a:buClr>
+                <a:srgbClr val="000000"/>
+              </a:buClr>
+              <a:buSzPts val="3400"/>
+              <a:buFont typeface="Arial"/>
               <a:buNone/>
               <a:defRPr b="0" i="0" sz="3400" u="none" cap="none" strike="noStrike">
                 <a:solidFill>
@@ -5360,9 +6824,20 @@
               </a:defRPr>
             </a:lvl4pPr>
             <a:lvl5pPr indent="0" lvl="4" marL="0" marR="0" rtl="0" algn="ctr">
-              <a:spcBef>
-                <a:spcPts val="0"/>
-              </a:spcBef>
+              <a:lnSpc>
+                <a:spcPct val="100000"/>
+              </a:lnSpc>
+              <a:spcBef>
+                <a:spcPts val="0"/>
+              </a:spcBef>
+              <a:spcAft>
+                <a:spcPts val="0"/>
+              </a:spcAft>
+              <a:buClr>
+                <a:srgbClr val="000000"/>
+              </a:buClr>
+              <a:buSzPts val="3400"/>
+              <a:buFont typeface="Arial"/>
               <a:buNone/>
               <a:defRPr b="0" i="0" sz="3400" u="none" cap="none" strike="noStrike">
                 <a:solidFill>
@@ -5375,9 +6850,20 @@
               </a:defRPr>
             </a:lvl5pPr>
             <a:lvl6pPr indent="0" lvl="5" marL="0" marR="0" rtl="0" algn="ctr">
-              <a:spcBef>
-                <a:spcPts val="0"/>
-              </a:spcBef>
+              <a:lnSpc>
+                <a:spcPct val="100000"/>
+              </a:lnSpc>
+              <a:spcBef>
+                <a:spcPts val="0"/>
+              </a:spcBef>
+              <a:spcAft>
+                <a:spcPts val="0"/>
+              </a:spcAft>
+              <a:buClr>
+                <a:srgbClr val="000000"/>
+              </a:buClr>
+              <a:buSzPts val="3400"/>
+              <a:buFont typeface="Arial"/>
               <a:buNone/>
               <a:defRPr b="0" i="0" sz="3400" u="none" cap="none" strike="noStrike">
                 <a:solidFill>
@@ -5390,9 +6876,20 @@
               </a:defRPr>
             </a:lvl6pPr>
             <a:lvl7pPr indent="0" lvl="6" marL="0" marR="0" rtl="0" algn="ctr">
-              <a:spcBef>
-                <a:spcPts val="0"/>
-              </a:spcBef>
+              <a:lnSpc>
+                <a:spcPct val="100000"/>
+              </a:lnSpc>
+              <a:spcBef>
+                <a:spcPts val="0"/>
+              </a:spcBef>
+              <a:spcAft>
+                <a:spcPts val="0"/>
+              </a:spcAft>
+              <a:buClr>
+                <a:srgbClr val="000000"/>
+              </a:buClr>
+              <a:buSzPts val="3400"/>
+              <a:buFont typeface="Arial"/>
               <a:buNone/>
               <a:defRPr b="0" i="0" sz="3400" u="none" cap="none" strike="noStrike">
                 <a:solidFill>
@@ -5405,9 +6902,20 @@
               </a:defRPr>
             </a:lvl7pPr>
             <a:lvl8pPr indent="0" lvl="7" marL="0" marR="0" rtl="0" algn="ctr">
-              <a:spcBef>
-                <a:spcPts val="0"/>
-              </a:spcBef>
+              <a:lnSpc>
+                <a:spcPct val="100000"/>
+              </a:lnSpc>
+              <a:spcBef>
+                <a:spcPts val="0"/>
+              </a:spcBef>
+              <a:spcAft>
+                <a:spcPts val="0"/>
+              </a:spcAft>
+              <a:buClr>
+                <a:srgbClr val="000000"/>
+              </a:buClr>
+              <a:buSzPts val="3400"/>
+              <a:buFont typeface="Arial"/>
               <a:buNone/>
               <a:defRPr b="0" i="0" sz="3400" u="none" cap="none" strike="noStrike">
                 <a:solidFill>
@@ -5420,9 +6928,20 @@
               </a:defRPr>
             </a:lvl8pPr>
             <a:lvl9pPr indent="0" lvl="8" marL="0" marR="0" rtl="0" algn="ctr">
-              <a:spcBef>
-                <a:spcPts val="0"/>
-              </a:spcBef>
+              <a:lnSpc>
+                <a:spcPct val="100000"/>
+              </a:lnSpc>
+              <a:spcBef>
+                <a:spcPts val="0"/>
+              </a:spcBef>
+              <a:spcAft>
+                <a:spcPts val="0"/>
+              </a:spcAft>
+              <a:buClr>
+                <a:srgbClr val="000000"/>
+              </a:buClr>
+              <a:buSzPts val="3400"/>
+              <a:buFont typeface="Arial"/>
               <a:buNone/>
               <a:defRPr b="0" i="0" sz="3400" u="none" cap="none" strike="noStrike">
                 <a:solidFill>
@@ -5480,7 +6999,7 @@
       </p:grpSpPr>
       <p:sp>
         <p:nvSpPr>
-          <p:cNvPr id="42" name="Google Shape;42;p10"/>
+          <p:cNvPr id="42" name="Google Shape;42;p17"/>
           <p:cNvSpPr txBox="1"/>
           <p:nvPr>
             <p:ph type="title"/>
@@ -5500,9 +7019,14 @@
           </a:ln>
         </p:spPr>
         <p:txBody>
-          <a:bodyPr anchorCtr="0" anchor="t" bIns="91425" lIns="91425" spcFirstLastPara="1" rIns="91425" wrap="square" tIns="91425"/>
+          <a:bodyPr anchorCtr="0" anchor="t" bIns="91425" lIns="91425" spcFirstLastPara="1" rIns="91425" wrap="square" tIns="91425">
+            <a:noAutofit/>
+          </a:bodyPr>
           <a:lstStyle>
-            <a:lvl1pPr indent="0" lvl="0" marL="0" marR="0" rtl="0" algn="ctr">
+            <a:lvl1pPr lvl="0" marR="0" rtl="0" algn="ctr">
+              <a:lnSpc>
+                <a:spcPct val="100000"/>
+              </a:lnSpc>
               <a:spcBef>
                 <a:spcPts val="0"/>
               </a:spcBef>
@@ -5525,93 +7049,213 @@
                 <a:sym typeface="Helvetica Neue"/>
               </a:defRPr>
             </a:lvl1pPr>
-            <a:lvl2pPr indent="0" lvl="1">
-              <a:spcBef>
-                <a:spcPts val="0"/>
-              </a:spcBef>
-              <a:spcAft>
-                <a:spcPts val="0"/>
-              </a:spcAft>
-              <a:buSzPts val="1400"/>
-              <a:buNone/>
-              <a:defRPr sz="1800"/>
+            <a:lvl2pPr lvl="1" marR="0" rtl="0" algn="l">
+              <a:lnSpc>
+                <a:spcPct val="100000"/>
+              </a:lnSpc>
+              <a:spcBef>
+                <a:spcPts val="0"/>
+              </a:spcBef>
+              <a:spcAft>
+                <a:spcPts val="0"/>
+              </a:spcAft>
+              <a:buClr>
+                <a:srgbClr val="000000"/>
+              </a:buClr>
+              <a:buSzPts val="1400"/>
+              <a:buFont typeface="Arial"/>
+              <a:buNone/>
+              <a:defRPr b="0" i="0" sz="1800" u="none" cap="none" strike="noStrike">
+                <a:solidFill>
+                  <a:srgbClr val="000000"/>
+                </a:solidFill>
+                <a:latin typeface="Arial"/>
+                <a:ea typeface="Arial"/>
+                <a:cs typeface="Arial"/>
+                <a:sym typeface="Arial"/>
+              </a:defRPr>
             </a:lvl2pPr>
-            <a:lvl3pPr indent="0" lvl="2">
-              <a:spcBef>
-                <a:spcPts val="0"/>
-              </a:spcBef>
-              <a:spcAft>
-                <a:spcPts val="0"/>
-              </a:spcAft>
-              <a:buSzPts val="1400"/>
-              <a:buNone/>
-              <a:defRPr sz="1800"/>
+            <a:lvl3pPr lvl="2" marR="0" rtl="0" algn="l">
+              <a:lnSpc>
+                <a:spcPct val="100000"/>
+              </a:lnSpc>
+              <a:spcBef>
+                <a:spcPts val="0"/>
+              </a:spcBef>
+              <a:spcAft>
+                <a:spcPts val="0"/>
+              </a:spcAft>
+              <a:buClr>
+                <a:srgbClr val="000000"/>
+              </a:buClr>
+              <a:buSzPts val="1400"/>
+              <a:buFont typeface="Arial"/>
+              <a:buNone/>
+              <a:defRPr b="0" i="0" sz="1800" u="none" cap="none" strike="noStrike">
+                <a:solidFill>
+                  <a:srgbClr val="000000"/>
+                </a:solidFill>
+                <a:latin typeface="Arial"/>
+                <a:ea typeface="Arial"/>
+                <a:cs typeface="Arial"/>
+                <a:sym typeface="Arial"/>
+              </a:defRPr>
             </a:lvl3pPr>
-            <a:lvl4pPr indent="0" lvl="3">
-              <a:spcBef>
-                <a:spcPts val="0"/>
-              </a:spcBef>
-              <a:spcAft>
-                <a:spcPts val="0"/>
-              </a:spcAft>
-              <a:buSzPts val="1400"/>
-              <a:buNone/>
-              <a:defRPr sz="1800"/>
+            <a:lvl4pPr lvl="3" marR="0" rtl="0" algn="l">
+              <a:lnSpc>
+                <a:spcPct val="100000"/>
+              </a:lnSpc>
+              <a:spcBef>
+                <a:spcPts val="0"/>
+              </a:spcBef>
+              <a:spcAft>
+                <a:spcPts val="0"/>
+              </a:spcAft>
+              <a:buClr>
+                <a:srgbClr val="000000"/>
+              </a:buClr>
+              <a:buSzPts val="1400"/>
+              <a:buFont typeface="Arial"/>
+              <a:buNone/>
+              <a:defRPr b="0" i="0" sz="1800" u="none" cap="none" strike="noStrike">
+                <a:solidFill>
+                  <a:srgbClr val="000000"/>
+                </a:solidFill>
+                <a:latin typeface="Arial"/>
+                <a:ea typeface="Arial"/>
+                <a:cs typeface="Arial"/>
+                <a:sym typeface="Arial"/>
+              </a:defRPr>
             </a:lvl4pPr>
-            <a:lvl5pPr indent="0" lvl="4">
-              <a:spcBef>
-                <a:spcPts val="0"/>
-              </a:spcBef>
-              <a:spcAft>
-                <a:spcPts val="0"/>
-              </a:spcAft>
-              <a:buSzPts val="1400"/>
-              <a:buNone/>
-              <a:defRPr sz="1800"/>
+            <a:lvl5pPr lvl="4" marR="0" rtl="0" algn="l">
+              <a:lnSpc>
+                <a:spcPct val="100000"/>
+              </a:lnSpc>
+              <a:spcBef>
+                <a:spcPts val="0"/>
+              </a:spcBef>
+              <a:spcAft>
+                <a:spcPts val="0"/>
+              </a:spcAft>
+              <a:buClr>
+                <a:srgbClr val="000000"/>
+              </a:buClr>
+              <a:buSzPts val="1400"/>
+              <a:buFont typeface="Arial"/>
+              <a:buNone/>
+              <a:defRPr b="0" i="0" sz="1800" u="none" cap="none" strike="noStrike">
+                <a:solidFill>
+                  <a:srgbClr val="000000"/>
+                </a:solidFill>
+                <a:latin typeface="Arial"/>
+                <a:ea typeface="Arial"/>
+                <a:cs typeface="Arial"/>
+                <a:sym typeface="Arial"/>
+              </a:defRPr>
             </a:lvl5pPr>
-            <a:lvl6pPr indent="0" lvl="5">
-              <a:spcBef>
-                <a:spcPts val="0"/>
-              </a:spcBef>
-              <a:spcAft>
-                <a:spcPts val="0"/>
-              </a:spcAft>
-              <a:buSzPts val="1400"/>
-              <a:buNone/>
-              <a:defRPr sz="1800"/>
+            <a:lvl6pPr lvl="5" marR="0" rtl="0" algn="l">
+              <a:lnSpc>
+                <a:spcPct val="100000"/>
+              </a:lnSpc>
+              <a:spcBef>
+                <a:spcPts val="0"/>
+              </a:spcBef>
+              <a:spcAft>
+                <a:spcPts val="0"/>
+              </a:spcAft>
+              <a:buClr>
+                <a:srgbClr val="000000"/>
+              </a:buClr>
+              <a:buSzPts val="1400"/>
+              <a:buFont typeface="Arial"/>
+              <a:buNone/>
+              <a:defRPr b="0" i="0" sz="1800" u="none" cap="none" strike="noStrike">
+                <a:solidFill>
+                  <a:srgbClr val="000000"/>
+                </a:solidFill>
+                <a:latin typeface="Arial"/>
+                <a:ea typeface="Arial"/>
+                <a:cs typeface="Arial"/>
+                <a:sym typeface="Arial"/>
+              </a:defRPr>
             </a:lvl6pPr>
-            <a:lvl7pPr indent="0" lvl="6">
-              <a:spcBef>
-                <a:spcPts val="0"/>
-              </a:spcBef>
-              <a:spcAft>
-                <a:spcPts val="0"/>
-              </a:spcAft>
-              <a:buSzPts val="1400"/>
-              <a:buNone/>
-              <a:defRPr sz="1800"/>
+            <a:lvl7pPr lvl="6" marR="0" rtl="0" algn="l">
+              <a:lnSpc>
+                <a:spcPct val="100000"/>
+              </a:lnSpc>
+              <a:spcBef>
+                <a:spcPts val="0"/>
+              </a:spcBef>
+              <a:spcAft>
+                <a:spcPts val="0"/>
+              </a:spcAft>
+              <a:buClr>
+                <a:srgbClr val="000000"/>
+              </a:buClr>
+              <a:buSzPts val="1400"/>
+              <a:buFont typeface="Arial"/>
+              <a:buNone/>
+              <a:defRPr b="0" i="0" sz="1800" u="none" cap="none" strike="noStrike">
+                <a:solidFill>
+                  <a:srgbClr val="000000"/>
+                </a:solidFill>
+                <a:latin typeface="Arial"/>
+                <a:ea typeface="Arial"/>
+                <a:cs typeface="Arial"/>
+                <a:sym typeface="Arial"/>
+              </a:defRPr>
             </a:lvl7pPr>
-            <a:lvl8pPr indent="0" lvl="7">
-              <a:spcBef>
-                <a:spcPts val="0"/>
-              </a:spcBef>
-              <a:spcAft>
-                <a:spcPts val="0"/>
-              </a:spcAft>
-              <a:buSzPts val="1400"/>
-              <a:buNone/>
-              <a:defRPr sz="1800"/>
+            <a:lvl8pPr lvl="7" marR="0" rtl="0" algn="l">
+              <a:lnSpc>
+                <a:spcPct val="100000"/>
+              </a:lnSpc>
+              <a:spcBef>
+                <a:spcPts val="0"/>
+              </a:spcBef>
+              <a:spcAft>
+                <a:spcPts val="0"/>
+              </a:spcAft>
+              <a:buClr>
+                <a:srgbClr val="000000"/>
+              </a:buClr>
+              <a:buSzPts val="1400"/>
+              <a:buFont typeface="Arial"/>
+              <a:buNone/>
+              <a:defRPr b="0" i="0" sz="1800" u="none" cap="none" strike="noStrike">
+                <a:solidFill>
+                  <a:srgbClr val="000000"/>
+                </a:solidFill>
+                <a:latin typeface="Arial"/>
+                <a:ea typeface="Arial"/>
+                <a:cs typeface="Arial"/>
+                <a:sym typeface="Arial"/>
+              </a:defRPr>
             </a:lvl8pPr>
-            <a:lvl9pPr indent="0" lvl="8">
-              <a:spcBef>
-                <a:spcPts val="0"/>
-              </a:spcBef>
-              <a:spcAft>
-                <a:spcPts val="0"/>
-              </a:spcAft>
-              <a:buSzPts val="1400"/>
-              <a:buNone/>
-              <a:defRPr sz="1800"/>
+            <a:lvl9pPr lvl="8" marR="0" rtl="0" algn="l">
+              <a:lnSpc>
+                <a:spcPct val="100000"/>
+              </a:lnSpc>
+              <a:spcBef>
+                <a:spcPts val="0"/>
+              </a:spcBef>
+              <a:spcAft>
+                <a:spcPts val="0"/>
+              </a:spcAft>
+              <a:buClr>
+                <a:srgbClr val="000000"/>
+              </a:buClr>
+              <a:buSzPts val="1400"/>
+              <a:buFont typeface="Arial"/>
+              <a:buNone/>
+              <a:defRPr b="0" i="0" sz="1800" u="none" cap="none" strike="noStrike">
+                <a:solidFill>
+                  <a:srgbClr val="000000"/>
+                </a:solidFill>
+                <a:latin typeface="Arial"/>
+                <a:ea typeface="Arial"/>
+                <a:cs typeface="Arial"/>
+                <a:sym typeface="Arial"/>
+              </a:defRPr>
             </a:lvl9pPr>
           </a:lstStyle>
           <a:p/>
@@ -5619,7 +7263,7 @@
       </p:sp>
       <p:sp>
         <p:nvSpPr>
-          <p:cNvPr id="43" name="Google Shape;43;p10"/>
+          <p:cNvPr id="43" name="Google Shape;43;p17"/>
           <p:cNvSpPr txBox="1"/>
           <p:nvPr>
             <p:ph idx="1" type="body"/>
@@ -5639,9 +7283,14 @@
           </a:ln>
         </p:spPr>
         <p:txBody>
-          <a:bodyPr anchorCtr="0" anchor="t" bIns="91425" lIns="91425" spcFirstLastPara="1" rIns="91425" wrap="square" tIns="91425"/>
+          <a:bodyPr anchorCtr="0" anchor="t" bIns="91425" lIns="91425" spcFirstLastPara="1" rIns="91425" wrap="square" tIns="91425">
+            <a:noAutofit/>
+          </a:bodyPr>
           <a:lstStyle>
             <a:lvl1pPr indent="-520700" lvl="0" marL="457200" marR="0" rtl="0" algn="l">
+              <a:lnSpc>
+                <a:spcPct val="100000"/>
+              </a:lnSpc>
               <a:spcBef>
                 <a:spcPts val="920"/>
               </a:spcBef>
@@ -5665,6 +7314,9 @@
               </a:defRPr>
             </a:lvl1pPr>
             <a:lvl2pPr indent="-482600" lvl="1" marL="914400" marR="0" rtl="0" algn="l">
+              <a:lnSpc>
+                <a:spcPct val="100000"/>
+              </a:lnSpc>
               <a:spcBef>
                 <a:spcPts val="800"/>
               </a:spcBef>
@@ -5688,6 +7340,9 @@
               </a:defRPr>
             </a:lvl2pPr>
             <a:lvl3pPr indent="-444500" lvl="2" marL="1371600" marR="0" rtl="0" algn="l">
+              <a:lnSpc>
+                <a:spcPct val="100000"/>
+              </a:lnSpc>
               <a:spcBef>
                 <a:spcPts val="680"/>
               </a:spcBef>
@@ -5711,6 +7366,9 @@
               </a:defRPr>
             </a:lvl3pPr>
             <a:lvl4pPr indent="-406400" lvl="3" marL="1828800" marR="0" rtl="0" algn="l">
+              <a:lnSpc>
+                <a:spcPct val="100000"/>
+              </a:lnSpc>
               <a:spcBef>
                 <a:spcPts val="560"/>
               </a:spcBef>
@@ -5734,6 +7392,9 @@
               </a:defRPr>
             </a:lvl4pPr>
             <a:lvl5pPr indent="-406400" lvl="4" marL="2286000" marR="0" rtl="0" algn="l">
+              <a:lnSpc>
+                <a:spcPct val="100000"/>
+              </a:lnSpc>
               <a:spcBef>
                 <a:spcPts val="560"/>
               </a:spcBef>
@@ -5757,6 +7418,9 @@
               </a:defRPr>
             </a:lvl5pPr>
             <a:lvl6pPr indent="-406400" lvl="5" marL="2743200" marR="0" rtl="0" algn="l">
+              <a:lnSpc>
+                <a:spcPct val="100000"/>
+              </a:lnSpc>
               <a:spcBef>
                 <a:spcPts val="560"/>
               </a:spcBef>
@@ -5780,6 +7444,9 @@
               </a:defRPr>
             </a:lvl6pPr>
             <a:lvl7pPr indent="-406400" lvl="6" marL="3200400" marR="0" rtl="0" algn="l">
+              <a:lnSpc>
+                <a:spcPct val="100000"/>
+              </a:lnSpc>
               <a:spcBef>
                 <a:spcPts val="560"/>
               </a:spcBef>
@@ -5803,6 +7470,9 @@
               </a:defRPr>
             </a:lvl7pPr>
             <a:lvl8pPr indent="-406400" lvl="7" marL="3657600" marR="0" rtl="0" algn="l">
+              <a:lnSpc>
+                <a:spcPct val="100000"/>
+              </a:lnSpc>
               <a:spcBef>
                 <a:spcPts val="560"/>
               </a:spcBef>
@@ -5826,6 +7496,9 @@
               </a:defRPr>
             </a:lvl8pPr>
             <a:lvl9pPr indent="-406400" lvl="8" marL="4114800" marR="0" rtl="0" algn="l">
+              <a:lnSpc>
+                <a:spcPct val="100000"/>
+              </a:lnSpc>
               <a:spcBef>
                 <a:spcPts val="560"/>
               </a:spcBef>
@@ -5854,7 +7527,7 @@
       </p:sp>
       <p:sp>
         <p:nvSpPr>
-          <p:cNvPr id="44" name="Google Shape;44;p10"/>
+          <p:cNvPr id="44" name="Google Shape;44;p17"/>
           <p:cNvSpPr txBox="1"/>
           <p:nvPr>
             <p:ph idx="10" type="dt"/>
@@ -5874,146 +7547,238 @@
           </a:ln>
         </p:spPr>
         <p:txBody>
-          <a:bodyPr anchorCtr="0" anchor="t" bIns="91425" lIns="91425" spcFirstLastPara="1" rIns="91425" wrap="square" tIns="91425"/>
+          <a:bodyPr anchorCtr="0" anchor="t" bIns="91425" lIns="91425" spcFirstLastPara="1" rIns="91425" wrap="square" tIns="91425">
+            <a:noAutofit/>
+          </a:bodyPr>
           <a:lstStyle>
-            <a:lvl1pPr indent="0" lvl="0" marL="0" marR="0" rtl="0" algn="ctr">
-              <a:spcBef>
-                <a:spcPts val="0"/>
-              </a:spcBef>
-              <a:spcAft>
-                <a:spcPts val="0"/>
-              </a:spcAft>
-              <a:buSzPts val="1400"/>
+            <a:lvl1pPr lvl="0" marR="0" rtl="0" algn="ctr">
+              <a:lnSpc>
+                <a:spcPct val="100000"/>
+              </a:lnSpc>
+              <a:spcBef>
+                <a:spcPts val="0"/>
+              </a:spcBef>
+              <a:spcAft>
+                <a:spcPts val="0"/>
+              </a:spcAft>
+              <a:buClr>
+                <a:srgbClr val="000000"/>
+              </a:buClr>
+              <a:buSzPts val="1400"/>
+              <a:buFont typeface="Arial"/>
               <a:buNone/>
               <a:defRPr b="0" i="0" sz="3400" u="none" cap="none" strike="noStrike">
+                <a:solidFill>
+                  <a:srgbClr val="000000"/>
+                </a:solidFill>
                 <a:latin typeface="Arial"/>
                 <a:ea typeface="Arial"/>
                 <a:cs typeface="Arial"/>
                 <a:sym typeface="Arial"/>
               </a:defRPr>
             </a:lvl1pPr>
-            <a:lvl2pPr indent="215900" lvl="1" marL="457200" marR="0" rtl="0" algn="ctr">
-              <a:spcBef>
-                <a:spcPts val="0"/>
-              </a:spcBef>
-              <a:spcAft>
-                <a:spcPts val="0"/>
-              </a:spcAft>
-              <a:buSzPts val="1400"/>
+            <a:lvl2pPr lvl="1" marR="0" rtl="0" algn="ctr">
+              <a:lnSpc>
+                <a:spcPct val="100000"/>
+              </a:lnSpc>
+              <a:spcBef>
+                <a:spcPts val="0"/>
+              </a:spcBef>
+              <a:spcAft>
+                <a:spcPts val="0"/>
+              </a:spcAft>
+              <a:buClr>
+                <a:srgbClr val="000000"/>
+              </a:buClr>
+              <a:buSzPts val="1400"/>
+              <a:buFont typeface="Arial"/>
               <a:buNone/>
               <a:defRPr b="0" i="0" sz="3400" u="none" cap="none" strike="noStrike">
+                <a:solidFill>
+                  <a:srgbClr val="000000"/>
+                </a:solidFill>
                 <a:latin typeface="Arial"/>
                 <a:ea typeface="Arial"/>
                 <a:cs typeface="Arial"/>
                 <a:sym typeface="Arial"/>
               </a:defRPr>
             </a:lvl2pPr>
-            <a:lvl3pPr indent="444500" lvl="2" marL="914400" marR="0" rtl="0" algn="ctr">
-              <a:spcBef>
-                <a:spcPts val="0"/>
-              </a:spcBef>
-              <a:spcAft>
-                <a:spcPts val="0"/>
-              </a:spcAft>
-              <a:buSzPts val="1400"/>
+            <a:lvl3pPr lvl="2" marR="0" rtl="0" algn="ctr">
+              <a:lnSpc>
+                <a:spcPct val="100000"/>
+              </a:lnSpc>
+              <a:spcBef>
+                <a:spcPts val="0"/>
+              </a:spcBef>
+              <a:spcAft>
+                <a:spcPts val="0"/>
+              </a:spcAft>
+              <a:buClr>
+                <a:srgbClr val="000000"/>
+              </a:buClr>
+              <a:buSzPts val="1400"/>
+              <a:buFont typeface="Arial"/>
               <a:buNone/>
               <a:defRPr b="0" i="0" sz="3400" u="none" cap="none" strike="noStrike">
+                <a:solidFill>
+                  <a:srgbClr val="000000"/>
+                </a:solidFill>
                 <a:latin typeface="Arial"/>
                 <a:ea typeface="Arial"/>
                 <a:cs typeface="Arial"/>
                 <a:sym typeface="Arial"/>
               </a:defRPr>
             </a:lvl3pPr>
-            <a:lvl4pPr indent="673100" lvl="3" marL="1371600" marR="0" rtl="0" algn="ctr">
-              <a:spcBef>
-                <a:spcPts val="0"/>
-              </a:spcBef>
-              <a:spcAft>
-                <a:spcPts val="0"/>
-              </a:spcAft>
-              <a:buSzPts val="1400"/>
+            <a:lvl4pPr lvl="3" marR="0" rtl="0" algn="ctr">
+              <a:lnSpc>
+                <a:spcPct val="100000"/>
+              </a:lnSpc>
+              <a:spcBef>
+                <a:spcPts val="0"/>
+              </a:spcBef>
+              <a:spcAft>
+                <a:spcPts val="0"/>
+              </a:spcAft>
+              <a:buClr>
+                <a:srgbClr val="000000"/>
+              </a:buClr>
+              <a:buSzPts val="1400"/>
+              <a:buFont typeface="Arial"/>
               <a:buNone/>
               <a:defRPr b="0" i="0" sz="3400" u="none" cap="none" strike="noStrike">
+                <a:solidFill>
+                  <a:srgbClr val="000000"/>
+                </a:solidFill>
                 <a:latin typeface="Arial"/>
                 <a:ea typeface="Arial"/>
                 <a:cs typeface="Arial"/>
                 <a:sym typeface="Arial"/>
               </a:defRPr>
             </a:lvl4pPr>
-            <a:lvl5pPr indent="901700" lvl="4" marL="1828800" marR="0" rtl="0" algn="ctr">
-              <a:spcBef>
-                <a:spcPts val="0"/>
-              </a:spcBef>
-              <a:spcAft>
-                <a:spcPts val="0"/>
-              </a:spcAft>
-              <a:buSzPts val="1400"/>
+            <a:lvl5pPr lvl="4" marR="0" rtl="0" algn="ctr">
+              <a:lnSpc>
+                <a:spcPct val="100000"/>
+              </a:lnSpc>
+              <a:spcBef>
+                <a:spcPts val="0"/>
+              </a:spcBef>
+              <a:spcAft>
+                <a:spcPts val="0"/>
+              </a:spcAft>
+              <a:buClr>
+                <a:srgbClr val="000000"/>
+              </a:buClr>
+              <a:buSzPts val="1400"/>
+              <a:buFont typeface="Arial"/>
               <a:buNone/>
               <a:defRPr b="0" i="0" sz="3400" u="none" cap="none" strike="noStrike">
+                <a:solidFill>
+                  <a:srgbClr val="000000"/>
+                </a:solidFill>
                 <a:latin typeface="Arial"/>
                 <a:ea typeface="Arial"/>
                 <a:cs typeface="Arial"/>
                 <a:sym typeface="Arial"/>
               </a:defRPr>
             </a:lvl5pPr>
-            <a:lvl6pPr indent="1130300" lvl="5" marL="2286000" marR="0" rtl="0" algn="ctr">
-              <a:spcBef>
-                <a:spcPts val="0"/>
-              </a:spcBef>
-              <a:spcAft>
-                <a:spcPts val="0"/>
-              </a:spcAft>
-              <a:buSzPts val="1400"/>
+            <a:lvl6pPr lvl="5" marR="0" rtl="0" algn="ctr">
+              <a:lnSpc>
+                <a:spcPct val="100000"/>
+              </a:lnSpc>
+              <a:spcBef>
+                <a:spcPts val="0"/>
+              </a:spcBef>
+              <a:spcAft>
+                <a:spcPts val="0"/>
+              </a:spcAft>
+              <a:buClr>
+                <a:srgbClr val="000000"/>
+              </a:buClr>
+              <a:buSzPts val="1400"/>
+              <a:buFont typeface="Arial"/>
               <a:buNone/>
               <a:defRPr b="0" i="0" sz="3400" u="none" cap="none" strike="noStrike">
+                <a:solidFill>
+                  <a:srgbClr val="000000"/>
+                </a:solidFill>
                 <a:latin typeface="Arial"/>
                 <a:ea typeface="Arial"/>
                 <a:cs typeface="Arial"/>
                 <a:sym typeface="Arial"/>
               </a:defRPr>
             </a:lvl6pPr>
-            <a:lvl7pPr indent="1358900" lvl="6" marL="2743200" marR="0" rtl="0" algn="ctr">
-              <a:spcBef>
-                <a:spcPts val="0"/>
-              </a:spcBef>
-              <a:spcAft>
-                <a:spcPts val="0"/>
-              </a:spcAft>
-              <a:buSzPts val="1400"/>
+            <a:lvl7pPr lvl="6" marR="0" rtl="0" algn="ctr">
+              <a:lnSpc>
+                <a:spcPct val="100000"/>
+              </a:lnSpc>
+              <a:spcBef>
+                <a:spcPts val="0"/>
+              </a:spcBef>
+              <a:spcAft>
+                <a:spcPts val="0"/>
+              </a:spcAft>
+              <a:buClr>
+                <a:srgbClr val="000000"/>
+              </a:buClr>
+              <a:buSzPts val="1400"/>
+              <a:buFont typeface="Arial"/>
               <a:buNone/>
               <a:defRPr b="0" i="0" sz="3400" u="none" cap="none" strike="noStrike">
+                <a:solidFill>
+                  <a:srgbClr val="000000"/>
+                </a:solidFill>
                 <a:latin typeface="Arial"/>
                 <a:ea typeface="Arial"/>
                 <a:cs typeface="Arial"/>
                 <a:sym typeface="Arial"/>
               </a:defRPr>
             </a:lvl7pPr>
-            <a:lvl8pPr indent="1587500" lvl="7" marL="3200400" marR="0" rtl="0" algn="ctr">
-              <a:spcBef>
-                <a:spcPts val="0"/>
-              </a:spcBef>
-              <a:spcAft>
-                <a:spcPts val="0"/>
-              </a:spcAft>
-              <a:buSzPts val="1400"/>
+            <a:lvl8pPr lvl="7" marR="0" rtl="0" algn="ctr">
+              <a:lnSpc>
+                <a:spcPct val="100000"/>
+              </a:lnSpc>
+              <a:spcBef>
+                <a:spcPts val="0"/>
+              </a:spcBef>
+              <a:spcAft>
+                <a:spcPts val="0"/>
+              </a:spcAft>
+              <a:buClr>
+                <a:srgbClr val="000000"/>
+              </a:buClr>
+              <a:buSzPts val="1400"/>
+              <a:buFont typeface="Arial"/>
               <a:buNone/>
               <a:defRPr b="0" i="0" sz="3400" u="none" cap="none" strike="noStrike">
+                <a:solidFill>
+                  <a:srgbClr val="000000"/>
+                </a:solidFill>
                 <a:latin typeface="Arial"/>
                 <a:ea typeface="Arial"/>
                 <a:cs typeface="Arial"/>
                 <a:sym typeface="Arial"/>
               </a:defRPr>
             </a:lvl8pPr>
-            <a:lvl9pPr indent="1816100" lvl="8" marL="3657600" marR="0" rtl="0" algn="ctr">
-              <a:spcBef>
-                <a:spcPts val="0"/>
-              </a:spcBef>
-              <a:spcAft>
-                <a:spcPts val="0"/>
-              </a:spcAft>
-              <a:buSzPts val="1400"/>
+            <a:lvl9pPr lvl="8" marR="0" rtl="0" algn="ctr">
+              <a:lnSpc>
+                <a:spcPct val="100000"/>
+              </a:lnSpc>
+              <a:spcBef>
+                <a:spcPts val="0"/>
+              </a:spcBef>
+              <a:spcAft>
+                <a:spcPts val="0"/>
+              </a:spcAft>
+              <a:buClr>
+                <a:srgbClr val="000000"/>
+              </a:buClr>
+              <a:buSzPts val="1400"/>
+              <a:buFont typeface="Arial"/>
               <a:buNone/>
               <a:defRPr b="0" i="0" sz="3400" u="none" cap="none" strike="noStrike">
+                <a:solidFill>
+                  <a:srgbClr val="000000"/>
+                </a:solidFill>
                 <a:latin typeface="Arial"/>
                 <a:ea typeface="Arial"/>
                 <a:cs typeface="Arial"/>
@@ -6026,7 +7791,7 @@
       </p:sp>
       <p:sp>
         <p:nvSpPr>
-          <p:cNvPr id="45" name="Google Shape;45;p10"/>
+          <p:cNvPr id="45" name="Google Shape;45;p17"/>
           <p:cNvSpPr txBox="1"/>
           <p:nvPr>
             <p:ph idx="11" type="ftr"/>
@@ -6046,146 +7811,238 @@
           </a:ln>
         </p:spPr>
         <p:txBody>
-          <a:bodyPr anchorCtr="0" anchor="t" bIns="91425" lIns="91425" spcFirstLastPara="1" rIns="91425" wrap="square" tIns="91425"/>
+          <a:bodyPr anchorCtr="0" anchor="t" bIns="91425" lIns="91425" spcFirstLastPara="1" rIns="91425" wrap="square" tIns="91425">
+            <a:noAutofit/>
+          </a:bodyPr>
           <a:lstStyle>
-            <a:lvl1pPr indent="0" lvl="0" marL="0" marR="0" rtl="0" algn="ctr">
-              <a:spcBef>
-                <a:spcPts val="0"/>
-              </a:spcBef>
-              <a:spcAft>
-                <a:spcPts val="0"/>
-              </a:spcAft>
-              <a:buSzPts val="1400"/>
+            <a:lvl1pPr lvl="0" marR="0" rtl="0" algn="ctr">
+              <a:lnSpc>
+                <a:spcPct val="100000"/>
+              </a:lnSpc>
+              <a:spcBef>
+                <a:spcPts val="0"/>
+              </a:spcBef>
+              <a:spcAft>
+                <a:spcPts val="0"/>
+              </a:spcAft>
+              <a:buClr>
+                <a:srgbClr val="000000"/>
+              </a:buClr>
+              <a:buSzPts val="1400"/>
+              <a:buFont typeface="Arial"/>
               <a:buNone/>
               <a:defRPr b="0" i="0" sz="3400" u="none" cap="none" strike="noStrike">
+                <a:solidFill>
+                  <a:srgbClr val="000000"/>
+                </a:solidFill>
                 <a:latin typeface="Arial"/>
                 <a:ea typeface="Arial"/>
                 <a:cs typeface="Arial"/>
                 <a:sym typeface="Arial"/>
               </a:defRPr>
             </a:lvl1pPr>
-            <a:lvl2pPr indent="215900" lvl="1" marL="457200" marR="0" rtl="0" algn="ctr">
-              <a:spcBef>
-                <a:spcPts val="0"/>
-              </a:spcBef>
-              <a:spcAft>
-                <a:spcPts val="0"/>
-              </a:spcAft>
-              <a:buSzPts val="1400"/>
+            <a:lvl2pPr lvl="1" marR="0" rtl="0" algn="ctr">
+              <a:lnSpc>
+                <a:spcPct val="100000"/>
+              </a:lnSpc>
+              <a:spcBef>
+                <a:spcPts val="0"/>
+              </a:spcBef>
+              <a:spcAft>
+                <a:spcPts val="0"/>
+              </a:spcAft>
+              <a:buClr>
+                <a:srgbClr val="000000"/>
+              </a:buClr>
+              <a:buSzPts val="1400"/>
+              <a:buFont typeface="Arial"/>
               <a:buNone/>
               <a:defRPr b="0" i="0" sz="3400" u="none" cap="none" strike="noStrike">
+                <a:solidFill>
+                  <a:srgbClr val="000000"/>
+                </a:solidFill>
                 <a:latin typeface="Arial"/>
                 <a:ea typeface="Arial"/>
                 <a:cs typeface="Arial"/>
                 <a:sym typeface="Arial"/>
               </a:defRPr>
             </a:lvl2pPr>
-            <a:lvl3pPr indent="444500" lvl="2" marL="914400" marR="0" rtl="0" algn="ctr">
-              <a:spcBef>
-                <a:spcPts val="0"/>
-              </a:spcBef>
-              <a:spcAft>
-                <a:spcPts val="0"/>
-              </a:spcAft>
-              <a:buSzPts val="1400"/>
+            <a:lvl3pPr lvl="2" marR="0" rtl="0" algn="ctr">
+              <a:lnSpc>
+                <a:spcPct val="100000"/>
+              </a:lnSpc>
+              <a:spcBef>
+                <a:spcPts val="0"/>
+              </a:spcBef>
+              <a:spcAft>
+                <a:spcPts val="0"/>
+              </a:spcAft>
+              <a:buClr>
+                <a:srgbClr val="000000"/>
+              </a:buClr>
+              <a:buSzPts val="1400"/>
+              <a:buFont typeface="Arial"/>
               <a:buNone/>
               <a:defRPr b="0" i="0" sz="3400" u="none" cap="none" strike="noStrike">
+                <a:solidFill>
+                  <a:srgbClr val="000000"/>
+                </a:solidFill>
                 <a:latin typeface="Arial"/>
                 <a:ea typeface="Arial"/>
                 <a:cs typeface="Arial"/>
                 <a:sym typeface="Arial"/>
               </a:defRPr>
             </a:lvl3pPr>
-            <a:lvl4pPr indent="673100" lvl="3" marL="1371600" marR="0" rtl="0" algn="ctr">
-              <a:spcBef>
-                <a:spcPts val="0"/>
-              </a:spcBef>
-              <a:spcAft>
-                <a:spcPts val="0"/>
-              </a:spcAft>
-              <a:buSzPts val="1400"/>
+            <a:lvl4pPr lvl="3" marR="0" rtl="0" algn="ctr">
+              <a:lnSpc>
+                <a:spcPct val="100000"/>
+              </a:lnSpc>
+              <a:spcBef>
+                <a:spcPts val="0"/>
+              </a:spcBef>
+              <a:spcAft>
+                <a:spcPts val="0"/>
+              </a:spcAft>
+              <a:buClr>
+                <a:srgbClr val="000000"/>
+              </a:buClr>
+              <a:buSzPts val="1400"/>
+              <a:buFont typeface="Arial"/>
               <a:buNone/>
               <a:defRPr b="0" i="0" sz="3400" u="none" cap="none" strike="noStrike">
+                <a:solidFill>
+                  <a:srgbClr val="000000"/>
+                </a:solidFill>
                 <a:latin typeface="Arial"/>
                 <a:ea typeface="Arial"/>
                 <a:cs typeface="Arial"/>
                 <a:sym typeface="Arial"/>
               </a:defRPr>
             </a:lvl4pPr>
-            <a:lvl5pPr indent="901700" lvl="4" marL="1828800" marR="0" rtl="0" algn="ctr">
-              <a:spcBef>
-                <a:spcPts val="0"/>
-              </a:spcBef>
-              <a:spcAft>
-                <a:spcPts val="0"/>
-              </a:spcAft>
-              <a:buSzPts val="1400"/>
+            <a:lvl5pPr lvl="4" marR="0" rtl="0" algn="ctr">
+              <a:lnSpc>
+                <a:spcPct val="100000"/>
+              </a:lnSpc>
+              <a:spcBef>
+                <a:spcPts val="0"/>
+              </a:spcBef>
+              <a:spcAft>
+                <a:spcPts val="0"/>
+              </a:spcAft>
+              <a:buClr>
+                <a:srgbClr val="000000"/>
+              </a:buClr>
+              <a:buSzPts val="1400"/>
+              <a:buFont typeface="Arial"/>
               <a:buNone/>
               <a:defRPr b="0" i="0" sz="3400" u="none" cap="none" strike="noStrike">
+                <a:solidFill>
+                  <a:srgbClr val="000000"/>
+                </a:solidFill>
                 <a:latin typeface="Arial"/>
                 <a:ea typeface="Arial"/>
                 <a:cs typeface="Arial"/>
                 <a:sym typeface="Arial"/>
               </a:defRPr>
             </a:lvl5pPr>
-            <a:lvl6pPr indent="1130300" lvl="5" marL="2286000" marR="0" rtl="0" algn="ctr">
-              <a:spcBef>
-                <a:spcPts val="0"/>
-              </a:spcBef>
-              <a:spcAft>
-                <a:spcPts val="0"/>
-              </a:spcAft>
-              <a:buSzPts val="1400"/>
+            <a:lvl6pPr lvl="5" marR="0" rtl="0" algn="ctr">
+              <a:lnSpc>
+                <a:spcPct val="100000"/>
+              </a:lnSpc>
+              <a:spcBef>
+                <a:spcPts val="0"/>
+              </a:spcBef>
+              <a:spcAft>
+                <a:spcPts val="0"/>
+              </a:spcAft>
+              <a:buClr>
+                <a:srgbClr val="000000"/>
+              </a:buClr>
+              <a:buSzPts val="1400"/>
+              <a:buFont typeface="Arial"/>
               <a:buNone/>
               <a:defRPr b="0" i="0" sz="3400" u="none" cap="none" strike="noStrike">
+                <a:solidFill>
+                  <a:srgbClr val="000000"/>
+                </a:solidFill>
                 <a:latin typeface="Arial"/>
                 <a:ea typeface="Arial"/>
                 <a:cs typeface="Arial"/>
                 <a:sym typeface="Arial"/>
               </a:defRPr>
             </a:lvl6pPr>
-            <a:lvl7pPr indent="1358900" lvl="6" marL="2743200" marR="0" rtl="0" algn="ctr">
-              <a:spcBef>
-                <a:spcPts val="0"/>
-              </a:spcBef>
-              <a:spcAft>
-                <a:spcPts val="0"/>
-              </a:spcAft>
-              <a:buSzPts val="1400"/>
+            <a:lvl7pPr lvl="6" marR="0" rtl="0" algn="ctr">
+              <a:lnSpc>
+                <a:spcPct val="100000"/>
+              </a:lnSpc>
+              <a:spcBef>
+                <a:spcPts val="0"/>
+              </a:spcBef>
+              <a:spcAft>
+                <a:spcPts val="0"/>
+              </a:spcAft>
+              <a:buClr>
+                <a:srgbClr val="000000"/>
+              </a:buClr>
+              <a:buSzPts val="1400"/>
+              <a:buFont typeface="Arial"/>
               <a:buNone/>
               <a:defRPr b="0" i="0" sz="3400" u="none" cap="none" strike="noStrike">
+                <a:solidFill>
+                  <a:srgbClr val="000000"/>
+                </a:solidFill>
                 <a:latin typeface="Arial"/>
                 <a:ea typeface="Arial"/>
                 <a:cs typeface="Arial"/>
                 <a:sym typeface="Arial"/>
               </a:defRPr>
             </a:lvl7pPr>
-            <a:lvl8pPr indent="1587500" lvl="7" marL="3200400" marR="0" rtl="0" algn="ctr">
-              <a:spcBef>
-                <a:spcPts val="0"/>
-              </a:spcBef>
-              <a:spcAft>
-                <a:spcPts val="0"/>
-              </a:spcAft>
-              <a:buSzPts val="1400"/>
+            <a:lvl8pPr lvl="7" marR="0" rtl="0" algn="ctr">
+              <a:lnSpc>
+                <a:spcPct val="100000"/>
+              </a:lnSpc>
+              <a:spcBef>
+                <a:spcPts val="0"/>
+              </a:spcBef>
+              <a:spcAft>
+                <a:spcPts val="0"/>
+              </a:spcAft>
+              <a:buClr>
+                <a:srgbClr val="000000"/>
+              </a:buClr>
+              <a:buSzPts val="1400"/>
+              <a:buFont typeface="Arial"/>
               <a:buNone/>
               <a:defRPr b="0" i="0" sz="3400" u="none" cap="none" strike="noStrike">
+                <a:solidFill>
+                  <a:srgbClr val="000000"/>
+                </a:solidFill>
                 <a:latin typeface="Arial"/>
                 <a:ea typeface="Arial"/>
                 <a:cs typeface="Arial"/>
                 <a:sym typeface="Arial"/>
               </a:defRPr>
             </a:lvl8pPr>
-            <a:lvl9pPr indent="1816100" lvl="8" marL="3657600" marR="0" rtl="0" algn="ctr">
-              <a:spcBef>
-                <a:spcPts val="0"/>
-              </a:spcBef>
-              <a:spcAft>
-                <a:spcPts val="0"/>
-              </a:spcAft>
-              <a:buSzPts val="1400"/>
+            <a:lvl9pPr lvl="8" marR="0" rtl="0" algn="ctr">
+              <a:lnSpc>
+                <a:spcPct val="100000"/>
+              </a:lnSpc>
+              <a:spcBef>
+                <a:spcPts val="0"/>
+              </a:spcBef>
+              <a:spcAft>
+                <a:spcPts val="0"/>
+              </a:spcAft>
+              <a:buClr>
+                <a:srgbClr val="000000"/>
+              </a:buClr>
+              <a:buSzPts val="1400"/>
+              <a:buFont typeface="Arial"/>
               <a:buNone/>
               <a:defRPr b="0" i="0" sz="3400" u="none" cap="none" strike="noStrike">
+                <a:solidFill>
+                  <a:srgbClr val="000000"/>
+                </a:solidFill>
                 <a:latin typeface="Arial"/>
                 <a:ea typeface="Arial"/>
                 <a:cs typeface="Arial"/>
@@ -6198,7 +8055,7 @@
       </p:sp>
       <p:sp>
         <p:nvSpPr>
-          <p:cNvPr id="46" name="Google Shape;46;p10"/>
+          <p:cNvPr id="46" name="Google Shape;46;p17"/>
           <p:cNvSpPr txBox="1"/>
           <p:nvPr>
             <p:ph idx="12" type="sldNum"/>
@@ -6223,11 +8080,25 @@
           </a:bodyPr>
           <a:lstStyle>
             <a:lvl1pPr indent="0" lvl="0" marL="0" marR="0" rtl="0" algn="ctr">
-              <a:spcBef>
-                <a:spcPts val="0"/>
-              </a:spcBef>
+              <a:lnSpc>
+                <a:spcPct val="100000"/>
+              </a:lnSpc>
+              <a:spcBef>
+                <a:spcPts val="0"/>
+              </a:spcBef>
+              <a:spcAft>
+                <a:spcPts val="0"/>
+              </a:spcAft>
+              <a:buClr>
+                <a:srgbClr val="000000"/>
+              </a:buClr>
+              <a:buSzPts val="3400"/>
+              <a:buFont typeface="Arial"/>
               <a:buNone/>
               <a:defRPr b="0" i="0" sz="3400" u="none" cap="none" strike="noStrike">
+                <a:solidFill>
+                  <a:srgbClr val="000000"/>
+                </a:solidFill>
                 <a:latin typeface="Arial"/>
                 <a:ea typeface="Arial"/>
                 <a:cs typeface="Arial"/>
@@ -6235,11 +8106,25 @@
               </a:defRPr>
             </a:lvl1pPr>
             <a:lvl2pPr indent="0" lvl="1" marL="0" marR="0" rtl="0" algn="ctr">
-              <a:spcBef>
-                <a:spcPts val="0"/>
-              </a:spcBef>
+              <a:lnSpc>
+                <a:spcPct val="100000"/>
+              </a:lnSpc>
+              <a:spcBef>
+                <a:spcPts val="0"/>
+              </a:spcBef>
+              <a:spcAft>
+                <a:spcPts val="0"/>
+              </a:spcAft>
+              <a:buClr>
+                <a:srgbClr val="000000"/>
+              </a:buClr>
+              <a:buSzPts val="3400"/>
+              <a:buFont typeface="Arial"/>
               <a:buNone/>
               <a:defRPr b="0" i="0" sz="3400" u="none" cap="none" strike="noStrike">
+                <a:solidFill>
+                  <a:srgbClr val="000000"/>
+                </a:solidFill>
                 <a:latin typeface="Arial"/>
                 <a:ea typeface="Arial"/>
                 <a:cs typeface="Arial"/>
@@ -6247,11 +8132,25 @@
               </a:defRPr>
             </a:lvl2pPr>
             <a:lvl3pPr indent="0" lvl="2" marL="0" marR="0" rtl="0" algn="ctr">
-              <a:spcBef>
-                <a:spcPts val="0"/>
-              </a:spcBef>
+              <a:lnSpc>
+                <a:spcPct val="100000"/>
+              </a:lnSpc>
+              <a:spcBef>
+                <a:spcPts val="0"/>
+              </a:spcBef>
+              <a:spcAft>
+                <a:spcPts val="0"/>
+              </a:spcAft>
+              <a:buClr>
+                <a:srgbClr val="000000"/>
+              </a:buClr>
+              <a:buSzPts val="3400"/>
+              <a:buFont typeface="Arial"/>
               <a:buNone/>
               <a:defRPr b="0" i="0" sz="3400" u="none" cap="none" strike="noStrike">
+                <a:solidFill>
+                  <a:srgbClr val="000000"/>
+                </a:solidFill>
                 <a:latin typeface="Arial"/>
                 <a:ea typeface="Arial"/>
                 <a:cs typeface="Arial"/>
@@ -6259,11 +8158,25 @@
               </a:defRPr>
             </a:lvl3pPr>
             <a:lvl4pPr indent="0" lvl="3" marL="0" marR="0" rtl="0" algn="ctr">
-              <a:spcBef>
-                <a:spcPts val="0"/>
-              </a:spcBef>
+              <a:lnSpc>
+                <a:spcPct val="100000"/>
+              </a:lnSpc>
+              <a:spcBef>
+                <a:spcPts val="0"/>
+              </a:spcBef>
+              <a:spcAft>
+                <a:spcPts val="0"/>
+              </a:spcAft>
+              <a:buClr>
+                <a:srgbClr val="000000"/>
+              </a:buClr>
+              <a:buSzPts val="3400"/>
+              <a:buFont typeface="Arial"/>
               <a:buNone/>
               <a:defRPr b="0" i="0" sz="3400" u="none" cap="none" strike="noStrike">
+                <a:solidFill>
+                  <a:srgbClr val="000000"/>
+                </a:solidFill>
                 <a:latin typeface="Arial"/>
                 <a:ea typeface="Arial"/>
                 <a:cs typeface="Arial"/>
@@ -6271,11 +8184,25 @@
               </a:defRPr>
             </a:lvl4pPr>
             <a:lvl5pPr indent="0" lvl="4" marL="0" marR="0" rtl="0" algn="ctr">
-              <a:spcBef>
-                <a:spcPts val="0"/>
-              </a:spcBef>
+              <a:lnSpc>
+                <a:spcPct val="100000"/>
+              </a:lnSpc>
+              <a:spcBef>
+                <a:spcPts val="0"/>
+              </a:spcBef>
+              <a:spcAft>
+                <a:spcPts val="0"/>
+              </a:spcAft>
+              <a:buClr>
+                <a:srgbClr val="000000"/>
+              </a:buClr>
+              <a:buSzPts val="3400"/>
+              <a:buFont typeface="Arial"/>
               <a:buNone/>
               <a:defRPr b="0" i="0" sz="3400" u="none" cap="none" strike="noStrike">
+                <a:solidFill>
+                  <a:srgbClr val="000000"/>
+                </a:solidFill>
                 <a:latin typeface="Arial"/>
                 <a:ea typeface="Arial"/>
                 <a:cs typeface="Arial"/>
@@ -6283,11 +8210,25 @@
               </a:defRPr>
             </a:lvl5pPr>
             <a:lvl6pPr indent="0" lvl="5" marL="0" marR="0" rtl="0" algn="ctr">
-              <a:spcBef>
-                <a:spcPts val="0"/>
-              </a:spcBef>
+              <a:lnSpc>
+                <a:spcPct val="100000"/>
+              </a:lnSpc>
+              <a:spcBef>
+                <a:spcPts val="0"/>
+              </a:spcBef>
+              <a:spcAft>
+                <a:spcPts val="0"/>
+              </a:spcAft>
+              <a:buClr>
+                <a:srgbClr val="000000"/>
+              </a:buClr>
+              <a:buSzPts val="3400"/>
+              <a:buFont typeface="Arial"/>
               <a:buNone/>
               <a:defRPr b="0" i="0" sz="3400" u="none" cap="none" strike="noStrike">
+                <a:solidFill>
+                  <a:srgbClr val="000000"/>
+                </a:solidFill>
                 <a:latin typeface="Arial"/>
                 <a:ea typeface="Arial"/>
                 <a:cs typeface="Arial"/>
@@ -6295,11 +8236,25 @@
               </a:defRPr>
             </a:lvl6pPr>
             <a:lvl7pPr indent="0" lvl="6" marL="0" marR="0" rtl="0" algn="ctr">
-              <a:spcBef>
-                <a:spcPts val="0"/>
-              </a:spcBef>
+              <a:lnSpc>
+                <a:spcPct val="100000"/>
+              </a:lnSpc>
+              <a:spcBef>
+                <a:spcPts val="0"/>
+              </a:spcBef>
+              <a:spcAft>
+                <a:spcPts val="0"/>
+              </a:spcAft>
+              <a:buClr>
+                <a:srgbClr val="000000"/>
+              </a:buClr>
+              <a:buSzPts val="3400"/>
+              <a:buFont typeface="Arial"/>
               <a:buNone/>
               <a:defRPr b="0" i="0" sz="3400" u="none" cap="none" strike="noStrike">
+                <a:solidFill>
+                  <a:srgbClr val="000000"/>
+                </a:solidFill>
                 <a:latin typeface="Arial"/>
                 <a:ea typeface="Arial"/>
                 <a:cs typeface="Arial"/>
@@ -6307,11 +8262,25 @@
               </a:defRPr>
             </a:lvl7pPr>
             <a:lvl8pPr indent="0" lvl="7" marL="0" marR="0" rtl="0" algn="ctr">
-              <a:spcBef>
-                <a:spcPts val="0"/>
-              </a:spcBef>
+              <a:lnSpc>
+                <a:spcPct val="100000"/>
+              </a:lnSpc>
+              <a:spcBef>
+                <a:spcPts val="0"/>
+              </a:spcBef>
+              <a:spcAft>
+                <a:spcPts val="0"/>
+              </a:spcAft>
+              <a:buClr>
+                <a:srgbClr val="000000"/>
+              </a:buClr>
+              <a:buSzPts val="3400"/>
+              <a:buFont typeface="Arial"/>
               <a:buNone/>
               <a:defRPr b="0" i="0" sz="3400" u="none" cap="none" strike="noStrike">
+                <a:solidFill>
+                  <a:srgbClr val="000000"/>
+                </a:solidFill>
                 <a:latin typeface="Arial"/>
                 <a:ea typeface="Arial"/>
                 <a:cs typeface="Arial"/>
@@ -6319,11 +8288,25 @@
               </a:defRPr>
             </a:lvl8pPr>
             <a:lvl9pPr indent="0" lvl="8" marL="0" marR="0" rtl="0" algn="ctr">
-              <a:spcBef>
-                <a:spcPts val="0"/>
-              </a:spcBef>
+              <a:lnSpc>
+                <a:spcPct val="100000"/>
+              </a:lnSpc>
+              <a:spcBef>
+                <a:spcPts val="0"/>
+              </a:spcBef>
+              <a:spcAft>
+                <a:spcPts val="0"/>
+              </a:spcAft>
+              <a:buClr>
+                <a:srgbClr val="000000"/>
+              </a:buClr>
+              <a:buSzPts val="3400"/>
+              <a:buFont typeface="Arial"/>
               <a:buNone/>
               <a:defRPr b="0" i="0" sz="3400" u="none" cap="none" strike="noStrike">
+                <a:solidFill>
+                  <a:srgbClr val="000000"/>
+                </a:solidFill>
                 <a:latin typeface="Arial"/>
                 <a:ea typeface="Arial"/>
                 <a:cs typeface="Arial"/>
@@ -6385,16 +8368,16 @@
   </p:cSld>
   <p:clrMap accent1="accent1" accent2="accent2" accent3="accent3" accent4="accent4" accent5="accent5" accent6="accent6" bg1="lt1" bg2="dk2" tx1="dk1" tx2="lt2" folHlink="folHlink" hlink="hlink"/>
   <p:sldLayoutIdLst>
-    <p:sldLayoutId id="2147483648" r:id="rId1"/>
-    <p:sldLayoutId id="2147483649" r:id="rId2"/>
-    <p:sldLayoutId id="2147483650" r:id="rId3"/>
-    <p:sldLayoutId id="2147483651" r:id="rId4"/>
-    <p:sldLayoutId id="2147483652" r:id="rId5"/>
-    <p:sldLayoutId id="2147483653" r:id="rId6"/>
-    <p:sldLayoutId id="2147483654" r:id="rId7"/>
-    <p:sldLayoutId id="2147483655" r:id="rId8"/>
-    <p:sldLayoutId id="2147483656" r:id="rId9"/>
-    <p:sldLayoutId id="2147483657" r:id="rId10"/>
+    <p:sldLayoutId id="2147483649" r:id="rId1"/>
+    <p:sldLayoutId id="2147483650" r:id="rId2"/>
+    <p:sldLayoutId id="2147483651" r:id="rId3"/>
+    <p:sldLayoutId id="2147483652" r:id="rId4"/>
+    <p:sldLayoutId id="2147483653" r:id="rId5"/>
+    <p:sldLayoutId id="2147483654" r:id="rId6"/>
+    <p:sldLayoutId id="2147483655" r:id="rId7"/>
+    <p:sldLayoutId id="2147483656" r:id="rId8"/>
+    <p:sldLayoutId id="2147483657" r:id="rId9"/>
+    <p:sldLayoutId id="2147483658" r:id="rId10"/>
   </p:sldLayoutIdLst>
   <p:hf dt="0" ftr="0" hdr="0" sldNum="0"/>
   <p:txStyles>
@@ -7108,7 +9091,7 @@
       </p:grpSpPr>
       <p:sp>
         <p:nvSpPr>
-          <p:cNvPr id="56" name="Google Shape;56;p12"/>
+          <p:cNvPr id="56" name="Google Shape;56;p1"/>
           <p:cNvSpPr txBox="1"/>
           <p:nvPr>
             <p:ph type="ctrTitle"/>
@@ -7134,6 +9117,9 @@
           <a:lstStyle/>
           <a:p>
             <a:pPr indent="0" lvl="0" marL="0" marR="0" rtl="0" algn="l">
+              <a:lnSpc>
+                <a:spcPct val="100000"/>
+              </a:lnSpc>
               <a:spcBef>
                 <a:spcPts val="0"/>
               </a:spcBef>
@@ -7143,6 +9129,7 @@
               <a:buClr>
                 <a:srgbClr val="253A65"/>
               </a:buClr>
+              <a:buSzPts val="1400"/>
               <a:buFont typeface="Helvetica Neue"/>
               <a:buNone/>
             </a:pPr>
@@ -7189,7 +9176,7 @@
       </p:grpSpPr>
       <p:sp>
         <p:nvSpPr>
-          <p:cNvPr id="61" name="Google Shape;61;p13"/>
+          <p:cNvPr id="61" name="Google Shape;61;p2"/>
           <p:cNvSpPr txBox="1"/>
           <p:nvPr>
             <p:ph idx="1" type="body"/>
@@ -7215,6 +9202,9 @@
           <a:lstStyle/>
           <a:p>
             <a:pPr indent="-381000" lvl="0" marL="457200" marR="0" rtl="0" algn="l">
+              <a:lnSpc>
+                <a:spcPct val="100000"/>
+              </a:lnSpc>
               <a:spcBef>
                 <a:spcPts val="800"/>
               </a:spcBef>
@@ -7230,15 +9220,7 @@
             </a:r>
             <a:r>
               <a:rPr lang="en-US" sz="2400"/>
-              <a:t>to a</a:t>
-            </a:r>
-            <a:r>
-              <a:rPr lang="en-US" sz="2400"/>
-              <a:t>llow</a:t>
-            </a:r>
-            <a:r>
-              <a:rPr lang="en-US" sz="2400"/>
-              <a:t> container-to-container network using </a:t>
+              <a:t>to allow container-to-container network using </a:t>
             </a:r>
             <a:r>
               <a:rPr lang="en-US" sz="2400">
@@ -7339,12 +9321,16 @@
           </a:p>
           <a:p>
             <a:pPr indent="0" lvl="0" marL="0" marR="0" rtl="0" algn="l">
+              <a:lnSpc>
+                <a:spcPct val="100000"/>
+              </a:lnSpc>
               <a:spcBef>
                 <a:spcPts val="800"/>
               </a:spcBef>
               <a:spcAft>
                 <a:spcPts val="0"/>
               </a:spcAft>
+              <a:buSzPts val="3000"/>
               <a:buNone/>
             </a:pPr>
             <a:r>
@@ -7354,6 +9340,9 @@
           </a:p>
           <a:p>
             <a:pPr indent="-381000" lvl="0" marL="457200" marR="0" rtl="0" algn="l">
+              <a:lnSpc>
+                <a:spcPct val="100000"/>
+              </a:lnSpc>
               <a:spcBef>
                 <a:spcPts val="800"/>
               </a:spcBef>
@@ -7365,11 +9354,7 @@
             </a:pPr>
             <a:r>
               <a:rPr lang="en-US" sz="2400"/>
-              <a:t>D</a:t>
-            </a:r>
-            <a:r>
-              <a:rPr lang="en-US" sz="2400"/>
-              <a:t>eploy your HPC platform via </a:t>
+              <a:t>Deploy your HPC platform via </a:t>
             </a:r>
             <a:r>
               <a:rPr lang="en-US" sz="2400">
@@ -7387,12 +9372,16 @@
           </a:p>
           <a:p>
             <a:pPr indent="0" lvl="0" marL="0" marR="0" rtl="0" algn="l">
+              <a:lnSpc>
+                <a:spcPct val="100000"/>
+              </a:lnSpc>
               <a:spcBef>
                 <a:spcPts val="800"/>
               </a:spcBef>
               <a:spcAft>
                 <a:spcPts val="0"/>
               </a:spcAft>
+              <a:buSzPts val="3000"/>
               <a:buNone/>
             </a:pPr>
             <a:r>
@@ -7402,6 +9391,9 @@
           </a:p>
           <a:p>
             <a:pPr indent="-381000" lvl="1" marL="914400" marR="0" rtl="0" algn="l">
+              <a:lnSpc>
+                <a:spcPct val="100000"/>
+              </a:lnSpc>
               <a:spcBef>
                 <a:spcPts val="800"/>
               </a:spcBef>
@@ -7423,6 +9415,9 @@
           </a:p>
           <a:p>
             <a:pPr indent="-381000" lvl="1" marL="914400" marR="0" rtl="0" algn="l">
+              <a:lnSpc>
+                <a:spcPct val="100000"/>
+              </a:lnSpc>
               <a:spcBef>
                 <a:spcPts val="0"/>
               </a:spcBef>
@@ -7444,6 +9439,9 @@
           </a:p>
           <a:p>
             <a:pPr indent="-381000" lvl="1" marL="914400" marR="0" rtl="0" algn="l">
+              <a:lnSpc>
+                <a:spcPct val="100000"/>
+              </a:lnSpc>
               <a:spcBef>
                 <a:spcPts val="0"/>
               </a:spcBef>
@@ -7473,12 +9471,16 @@
           </a:p>
           <a:p>
             <a:pPr indent="0" lvl="0" marL="0" marR="0" rtl="0" algn="l">
+              <a:lnSpc>
+                <a:spcPct val="100000"/>
+              </a:lnSpc>
               <a:spcBef>
                 <a:spcPts val="800"/>
               </a:spcBef>
               <a:spcAft>
                 <a:spcPts val="0"/>
               </a:spcAft>
+              <a:buSzPts val="3000"/>
               <a:buNone/>
             </a:pPr>
             <a:r>
@@ -7488,6 +9490,9 @@
           </a:p>
           <a:p>
             <a:pPr indent="-381000" lvl="0" marL="457200" rtl="0" algn="l">
+              <a:lnSpc>
+                <a:spcPct val="100000"/>
+              </a:lnSpc>
               <a:spcBef>
                 <a:spcPts val="800"/>
               </a:spcBef>
@@ -7505,12 +9510,16 @@
           </a:p>
           <a:p>
             <a:pPr indent="0" lvl="0" marL="0" rtl="0" algn="l">
+              <a:lnSpc>
+                <a:spcPct val="100000"/>
+              </a:lnSpc>
               <a:spcBef>
                 <a:spcPts val="800"/>
               </a:spcBef>
               <a:spcAft>
                 <a:spcPts val="0"/>
               </a:spcAft>
+              <a:buSzPts val="3000"/>
               <a:buNone/>
             </a:pPr>
             <a:r>
@@ -7520,6 +9529,9 @@
           </a:p>
           <a:p>
             <a:pPr indent="-381000" lvl="1" marL="914400" rtl="0" algn="l">
+              <a:lnSpc>
+                <a:spcPct val="100000"/>
+              </a:lnSpc>
               <a:spcBef>
                 <a:spcPts val="680"/>
               </a:spcBef>
@@ -7527,11 +9539,15 @@
                 <a:spcPts val="0"/>
               </a:spcAft>
               <a:buSzPts val="2400"/>
-              <a:buAutoNum type="alphaLcPeriod"/>
+              <a:buAutoNum type="alphaLcPeriod" startAt="2"/>
             </a:pPr>
             <a:r>
               <a:rPr b="1" lang="en-US" sz="2400"/>
-              <a:t>submit_spark_PI.xml</a:t>
+              <a:t>S</a:t>
+            </a:r>
+            <a:r>
+              <a:rPr b="1" lang="en-US" sz="2400"/>
+              <a:t>park_Pi.xml</a:t>
             </a:r>
             <a:r>
               <a:rPr lang="en-US" sz="2400"/>
@@ -7541,6 +9557,9 @@
           </a:p>
           <a:p>
             <a:pPr indent="-381000" lvl="1" marL="914400" rtl="0" algn="l">
+              <a:lnSpc>
+                <a:spcPct val="100000"/>
+              </a:lnSpc>
               <a:spcBef>
                 <a:spcPts val="0"/>
               </a:spcBef>
@@ -7548,11 +9567,15 @@
                 <a:spcPts val="0"/>
               </a:spcAft>
               <a:buSzPts val="2400"/>
-              <a:buAutoNum type="alphaLcPeriod"/>
+              <a:buAutoNum type="alphaLcPeriod" startAt="2"/>
             </a:pPr>
             <a:r>
               <a:rPr b="1" lang="en-US" sz="2400"/>
-              <a:t>submit_write_read_persons_HDFS.xml </a:t>
+              <a:t>Spark_Write_Read_HDFS</a:t>
+            </a:r>
+            <a:r>
+              <a:rPr b="1" lang="en-US" sz="2400"/>
+              <a:t>.xml </a:t>
             </a:r>
             <a:r>
               <a:rPr lang="en-US" sz="2400"/>
@@ -7564,7 +9587,7 @@
       </p:sp>
       <p:sp>
         <p:nvSpPr>
-          <p:cNvPr id="62" name="Google Shape;62;p13"/>
+          <p:cNvPr id="62" name="Google Shape;62;p2"/>
           <p:cNvSpPr txBox="1"/>
           <p:nvPr>
             <p:ph type="title"/>
@@ -7590,6 +9613,9 @@
           <a:lstStyle/>
           <a:p>
             <a:pPr indent="0" lvl="0" marL="0" marR="0" rtl="0" algn="l">
+              <a:lnSpc>
+                <a:spcPct val="100000"/>
+              </a:lnSpc>
               <a:spcBef>
                 <a:spcPts val="0"/>
               </a:spcBef>
@@ -7599,6 +9625,7 @@
               <a:buClr>
                 <a:srgbClr val="253A65"/>
               </a:buClr>
+              <a:buSzPts val="1400"/>
               <a:buFont typeface="Helvetica Neue"/>
               <a:buNone/>
             </a:pPr>
@@ -7643,9 +9670,37 @@
           <a:chExt cx="0" cy="0"/>
         </a:xfrm>
       </p:grpSpPr>
+      <p:pic>
+        <p:nvPicPr>
+          <p:cNvPr id="67" name="Google Shape;67;p3"/>
+          <p:cNvPicPr preferRelativeResize="0"/>
+          <p:nvPr/>
+        </p:nvPicPr>
+        <p:blipFill>
+          <a:blip r:embed="rId3">
+            <a:alphaModFix/>
+          </a:blip>
+          <a:stretch>
+            <a:fillRect/>
+          </a:stretch>
+        </p:blipFill>
+        <p:spPr>
+          <a:xfrm>
+            <a:off x="508750" y="2214850"/>
+            <a:ext cx="10501800" cy="5563400"/>
+          </a:xfrm>
+          <a:prstGeom prst="rect">
+            <a:avLst/>
+          </a:prstGeom>
+          <a:noFill/>
+          <a:ln>
+            <a:noFill/>
+          </a:ln>
+        </p:spPr>
+      </p:pic>
       <p:sp>
         <p:nvSpPr>
-          <p:cNvPr id="67" name="Google Shape;67;p14"/>
+          <p:cNvPr id="68" name="Google Shape;68;p3"/>
           <p:cNvSpPr txBox="1"/>
           <p:nvPr>
             <p:ph idx="1" type="body"/>
@@ -7653,8 +9708,8 @@
         </p:nvSpPr>
         <p:spPr>
           <a:xfrm>
-            <a:off x="6738038" y="2611100"/>
-            <a:ext cx="4846500" cy="6611400"/>
+            <a:off x="8525975" y="4956725"/>
+            <a:ext cx="4570800" cy="3046500"/>
           </a:xfrm>
           <a:prstGeom prst="rect">
             <a:avLst/>
@@ -7670,9 +9725,9 @@
           </a:bodyPr>
           <a:lstStyle/>
           <a:p>
-            <a:pPr indent="0" lvl="0" marL="0" marR="0" rtl="0" algn="l">
-              <a:lnSpc>
-                <a:spcPct val="100000"/>
+            <a:pPr indent="0" lvl="0" marL="0" rtl="0" algn="l">
+              <a:lnSpc>
+                <a:spcPct val="150000"/>
               </a:lnSpc>
               <a:spcBef>
                 <a:spcPts val="800"/>
@@ -7680,373 +9735,7 @@
               <a:spcAft>
                 <a:spcPts val="0"/>
               </a:spcAft>
-              <a:buNone/>
-            </a:pPr>
-            <a:r>
-              <a:rPr lang="en-US" sz="1400">
-                <a:solidFill>
-                  <a:srgbClr val="000000"/>
-                </a:solidFill>
-              </a:rPr>
-              <a:t>base name of the docker containers  (consul, swarm)</a:t>
-            </a:r>
-            <a:endParaRPr sz="1400">
-              <a:solidFill>
-                <a:srgbClr val="000000"/>
-              </a:solidFill>
-            </a:endParaRPr>
-          </a:p>
-          <a:p>
-            <a:pPr indent="0" lvl="0" marL="0" marR="0" rtl="0" algn="l">
-              <a:lnSpc>
-                <a:spcPct val="100000"/>
-              </a:lnSpc>
-              <a:spcBef>
-                <a:spcPts val="800"/>
-              </a:spcBef>
-              <a:spcAft>
-                <a:spcPts val="0"/>
-              </a:spcAft>
-              <a:buNone/>
-            </a:pPr>
-            <a:r>
-              <a:t/>
-            </a:r>
-            <a:endParaRPr sz="1400">
-              <a:solidFill>
-                <a:srgbClr val="000000"/>
-              </a:solidFill>
-            </a:endParaRPr>
-          </a:p>
-          <a:p>
-            <a:pPr indent="0" lvl="0" marL="0" marR="0" rtl="0" algn="l">
-              <a:lnSpc>
-                <a:spcPct val="100000"/>
-              </a:lnSpc>
-              <a:spcBef>
-                <a:spcPts val="800"/>
-              </a:spcBef>
-              <a:spcAft>
-                <a:spcPts val="0"/>
-              </a:spcAft>
-              <a:buNone/>
-            </a:pPr>
-            <a:r>
-              <a:rPr lang="en-US" sz="1400">
-                <a:solidFill>
-                  <a:srgbClr val="000000"/>
-                </a:solidFill>
-              </a:rPr>
-              <a:t>IP of the targeted consul machine</a:t>
-            </a:r>
-            <a:endParaRPr sz="1400">
-              <a:solidFill>
-                <a:srgbClr val="000000"/>
-              </a:solidFill>
-            </a:endParaRPr>
-          </a:p>
-          <a:p>
-            <a:pPr indent="0" lvl="0" marL="0" marR="0" rtl="0" algn="l">
-              <a:lnSpc>
-                <a:spcPct val="100000"/>
-              </a:lnSpc>
-              <a:spcBef>
-                <a:spcPts val="800"/>
-              </a:spcBef>
-              <a:spcAft>
-                <a:spcPts val="0"/>
-              </a:spcAft>
-              <a:buNone/>
-            </a:pPr>
-            <a:r>
-              <a:t/>
-            </a:r>
-            <a:endParaRPr sz="1400">
-              <a:solidFill>
-                <a:srgbClr val="000000"/>
-              </a:solidFill>
-            </a:endParaRPr>
-          </a:p>
-          <a:p>
-            <a:pPr indent="0" lvl="0" marL="0" marR="0" rtl="0" algn="l">
-              <a:lnSpc>
-                <a:spcPct val="100000"/>
-              </a:lnSpc>
-              <a:spcBef>
-                <a:spcPts val="800"/>
-              </a:spcBef>
-              <a:spcAft>
-                <a:spcPts val="0"/>
-              </a:spcAft>
-              <a:buNone/>
-            </a:pPr>
-            <a:r>
-              <a:rPr lang="en-US" sz="1400">
-                <a:solidFill>
-                  <a:srgbClr val="000000"/>
-                </a:solidFill>
-              </a:rPr>
-              <a:t>IP of the targeted swarm master machine</a:t>
-            </a:r>
-            <a:endParaRPr sz="1400">
-              <a:solidFill>
-                <a:srgbClr val="000000"/>
-              </a:solidFill>
-            </a:endParaRPr>
-          </a:p>
-          <a:p>
-            <a:pPr indent="0" lvl="0" marL="0" marR="0" rtl="0" algn="l">
-              <a:lnSpc>
-                <a:spcPct val="100000"/>
-              </a:lnSpc>
-              <a:spcBef>
-                <a:spcPts val="800"/>
-              </a:spcBef>
-              <a:spcAft>
-                <a:spcPts val="0"/>
-              </a:spcAft>
-              <a:buNone/>
-            </a:pPr>
-            <a:r>
-              <a:t/>
-            </a:r>
-            <a:endParaRPr sz="1400">
-              <a:solidFill>
-                <a:srgbClr val="000000"/>
-              </a:solidFill>
-            </a:endParaRPr>
-          </a:p>
-          <a:p>
-            <a:pPr indent="0" lvl="0" marL="0" marR="0" rtl="0" algn="l">
-              <a:lnSpc>
-                <a:spcPct val="100000"/>
-              </a:lnSpc>
-              <a:spcBef>
-                <a:spcPts val="800"/>
-              </a:spcBef>
-              <a:spcAft>
-                <a:spcPts val="0"/>
-              </a:spcAft>
-              <a:buNone/>
-            </a:pPr>
-            <a:r>
-              <a:rPr lang="en-US" sz="1400">
-                <a:solidFill>
-                  <a:srgbClr val="000000"/>
-                </a:solidFill>
-              </a:rPr>
-              <a:t>file name of the targeted swarm agent machines IPs</a:t>
-            </a:r>
-            <a:endParaRPr sz="1400">
-              <a:solidFill>
-                <a:srgbClr val="000000"/>
-              </a:solidFill>
-            </a:endParaRPr>
-          </a:p>
-          <a:p>
-            <a:pPr indent="0" lvl="0" marL="0" marR="0" rtl="0" algn="l">
-              <a:lnSpc>
-                <a:spcPct val="100000"/>
-              </a:lnSpc>
-              <a:spcBef>
-                <a:spcPts val="800"/>
-              </a:spcBef>
-              <a:spcAft>
-                <a:spcPts val="0"/>
-              </a:spcAft>
-              <a:buNone/>
-            </a:pPr>
-            <a:r>
-              <a:t/>
-            </a:r>
-            <a:endParaRPr sz="1400">
-              <a:solidFill>
-                <a:srgbClr val="000000"/>
-              </a:solidFill>
-            </a:endParaRPr>
-          </a:p>
-          <a:p>
-            <a:pPr indent="0" lvl="0" marL="0" marR="0" rtl="0" algn="l">
-              <a:lnSpc>
-                <a:spcPct val="100000"/>
-              </a:lnSpc>
-              <a:spcBef>
-                <a:spcPts val="800"/>
-              </a:spcBef>
-              <a:spcAft>
-                <a:spcPts val="0"/>
-              </a:spcAft>
-              <a:buNone/>
-            </a:pPr>
-            <a:r>
-              <a:rPr lang="en-US" sz="1400">
-                <a:solidFill>
-                  <a:srgbClr val="000000"/>
-                </a:solidFill>
-              </a:rPr>
-              <a:t>username used by docker-machine to ssh</a:t>
-            </a:r>
-            <a:endParaRPr sz="1400">
-              <a:solidFill>
-                <a:srgbClr val="000000"/>
-              </a:solidFill>
-            </a:endParaRPr>
-          </a:p>
-          <a:p>
-            <a:pPr indent="0" lvl="0" marL="0" marR="0" rtl="0" algn="l">
-              <a:lnSpc>
-                <a:spcPct val="100000"/>
-              </a:lnSpc>
-              <a:spcBef>
-                <a:spcPts val="800"/>
-              </a:spcBef>
-              <a:spcAft>
-                <a:spcPts val="0"/>
-              </a:spcAft>
-              <a:buNone/>
-            </a:pPr>
-            <a:r>
-              <a:t/>
-            </a:r>
-            <a:endParaRPr sz="1400">
-              <a:solidFill>
-                <a:srgbClr val="000000"/>
-              </a:solidFill>
-            </a:endParaRPr>
-          </a:p>
-          <a:p>
-            <a:pPr indent="0" lvl="0" marL="0" marR="0" rtl="0" algn="l">
-              <a:lnSpc>
-                <a:spcPct val="100000"/>
-              </a:lnSpc>
-              <a:spcBef>
-                <a:spcPts val="800"/>
-              </a:spcBef>
-              <a:spcAft>
-                <a:spcPts val="0"/>
-              </a:spcAft>
-              <a:buNone/>
-            </a:pPr>
-            <a:r>
-              <a:rPr lang="en-US" sz="1400">
-                <a:solidFill>
-                  <a:srgbClr val="000000"/>
-                </a:solidFill>
-              </a:rPr>
-              <a:t>subnet for container networking</a:t>
-            </a:r>
-            <a:endParaRPr sz="1400">
-              <a:solidFill>
-                <a:srgbClr val="000000"/>
-              </a:solidFill>
-            </a:endParaRPr>
-          </a:p>
-          <a:p>
-            <a:pPr indent="0" lvl="0" marL="0" marR="0" rtl="0" algn="l">
-              <a:lnSpc>
-                <a:spcPct val="100000"/>
-              </a:lnSpc>
-              <a:spcBef>
-                <a:spcPts val="800"/>
-              </a:spcBef>
-              <a:spcAft>
-                <a:spcPts val="0"/>
-              </a:spcAft>
-              <a:buNone/>
-            </a:pPr>
-            <a:r>
-              <a:t/>
-            </a:r>
-            <a:endParaRPr sz="1400">
-              <a:solidFill>
-                <a:srgbClr val="000000"/>
-              </a:solidFill>
-            </a:endParaRPr>
-          </a:p>
-          <a:p>
-            <a:pPr indent="0" lvl="0" marL="0" marR="0" rtl="0" algn="l">
-              <a:lnSpc>
-                <a:spcPct val="100000"/>
-              </a:lnSpc>
-              <a:spcBef>
-                <a:spcPts val="800"/>
-              </a:spcBef>
-              <a:spcAft>
-                <a:spcPts val="0"/>
-              </a:spcAft>
-              <a:buNone/>
-            </a:pPr>
-            <a:r>
-              <a:rPr lang="en-US" sz="1400">
-                <a:solidFill>
-                  <a:srgbClr val="000000"/>
-                </a:solidFill>
-              </a:rPr>
-              <a:t>network name</a:t>
-            </a:r>
-            <a:endParaRPr sz="1400">
-              <a:solidFill>
-                <a:srgbClr val="000000"/>
-              </a:solidFill>
-            </a:endParaRPr>
-          </a:p>
-          <a:p>
-            <a:pPr indent="0" lvl="0" marL="0" marR="0" rtl="0" algn="l">
-              <a:lnSpc>
-                <a:spcPct val="100000"/>
-              </a:lnSpc>
-              <a:spcBef>
-                <a:spcPts val="800"/>
-              </a:spcBef>
-              <a:spcAft>
-                <a:spcPts val="0"/>
-              </a:spcAft>
-              <a:buNone/>
-            </a:pPr>
-            <a:r>
-              <a:t/>
-            </a:r>
-            <a:endParaRPr sz="1400">
-              <a:solidFill>
-                <a:srgbClr val="000000"/>
-              </a:solidFill>
-            </a:endParaRPr>
-          </a:p>
-          <a:p>
-            <a:pPr indent="0" lvl="0" marL="0" marR="0" rtl="0" algn="l">
-              <a:lnSpc>
-                <a:spcPct val="100000"/>
-              </a:lnSpc>
-              <a:spcBef>
-                <a:spcPts val="800"/>
-              </a:spcBef>
-              <a:spcAft>
-                <a:spcPts val="0"/>
-              </a:spcAft>
-              <a:buNone/>
-            </a:pPr>
-            <a:r>
-              <a:rPr lang="en-US" sz="1400">
-                <a:solidFill>
-                  <a:srgbClr val="000000"/>
-                </a:solidFill>
-              </a:rPr>
-              <a:t>hostname of the consul web portal</a:t>
-            </a:r>
-            <a:endParaRPr sz="1400">
-              <a:solidFill>
-                <a:srgbClr val="000000"/>
-              </a:solidFill>
-            </a:endParaRPr>
-          </a:p>
-          <a:p>
-            <a:pPr indent="0" lvl="0" marL="0" rtl="0" algn="l">
-              <a:spcBef>
-                <a:spcPts val="800"/>
-              </a:spcBef>
-              <a:spcAft>
-                <a:spcPts val="0"/>
-              </a:spcAft>
+              <a:buSzPts val="1100"/>
               <a:buNone/>
             </a:pPr>
             <a:r>
@@ -8056,17 +9745,16 @@
           </a:p>
           <a:p>
             <a:pPr indent="0" lvl="0" marL="0" rtl="0" algn="l">
+              <a:lnSpc>
+                <a:spcPct val="150000"/>
+              </a:lnSpc>
               <a:spcBef>
                 <a:spcPts val="800"/>
               </a:spcBef>
               <a:spcAft>
                 <a:spcPts val="0"/>
               </a:spcAft>
-              <a:buClr>
-                <a:schemeClr val="dk1"/>
-              </a:buClr>
               <a:buSzPts val="1100"/>
-              <a:buFont typeface="Arial"/>
               <a:buNone/>
             </a:pPr>
             <a:r>
@@ -8078,7 +9766,7 @@
           <a:p>
             <a:pPr indent="0" lvl="0" marL="0" marR="0" rtl="0" algn="l">
               <a:lnSpc>
-                <a:spcPct val="100000"/>
+                <a:spcPct val="150000"/>
               </a:lnSpc>
               <a:spcBef>
                 <a:spcPts val="800"/>
@@ -8086,10 +9774,16 @@
               <a:spcAft>
                 <a:spcPts val="0"/>
               </a:spcAft>
+              <a:buSzPts val="3000"/>
               <a:buNone/>
             </a:pPr>
             <a:r>
-              <a:t/>
+              <a:rPr lang="en-US" sz="1400">
+                <a:solidFill>
+                  <a:srgbClr val="000000"/>
+                </a:solidFill>
+              </a:rPr>
+              <a:t>port of the swarm manager process</a:t>
             </a:r>
             <a:endParaRPr sz="1400">
               <a:solidFill>
@@ -8100,7 +9794,7 @@
           <a:p>
             <a:pPr indent="0" lvl="0" marL="0" marR="0" rtl="0" algn="l">
               <a:lnSpc>
-                <a:spcPct val="100000"/>
+                <a:spcPct val="150000"/>
               </a:lnSpc>
               <a:spcBef>
                 <a:spcPts val="800"/>
@@ -8108,6 +9802,7 @@
               <a:spcAft>
                 <a:spcPts val="0"/>
               </a:spcAft>
+              <a:buSzPts val="3000"/>
               <a:buNone/>
             </a:pPr>
             <a:r>
@@ -8116,7 +9811,59 @@
                   <a:srgbClr val="000000"/>
                 </a:solidFill>
               </a:rPr>
-              <a:t> </a:t>
+              <a:t>base name of the docker containers  (consul, swarm)</a:t>
+            </a:r>
+            <a:endParaRPr sz="1400">
+              <a:solidFill>
+                <a:srgbClr val="000000"/>
+              </a:solidFill>
+            </a:endParaRPr>
+          </a:p>
+          <a:p>
+            <a:pPr indent="0" lvl="0" marL="0" rtl="0" algn="l">
+              <a:lnSpc>
+                <a:spcPct val="150000"/>
+              </a:lnSpc>
+              <a:spcBef>
+                <a:spcPts val="800"/>
+              </a:spcBef>
+              <a:spcAft>
+                <a:spcPts val="0"/>
+              </a:spcAft>
+              <a:buSzPts val="3000"/>
+              <a:buNone/>
+            </a:pPr>
+            <a:r>
+              <a:rPr lang="en-US" sz="1400"/>
+              <a:t>name of the docker </a:t>
+            </a:r>
+            <a:r>
+              <a:rPr lang="en-US" sz="1400"/>
+              <a:t>network to connect</a:t>
+            </a:r>
+            <a:endParaRPr sz="1400">
+              <a:solidFill>
+                <a:srgbClr val="000000"/>
+              </a:solidFill>
+            </a:endParaRPr>
+          </a:p>
+          <a:p>
+            <a:pPr indent="0" lvl="0" marL="0" rtl="0" algn="l">
+              <a:lnSpc>
+                <a:spcPct val="150000"/>
+              </a:lnSpc>
+              <a:spcBef>
+                <a:spcPts val="800"/>
+              </a:spcBef>
+              <a:spcAft>
+                <a:spcPts val="0"/>
+              </a:spcAft>
+              <a:buSzPts val="3000"/>
+              <a:buNone/>
+            </a:pPr>
+            <a:r>
+              <a:rPr lang="en-US" sz="1400"/>
+              <a:t>subnet of the docker network</a:t>
             </a:r>
             <a:endParaRPr sz="1400">
               <a:solidFill>
@@ -8128,7 +9875,7 @@
       </p:sp>
       <p:sp>
         <p:nvSpPr>
-          <p:cNvPr id="68" name="Google Shape;68;p14"/>
+          <p:cNvPr id="69" name="Google Shape;69;p3"/>
           <p:cNvSpPr txBox="1"/>
           <p:nvPr>
             <p:ph type="title"/>
@@ -8154,6 +9901,9 @@
           <a:lstStyle/>
           <a:p>
             <a:pPr indent="0" lvl="0" marL="0" marR="0" rtl="0" algn="l">
+              <a:lnSpc>
+                <a:spcPct val="100000"/>
+              </a:lnSpc>
               <a:spcBef>
                 <a:spcPts val="0"/>
               </a:spcBef>
@@ -8163,14 +9913,15 @@
               <a:buClr>
                 <a:srgbClr val="253A65"/>
               </a:buClr>
+              <a:buSzPts val="1400"/>
               <a:buFont typeface="Helvetica Neue"/>
               <a:buNone/>
             </a:pPr>
             <a:r>
-              <a:rPr lang="en-US"/>
+              <a:rPr lang="en-US" sz="3600"/>
               <a:t>Swarm wkw params</a:t>
             </a:r>
-            <a:endParaRPr b="1" i="0" sz="4600" u="none" cap="none" strike="noStrike">
+            <a:endParaRPr b="1" i="0" sz="3600" u="none" cap="none" strike="noStrike">
               <a:solidFill>
                 <a:srgbClr val="253A65"/>
               </a:solidFill>
@@ -8182,34 +9933,6 @@
           </a:p>
         </p:txBody>
       </p:sp>
-      <p:pic>
-        <p:nvPicPr>
-          <p:cNvPr id="69" name="Google Shape;69;p14"/>
-          <p:cNvPicPr preferRelativeResize="0"/>
-          <p:nvPr/>
-        </p:nvPicPr>
-        <p:blipFill>
-          <a:blip r:embed="rId3">
-            <a:alphaModFix/>
-          </a:blip>
-          <a:stretch>
-            <a:fillRect/>
-          </a:stretch>
-        </p:blipFill>
-        <p:spPr>
-          <a:xfrm>
-            <a:off x="1420262" y="2611100"/>
-            <a:ext cx="4685275" cy="5714975"/>
-          </a:xfrm>
-          <a:prstGeom prst="rect">
-            <a:avLst/>
-          </a:prstGeom>
-          <a:noFill/>
-          <a:ln>
-            <a:noFill/>
-          </a:ln>
-        </p:spPr>
-      </p:pic>
     </p:spTree>
   </p:cSld>
   <p:clrMapOvr>
@@ -8235,9 +9958,37 @@
           <a:chExt cx="0" cy="0"/>
         </a:xfrm>
       </p:grpSpPr>
+      <p:pic>
+        <p:nvPicPr>
+          <p:cNvPr id="74" name="Google Shape;74;p4"/>
+          <p:cNvPicPr preferRelativeResize="0"/>
+          <p:nvPr/>
+        </p:nvPicPr>
+        <p:blipFill>
+          <a:blip r:embed="rId3">
+            <a:alphaModFix/>
+          </a:blip>
+          <a:stretch>
+            <a:fillRect/>
+          </a:stretch>
+        </p:blipFill>
+        <p:spPr>
+          <a:xfrm>
+            <a:off x="504425" y="2157975"/>
+            <a:ext cx="8412600" cy="4597339"/>
+          </a:xfrm>
+          <a:prstGeom prst="rect">
+            <a:avLst/>
+          </a:prstGeom>
+          <a:noFill/>
+          <a:ln>
+            <a:noFill/>
+          </a:ln>
+        </p:spPr>
+      </p:pic>
       <p:sp>
         <p:nvSpPr>
-          <p:cNvPr id="74" name="Google Shape;74;p15"/>
+          <p:cNvPr id="75" name="Google Shape;75;p4"/>
           <p:cNvSpPr txBox="1"/>
           <p:nvPr>
             <p:ph idx="1" type="body"/>
@@ -8245,8 +9996,8 @@
         </p:nvSpPr>
         <p:spPr>
           <a:xfrm>
-            <a:off x="7232275" y="2962250"/>
-            <a:ext cx="5499000" cy="5438700"/>
+            <a:off x="7406725" y="4633900"/>
+            <a:ext cx="5499000" cy="2439000"/>
           </a:xfrm>
           <a:prstGeom prst="rect">
             <a:avLst/>
@@ -8262,9 +10013,81 @@
           </a:bodyPr>
           <a:lstStyle/>
           <a:p>
+            <a:pPr indent="0" lvl="0" marL="0" rtl="0" algn="l">
+              <a:lnSpc>
+                <a:spcPct val="150000"/>
+              </a:lnSpc>
+              <a:spcBef>
+                <a:spcPts val="800"/>
+              </a:spcBef>
+              <a:spcAft>
+                <a:spcPts val="0"/>
+              </a:spcAft>
+              <a:buSzPts val="3000"/>
+              <a:buNone/>
+            </a:pPr>
+            <a:r>
+              <a:rPr lang="en-US" sz="1400"/>
+              <a:t>port of the HDFS web portal</a:t>
+            </a:r>
+            <a:endParaRPr sz="1400">
+              <a:solidFill>
+                <a:srgbClr val="000000"/>
+              </a:solidFill>
+            </a:endParaRPr>
+          </a:p>
+          <a:p>
+            <a:pPr indent="0" lvl="0" marL="0" rtl="0" algn="l">
+              <a:lnSpc>
+                <a:spcPct val="150000"/>
+              </a:lnSpc>
+              <a:spcBef>
+                <a:spcPts val="800"/>
+              </a:spcBef>
+              <a:spcAft>
+                <a:spcPts val="0"/>
+              </a:spcAft>
+              <a:buSzPts val="3000"/>
+              <a:buNone/>
+            </a:pPr>
+            <a:r>
+              <a:rPr lang="en-US" sz="1400"/>
+              <a:t>Port range start of the datanodes</a:t>
+            </a:r>
+            <a:endParaRPr sz="1400">
+              <a:solidFill>
+                <a:srgbClr val="000000"/>
+              </a:solidFill>
+            </a:endParaRPr>
+          </a:p>
+          <a:p>
+            <a:pPr indent="0" lvl="0" marL="0" rtl="0" algn="l">
+              <a:lnSpc>
+                <a:spcPct val="150000"/>
+              </a:lnSpc>
+              <a:spcBef>
+                <a:spcPts val="800"/>
+              </a:spcBef>
+              <a:spcAft>
+                <a:spcPts val="0"/>
+              </a:spcAft>
+              <a:buSzPts val="3000"/>
+              <a:buNone/>
+            </a:pPr>
+            <a:r>
+              <a:rPr lang="en-US" sz="1400"/>
+              <a:t>name of the default file system</a:t>
+            </a:r>
+            <a:endParaRPr sz="1400">
+              <a:solidFill>
+                <a:srgbClr val="000000"/>
+              </a:solidFill>
+            </a:endParaRPr>
+          </a:p>
+          <a:p>
             <a:pPr indent="0" lvl="0" marL="0" marR="0" rtl="0" algn="l">
               <a:lnSpc>
-                <a:spcPct val="100000"/>
+                <a:spcPct val="150000"/>
               </a:lnSpc>
               <a:spcBef>
                 <a:spcPts val="800"/>
@@ -8272,6 +10095,7 @@
               <a:spcAft>
                 <a:spcPts val="0"/>
               </a:spcAft>
+              <a:buSzPts val="3000"/>
               <a:buNone/>
             </a:pPr>
             <a:r>
@@ -8289,9 +10113,33 @@
             </a:endParaRPr>
           </a:p>
           <a:p>
+            <a:pPr indent="0" lvl="0" marL="0" rtl="0" algn="l">
+              <a:lnSpc>
+                <a:spcPct val="150000"/>
+              </a:lnSpc>
+              <a:spcBef>
+                <a:spcPts val="800"/>
+              </a:spcBef>
+              <a:spcAft>
+                <a:spcPts val="0"/>
+              </a:spcAft>
+              <a:buClr>
+                <a:schemeClr val="dk1"/>
+              </a:buClr>
+              <a:buSzPts val="3000"/>
+              <a:buFont typeface="Arial"/>
+              <a:buNone/>
+            </a:pPr>
+            <a:r>
+              <a:rPr lang="en-US" sz="1400"/>
+              <a:t>name of the docker network to connect</a:t>
+            </a:r>
+            <a:endParaRPr sz="1400"/>
+          </a:p>
+          <a:p>
             <a:pPr indent="0" lvl="0" marL="0" marR="0" rtl="0" algn="l">
               <a:lnSpc>
-                <a:spcPct val="100000"/>
+                <a:spcPct val="150000"/>
               </a:lnSpc>
               <a:spcBef>
                 <a:spcPts val="800"/>
@@ -8299,6 +10147,7 @@
               <a:spcAft>
                 <a:spcPts val="0"/>
               </a:spcAft>
+              <a:buSzPts val="3000"/>
               <a:buNone/>
             </a:pPr>
             <a:r>
@@ -8313,7 +10162,7 @@
           <a:p>
             <a:pPr indent="0" lvl="0" marL="0" marR="0" rtl="0" algn="l">
               <a:lnSpc>
-                <a:spcPct val="100000"/>
+                <a:spcPct val="150000"/>
               </a:lnSpc>
               <a:spcBef>
                 <a:spcPts val="800"/>
@@ -8321,301 +10170,11 @@
               <a:spcAft>
                 <a:spcPts val="0"/>
               </a:spcAft>
-              <a:buNone/>
-            </a:pPr>
-            <a:r>
-              <a:rPr lang="en-US" sz="1400">
-                <a:solidFill>
-                  <a:srgbClr val="000000"/>
-                </a:solidFill>
-              </a:rPr>
-              <a:t>port of the HDFS web portal</a:t>
-            </a:r>
-            <a:endParaRPr sz="1400">
-              <a:solidFill>
-                <a:srgbClr val="000000"/>
-              </a:solidFill>
-            </a:endParaRPr>
-          </a:p>
-          <a:p>
-            <a:pPr indent="0" lvl="0" marL="0" marR="0" rtl="0" algn="l">
-              <a:lnSpc>
-                <a:spcPct val="100000"/>
-              </a:lnSpc>
-              <a:spcBef>
-                <a:spcPts val="800"/>
-              </a:spcBef>
-              <a:spcAft>
-                <a:spcPts val="0"/>
-              </a:spcAft>
+              <a:buSzPts val="3000"/>
               <a:buNone/>
             </a:pPr>
             <a:r>
               <a:t/>
-            </a:r>
-            <a:endParaRPr sz="1400">
-              <a:solidFill>
-                <a:srgbClr val="000000"/>
-              </a:solidFill>
-            </a:endParaRPr>
-          </a:p>
-          <a:p>
-            <a:pPr indent="0" lvl="0" marL="0" marR="0" rtl="0" algn="l">
-              <a:lnSpc>
-                <a:spcPct val="100000"/>
-              </a:lnSpc>
-              <a:spcBef>
-                <a:spcPts val="800"/>
-              </a:spcBef>
-              <a:spcAft>
-                <a:spcPts val="0"/>
-              </a:spcAft>
-              <a:buNone/>
-            </a:pPr>
-            <a:r>
-              <a:rPr lang="en-US" sz="1400">
-                <a:solidFill>
-                  <a:srgbClr val="000000"/>
-                </a:solidFill>
-              </a:rPr>
-              <a:t>IP of the targeted namenode machine</a:t>
-            </a:r>
-            <a:endParaRPr sz="1400">
-              <a:solidFill>
-                <a:srgbClr val="000000"/>
-              </a:solidFill>
-            </a:endParaRPr>
-          </a:p>
-          <a:p>
-            <a:pPr indent="0" lvl="0" marL="0" marR="0" rtl="0" algn="l">
-              <a:lnSpc>
-                <a:spcPct val="100000"/>
-              </a:lnSpc>
-              <a:spcBef>
-                <a:spcPts val="800"/>
-              </a:spcBef>
-              <a:spcAft>
-                <a:spcPts val="0"/>
-              </a:spcAft>
-              <a:buNone/>
-            </a:pPr>
-            <a:r>
-              <a:t/>
-            </a:r>
-            <a:endParaRPr sz="1400">
-              <a:solidFill>
-                <a:srgbClr val="000000"/>
-              </a:solidFill>
-            </a:endParaRPr>
-          </a:p>
-          <a:p>
-            <a:pPr indent="0" lvl="0" marL="0" marR="0" rtl="0" algn="l">
-              <a:lnSpc>
-                <a:spcPct val="100000"/>
-              </a:lnSpc>
-              <a:spcBef>
-                <a:spcPts val="800"/>
-              </a:spcBef>
-              <a:spcAft>
-                <a:spcPts val="0"/>
-              </a:spcAft>
-              <a:buNone/>
-            </a:pPr>
-            <a:r>
-              <a:rPr lang="en-US" sz="1400"/>
-              <a:t>file name of the targeted datanode machines IPs (if required)</a:t>
-            </a:r>
-            <a:endParaRPr sz="1400"/>
-          </a:p>
-          <a:p>
-            <a:pPr indent="0" lvl="0" marL="0" marR="0" rtl="0" algn="l">
-              <a:lnSpc>
-                <a:spcPct val="100000"/>
-              </a:lnSpc>
-              <a:spcBef>
-                <a:spcPts val="800"/>
-              </a:spcBef>
-              <a:spcAft>
-                <a:spcPts val="0"/>
-              </a:spcAft>
-              <a:buNone/>
-            </a:pPr>
-            <a:r>
-              <a:t/>
-            </a:r>
-            <a:endParaRPr sz="1400">
-              <a:solidFill>
-                <a:srgbClr val="000000"/>
-              </a:solidFill>
-            </a:endParaRPr>
-          </a:p>
-          <a:p>
-            <a:pPr indent="0" lvl="0" marL="0" marR="0" rtl="0" algn="l">
-              <a:lnSpc>
-                <a:spcPct val="100000"/>
-              </a:lnSpc>
-              <a:spcBef>
-                <a:spcPts val="800"/>
-              </a:spcBef>
-              <a:spcAft>
-                <a:spcPts val="0"/>
-              </a:spcAft>
-              <a:buNone/>
-            </a:pPr>
-            <a:r>
-              <a:rPr lang="en-US" sz="1400">
-                <a:solidFill>
-                  <a:srgbClr val="000000"/>
-                </a:solidFill>
-              </a:rPr>
-              <a:t>Port range start of the datanodes</a:t>
-            </a:r>
-            <a:endParaRPr sz="1400">
-              <a:solidFill>
-                <a:srgbClr val="000000"/>
-              </a:solidFill>
-            </a:endParaRPr>
-          </a:p>
-          <a:p>
-            <a:pPr indent="0" lvl="0" marL="0" marR="0" rtl="0" algn="l">
-              <a:lnSpc>
-                <a:spcPct val="100000"/>
-              </a:lnSpc>
-              <a:spcBef>
-                <a:spcPts val="800"/>
-              </a:spcBef>
-              <a:spcAft>
-                <a:spcPts val="0"/>
-              </a:spcAft>
-              <a:buNone/>
-            </a:pPr>
-            <a:r>
-              <a:t/>
-            </a:r>
-            <a:endParaRPr sz="1400">
-              <a:solidFill>
-                <a:srgbClr val="000000"/>
-              </a:solidFill>
-            </a:endParaRPr>
-          </a:p>
-          <a:p>
-            <a:pPr indent="0" lvl="0" marL="0" marR="0" rtl="0" algn="l">
-              <a:lnSpc>
-                <a:spcPct val="100000"/>
-              </a:lnSpc>
-              <a:spcBef>
-                <a:spcPts val="800"/>
-              </a:spcBef>
-              <a:spcAft>
-                <a:spcPts val="0"/>
-              </a:spcAft>
-              <a:buNone/>
-            </a:pPr>
-            <a:r>
-              <a:rPr lang="en-US" sz="1400">
-                <a:solidFill>
-                  <a:srgbClr val="000000"/>
-                </a:solidFill>
-              </a:rPr>
-              <a:t>name of the default file system</a:t>
-            </a:r>
-            <a:endParaRPr sz="1400">
-              <a:solidFill>
-                <a:srgbClr val="000000"/>
-              </a:solidFill>
-            </a:endParaRPr>
-          </a:p>
-          <a:p>
-            <a:pPr indent="0" lvl="0" marL="0" marR="0" rtl="0" algn="l">
-              <a:lnSpc>
-                <a:spcPct val="100000"/>
-              </a:lnSpc>
-              <a:spcBef>
-                <a:spcPts val="800"/>
-              </a:spcBef>
-              <a:spcAft>
-                <a:spcPts val="0"/>
-              </a:spcAft>
-              <a:buNone/>
-            </a:pPr>
-            <a:r>
-              <a:t/>
-            </a:r>
-            <a:endParaRPr sz="1400">
-              <a:solidFill>
-                <a:srgbClr val="000000"/>
-              </a:solidFill>
-            </a:endParaRPr>
-          </a:p>
-          <a:p>
-            <a:pPr indent="0" lvl="0" marL="0" marR="0" rtl="0" algn="l">
-              <a:lnSpc>
-                <a:spcPct val="100000"/>
-              </a:lnSpc>
-              <a:spcBef>
-                <a:spcPts val="800"/>
-              </a:spcBef>
-              <a:spcAft>
-                <a:spcPts val="0"/>
-              </a:spcAft>
-              <a:buNone/>
-            </a:pPr>
-            <a:r>
-              <a:rPr lang="en-US" sz="1400">
-                <a:solidFill>
-                  <a:srgbClr val="000000"/>
-                </a:solidFill>
-              </a:rPr>
-              <a:t>network name</a:t>
-            </a:r>
-            <a:endParaRPr sz="1400">
-              <a:solidFill>
-                <a:srgbClr val="000000"/>
-              </a:solidFill>
-            </a:endParaRPr>
-          </a:p>
-          <a:p>
-            <a:pPr indent="0" lvl="0" marL="0" marR="0" rtl="0" algn="l">
-              <a:lnSpc>
-                <a:spcPct val="100000"/>
-              </a:lnSpc>
-              <a:spcBef>
-                <a:spcPts val="800"/>
-              </a:spcBef>
-              <a:spcAft>
-                <a:spcPts val="0"/>
-              </a:spcAft>
-              <a:buNone/>
-            </a:pPr>
-            <a:r>
-              <a:t/>
-            </a:r>
-            <a:endParaRPr sz="1400">
-              <a:solidFill>
-                <a:srgbClr val="000000"/>
-              </a:solidFill>
-            </a:endParaRPr>
-          </a:p>
-          <a:p>
-            <a:pPr indent="0" lvl="0" marL="0" marR="0" rtl="0" algn="l">
-              <a:lnSpc>
-                <a:spcPct val="100000"/>
-              </a:lnSpc>
-              <a:spcBef>
-                <a:spcPts val="800"/>
-              </a:spcBef>
-              <a:spcAft>
-                <a:spcPts val="0"/>
-              </a:spcAft>
-              <a:buNone/>
-            </a:pPr>
-            <a:r>
-              <a:rPr lang="en-US" sz="1400">
-                <a:solidFill>
-                  <a:srgbClr val="000000"/>
-                </a:solidFill>
-              </a:rPr>
-              <a:t>hostname of the HDFS web portal</a:t>
             </a:r>
             <a:endParaRPr sz="1400">
               <a:solidFill>
@@ -8627,7 +10186,7 @@
       </p:sp>
       <p:sp>
         <p:nvSpPr>
-          <p:cNvPr id="75" name="Google Shape;75;p15"/>
+          <p:cNvPr id="76" name="Google Shape;76;p4"/>
           <p:cNvSpPr txBox="1"/>
           <p:nvPr>
             <p:ph type="title"/>
@@ -8653,6 +10212,9 @@
           <a:lstStyle/>
           <a:p>
             <a:pPr indent="0" lvl="0" marL="0" marR="0" rtl="0" algn="l">
+              <a:lnSpc>
+                <a:spcPct val="100000"/>
+              </a:lnSpc>
               <a:spcBef>
                 <a:spcPts val="0"/>
               </a:spcBef>
@@ -8662,18 +10224,15 @@
               <a:buClr>
                 <a:srgbClr val="253A65"/>
               </a:buClr>
+              <a:buSzPts val="1400"/>
               <a:buFont typeface="Helvetica Neue"/>
               <a:buNone/>
             </a:pPr>
             <a:r>
-              <a:rPr lang="en-US"/>
-              <a:t>HDFS</a:t>
+              <a:rPr lang="en-US" sz="3600"/>
+              <a:t>HDFS wkw params</a:t>
             </a:r>
-            <a:r>
-              <a:rPr lang="en-US"/>
-              <a:t> wkw params</a:t>
-            </a:r>
-            <a:endParaRPr b="1" i="0" sz="4600" u="none" cap="none" strike="noStrike">
+            <a:endParaRPr b="1" i="0" sz="3600" u="none" cap="none" strike="noStrike">
               <a:solidFill>
                 <a:srgbClr val="253A65"/>
               </a:solidFill>
@@ -8685,34 +10244,6 @@
           </a:p>
         </p:txBody>
       </p:sp>
-      <p:pic>
-        <p:nvPicPr>
-          <p:cNvPr id="76" name="Google Shape;76;p15"/>
-          <p:cNvPicPr preferRelativeResize="0"/>
-          <p:nvPr/>
-        </p:nvPicPr>
-        <p:blipFill>
-          <a:blip r:embed="rId3">
-            <a:alphaModFix/>
-          </a:blip>
-          <a:stretch>
-            <a:fillRect/>
-          </a:stretch>
-        </p:blipFill>
-        <p:spPr>
-          <a:xfrm>
-            <a:off x="1048200" y="2962250"/>
-            <a:ext cx="5839650" cy="4990875"/>
-          </a:xfrm>
-          <a:prstGeom prst="rect">
-            <a:avLst/>
-          </a:prstGeom>
-          <a:noFill/>
-          <a:ln>
-            <a:noFill/>
-          </a:ln>
-        </p:spPr>
-      </p:pic>
     </p:spTree>
   </p:cSld>
   <p:clrMapOvr>
@@ -8738,18 +10269,24 @@
           <a:chExt cx="0" cy="0"/>
         </a:xfrm>
       </p:grpSpPr>
-      <p:sp>
-        <p:nvSpPr>
-          <p:cNvPr id="81" name="Google Shape;81;p16"/>
-          <p:cNvSpPr txBox="1"/>
-          <p:nvPr>
-            <p:ph idx="1" type="body"/>
-          </p:nvPr>
-        </p:nvSpPr>
+      <p:pic>
+        <p:nvPicPr>
+          <p:cNvPr id="81" name="Google Shape;81;p5"/>
+          <p:cNvPicPr preferRelativeResize="0"/>
+          <p:nvPr/>
+        </p:nvPicPr>
+        <p:blipFill>
+          <a:blip r:embed="rId3">
+            <a:alphaModFix/>
+          </a:blip>
+          <a:stretch>
+            <a:fillRect/>
+          </a:stretch>
+        </p:blipFill>
         <p:spPr>
           <a:xfrm>
-            <a:off x="6567825" y="3168000"/>
-            <a:ext cx="5979900" cy="4156500"/>
+            <a:off x="574425" y="2795900"/>
+            <a:ext cx="9322225" cy="3913575"/>
           </a:xfrm>
           <a:prstGeom prst="rect">
             <a:avLst/>
@@ -8759,390 +10296,10 @@
             <a:noFill/>
           </a:ln>
         </p:spPr>
-        <p:txBody>
-          <a:bodyPr anchorCtr="0" anchor="t" bIns="65000" lIns="129975" spcFirstLastPara="1" rIns="129975" wrap="square" tIns="65000">
-            <a:noAutofit/>
-          </a:bodyPr>
-          <a:lstStyle/>
-          <a:p>
-            <a:pPr indent="0" lvl="0" marL="0" marR="0" rtl="0" algn="l">
-              <a:lnSpc>
-                <a:spcPct val="100000"/>
-              </a:lnSpc>
-              <a:spcBef>
-                <a:spcPts val="800"/>
-              </a:spcBef>
-              <a:spcAft>
-                <a:spcPts val="0"/>
-              </a:spcAft>
-              <a:buNone/>
-            </a:pPr>
-            <a:r>
-              <a:rPr lang="en-US" sz="1400">
-                <a:solidFill>
-                  <a:srgbClr val="000000"/>
-                </a:solidFill>
-              </a:rPr>
-              <a:t>base name of the </a:t>
-            </a:r>
-            <a:r>
-              <a:rPr lang="en-US" sz="1400">
-                <a:solidFill>
-                  <a:srgbClr val="000000"/>
-                </a:solidFill>
-              </a:rPr>
-              <a:t>S</a:t>
-            </a:r>
-            <a:r>
-              <a:rPr lang="en-US" sz="1400">
-                <a:solidFill>
-                  <a:srgbClr val="000000"/>
-                </a:solidFill>
-              </a:rPr>
-              <a:t>park docker containers</a:t>
-            </a:r>
-            <a:endParaRPr sz="1400">
-              <a:solidFill>
-                <a:srgbClr val="000000"/>
-              </a:solidFill>
-            </a:endParaRPr>
-          </a:p>
-          <a:p>
-            <a:pPr indent="0" lvl="0" marL="0" marR="0" rtl="0" algn="l">
-              <a:lnSpc>
-                <a:spcPct val="100000"/>
-              </a:lnSpc>
-              <a:spcBef>
-                <a:spcPts val="800"/>
-              </a:spcBef>
-              <a:spcAft>
-                <a:spcPts val="0"/>
-              </a:spcAft>
-              <a:buNone/>
-            </a:pPr>
-            <a:r>
-              <a:t/>
-            </a:r>
-            <a:endParaRPr sz="1400">
-              <a:solidFill>
-                <a:srgbClr val="000000"/>
-              </a:solidFill>
-            </a:endParaRPr>
-          </a:p>
-          <a:p>
-            <a:pPr indent="0" lvl="0" marL="0" marR="0" rtl="0" algn="l">
-              <a:lnSpc>
-                <a:spcPct val="100000"/>
-              </a:lnSpc>
-              <a:spcBef>
-                <a:spcPts val="800"/>
-              </a:spcBef>
-              <a:spcAft>
-                <a:spcPts val="0"/>
-              </a:spcAft>
-              <a:buNone/>
-            </a:pPr>
-            <a:r>
-              <a:rPr lang="en-US" sz="1400">
-                <a:solidFill>
-                  <a:srgbClr val="000000"/>
-                </a:solidFill>
-              </a:rPr>
-              <a:t>port of the </a:t>
-            </a:r>
-            <a:r>
-              <a:rPr lang="en-US" sz="1400">
-                <a:solidFill>
-                  <a:srgbClr val="000000"/>
-                </a:solidFill>
-              </a:rPr>
-              <a:t>S</a:t>
-            </a:r>
-            <a:r>
-              <a:rPr lang="en-US" sz="1400">
-                <a:solidFill>
-                  <a:srgbClr val="000000"/>
-                </a:solidFill>
-              </a:rPr>
-              <a:t>park web portal</a:t>
-            </a:r>
-            <a:endParaRPr sz="1400">
-              <a:solidFill>
-                <a:srgbClr val="000000"/>
-              </a:solidFill>
-            </a:endParaRPr>
-          </a:p>
-          <a:p>
-            <a:pPr indent="0" lvl="0" marL="0" marR="0" rtl="0" algn="l">
-              <a:lnSpc>
-                <a:spcPct val="100000"/>
-              </a:lnSpc>
-              <a:spcBef>
-                <a:spcPts val="800"/>
-              </a:spcBef>
-              <a:spcAft>
-                <a:spcPts val="0"/>
-              </a:spcAft>
-              <a:buNone/>
-            </a:pPr>
-            <a:r>
-              <a:t/>
-            </a:r>
-            <a:endParaRPr sz="1400">
-              <a:solidFill>
-                <a:srgbClr val="000000"/>
-              </a:solidFill>
-            </a:endParaRPr>
-          </a:p>
-          <a:p>
-            <a:pPr indent="0" lvl="0" marL="0" marR="0" rtl="0" algn="l">
-              <a:lnSpc>
-                <a:spcPct val="100000"/>
-              </a:lnSpc>
-              <a:spcBef>
-                <a:spcPts val="800"/>
-              </a:spcBef>
-              <a:spcAft>
-                <a:spcPts val="0"/>
-              </a:spcAft>
-              <a:buNone/>
-            </a:pPr>
-            <a:r>
-              <a:rPr lang="en-US" sz="1400"/>
-              <a:t>network name</a:t>
-            </a:r>
-            <a:endParaRPr sz="1400"/>
-          </a:p>
-          <a:p>
-            <a:pPr indent="0" lvl="0" marL="0" marR="0" rtl="0" algn="l">
-              <a:lnSpc>
-                <a:spcPct val="100000"/>
-              </a:lnSpc>
-              <a:spcBef>
-                <a:spcPts val="800"/>
-              </a:spcBef>
-              <a:spcAft>
-                <a:spcPts val="0"/>
-              </a:spcAft>
-              <a:buNone/>
-            </a:pPr>
-            <a:r>
-              <a:t/>
-            </a:r>
-            <a:endParaRPr sz="1400">
-              <a:solidFill>
-                <a:srgbClr val="000000"/>
-              </a:solidFill>
-            </a:endParaRPr>
-          </a:p>
-          <a:p>
-            <a:pPr indent="0" lvl="0" marL="0" marR="0" rtl="0" algn="l">
-              <a:lnSpc>
-                <a:spcPct val="100000"/>
-              </a:lnSpc>
-              <a:spcBef>
-                <a:spcPts val="800"/>
-              </a:spcBef>
-              <a:spcAft>
-                <a:spcPts val="0"/>
-              </a:spcAft>
-              <a:buNone/>
-            </a:pPr>
-            <a:r>
-              <a:rPr lang="en-US" sz="1400">
-                <a:solidFill>
-                  <a:srgbClr val="000000"/>
-                </a:solidFill>
-              </a:rPr>
-              <a:t>IP of the targeted master machine</a:t>
-            </a:r>
-            <a:endParaRPr sz="1400">
-              <a:solidFill>
-                <a:srgbClr val="000000"/>
-              </a:solidFill>
-            </a:endParaRPr>
-          </a:p>
-          <a:p>
-            <a:pPr indent="0" lvl="0" marL="0" rtl="0" algn="l">
-              <a:spcBef>
-                <a:spcPts val="800"/>
-              </a:spcBef>
-              <a:spcAft>
-                <a:spcPts val="0"/>
-              </a:spcAft>
-              <a:buNone/>
-            </a:pPr>
-            <a:r>
-              <a:t/>
-            </a:r>
-            <a:endParaRPr sz="1400">
-              <a:solidFill>
-                <a:srgbClr val="000000"/>
-              </a:solidFill>
-            </a:endParaRPr>
-          </a:p>
-          <a:p>
-            <a:pPr indent="0" lvl="0" marL="0" rtl="0" algn="l">
-              <a:spcBef>
-                <a:spcPts val="800"/>
-              </a:spcBef>
-              <a:spcAft>
-                <a:spcPts val="0"/>
-              </a:spcAft>
-              <a:buNone/>
-            </a:pPr>
-            <a:r>
-              <a:rPr lang="en-US" sz="1400"/>
-              <a:t>file name of the targeted worker machines IPs (if required)</a:t>
-            </a:r>
-            <a:endParaRPr sz="1400"/>
-          </a:p>
-          <a:p>
-            <a:pPr indent="0" lvl="0" marL="0" marR="0" rtl="0" algn="l">
-              <a:lnSpc>
-                <a:spcPct val="100000"/>
-              </a:lnSpc>
-              <a:spcBef>
-                <a:spcPts val="800"/>
-              </a:spcBef>
-              <a:spcAft>
-                <a:spcPts val="0"/>
-              </a:spcAft>
-              <a:buNone/>
-            </a:pPr>
-            <a:r>
-              <a:t/>
-            </a:r>
-            <a:endParaRPr sz="1400">
-              <a:solidFill>
-                <a:srgbClr val="000000"/>
-              </a:solidFill>
-            </a:endParaRPr>
-          </a:p>
-          <a:p>
-            <a:pPr indent="0" lvl="0" marL="0" marR="0" rtl="0" algn="l">
-              <a:lnSpc>
-                <a:spcPct val="100000"/>
-              </a:lnSpc>
-              <a:spcBef>
-                <a:spcPts val="800"/>
-              </a:spcBef>
-              <a:spcAft>
-                <a:spcPts val="0"/>
-              </a:spcAft>
-              <a:buNone/>
-            </a:pPr>
-            <a:r>
-              <a:rPr lang="en-US" sz="1400">
-                <a:solidFill>
-                  <a:srgbClr val="000000"/>
-                </a:solidFill>
-              </a:rPr>
-              <a:t>IP of the HDFS namenode machine (if required for a HDFS/Spark install)</a:t>
-            </a:r>
-            <a:endParaRPr sz="1400">
-              <a:solidFill>
-                <a:srgbClr val="000000"/>
-              </a:solidFill>
-            </a:endParaRPr>
-          </a:p>
-          <a:p>
-            <a:pPr indent="0" lvl="0" marL="0" marR="0" rtl="0" algn="l">
-              <a:lnSpc>
-                <a:spcPct val="100000"/>
-              </a:lnSpc>
-              <a:spcBef>
-                <a:spcPts val="800"/>
-              </a:spcBef>
-              <a:spcAft>
-                <a:spcPts val="0"/>
-              </a:spcAft>
-              <a:buNone/>
-            </a:pPr>
-            <a:r>
-              <a:t/>
-            </a:r>
-            <a:endParaRPr sz="1400">
-              <a:solidFill>
-                <a:srgbClr val="000000"/>
-              </a:solidFill>
-            </a:endParaRPr>
-          </a:p>
-          <a:p>
-            <a:pPr indent="0" lvl="0" marL="0" marR="0" rtl="0" algn="l">
-              <a:lnSpc>
-                <a:spcPct val="100000"/>
-              </a:lnSpc>
-              <a:spcBef>
-                <a:spcPts val="800"/>
-              </a:spcBef>
-              <a:spcAft>
-                <a:spcPts val="0"/>
-              </a:spcAft>
-              <a:buNone/>
-            </a:pPr>
-            <a:r>
-              <a:rPr lang="en-US" sz="1400">
-                <a:solidFill>
-                  <a:srgbClr val="000000"/>
-                </a:solidFill>
-              </a:rPr>
-              <a:t>hostname of the </a:t>
-            </a:r>
-            <a:r>
-              <a:rPr lang="en-US" sz="1400">
-                <a:solidFill>
-                  <a:srgbClr val="000000"/>
-                </a:solidFill>
-              </a:rPr>
-              <a:t>S</a:t>
-            </a:r>
-            <a:r>
-              <a:rPr lang="en-US" sz="1400">
-                <a:solidFill>
-                  <a:srgbClr val="000000"/>
-                </a:solidFill>
-              </a:rPr>
-              <a:t>park web portal</a:t>
-            </a:r>
-            <a:endParaRPr sz="1400">
-              <a:solidFill>
-                <a:srgbClr val="000000"/>
-              </a:solidFill>
-            </a:endParaRPr>
-          </a:p>
-          <a:p>
-            <a:pPr indent="0" lvl="0" marL="0" marR="0" rtl="0" algn="l">
-              <a:lnSpc>
-                <a:spcPct val="100000"/>
-              </a:lnSpc>
-              <a:spcBef>
-                <a:spcPts val="800"/>
-              </a:spcBef>
-              <a:spcAft>
-                <a:spcPts val="0"/>
-              </a:spcAft>
-              <a:buNone/>
-            </a:pPr>
-            <a:r>
-              <a:rPr lang="en-US" sz="1400">
-                <a:solidFill>
-                  <a:srgbClr val="000000"/>
-                </a:solidFill>
-              </a:rPr>
-              <a:t> </a:t>
-            </a:r>
-            <a:endParaRPr sz="1400">
-              <a:solidFill>
-                <a:srgbClr val="000000"/>
-              </a:solidFill>
-            </a:endParaRPr>
-          </a:p>
-        </p:txBody>
-      </p:sp>
+      </p:pic>
       <p:sp>
         <p:nvSpPr>
-          <p:cNvPr id="82" name="Google Shape;82;p16"/>
+          <p:cNvPr id="82" name="Google Shape;82;p5"/>
           <p:cNvSpPr txBox="1"/>
           <p:nvPr>
             <p:ph type="title"/>
@@ -9168,6 +10325,9 @@
           <a:lstStyle/>
           <a:p>
             <a:pPr indent="0" lvl="0" marL="0" marR="0" rtl="0" algn="l">
+              <a:lnSpc>
+                <a:spcPct val="100000"/>
+              </a:lnSpc>
               <a:spcBef>
                 <a:spcPts val="0"/>
               </a:spcBef>
@@ -9177,18 +10337,15 @@
               <a:buClr>
                 <a:srgbClr val="253A65"/>
               </a:buClr>
+              <a:buSzPts val="1400"/>
               <a:buFont typeface="Helvetica Neue"/>
               <a:buNone/>
             </a:pPr>
             <a:r>
-              <a:rPr lang="en-US"/>
-              <a:t>Spark</a:t>
+              <a:rPr lang="en-US" sz="3600"/>
+              <a:t>Spark wkw params</a:t>
             </a:r>
-            <a:r>
-              <a:rPr lang="en-US"/>
-              <a:t> wkw params</a:t>
-            </a:r>
-            <a:endParaRPr b="1" i="0" sz="4600" u="none" cap="none" strike="noStrike">
+            <a:endParaRPr b="1" i="0" sz="3600" u="none" cap="none" strike="noStrike">
               <a:solidFill>
                 <a:srgbClr val="253A65"/>
               </a:solidFill>
@@ -9200,24 +10357,18 @@
           </a:p>
         </p:txBody>
       </p:sp>
-      <p:pic>
-        <p:nvPicPr>
-          <p:cNvPr id="83" name="Google Shape;83;p16"/>
-          <p:cNvPicPr preferRelativeResize="0"/>
-          <p:nvPr/>
-        </p:nvPicPr>
-        <p:blipFill>
-          <a:blip r:embed="rId3">
-            <a:alphaModFix/>
-          </a:blip>
-          <a:stretch>
-            <a:fillRect/>
-          </a:stretch>
-        </p:blipFill>
+      <p:sp>
+        <p:nvSpPr>
+          <p:cNvPr id="83" name="Google Shape;83;p5"/>
+          <p:cNvSpPr txBox="1"/>
+          <p:nvPr>
+            <p:ph idx="1" type="body"/>
+          </p:nvPr>
+        </p:nvSpPr>
         <p:spPr>
           <a:xfrm>
-            <a:off x="734475" y="3232350"/>
-            <a:ext cx="5569775" cy="4244425"/>
+            <a:off x="7784650" y="5258950"/>
+            <a:ext cx="4948800" cy="2075700"/>
           </a:xfrm>
           <a:prstGeom prst="rect">
             <a:avLst/>
@@ -9227,7 +10378,131 @@
             <a:noFill/>
           </a:ln>
         </p:spPr>
-      </p:pic>
+        <p:txBody>
+          <a:bodyPr anchorCtr="0" anchor="t" bIns="65000" lIns="129975" spcFirstLastPara="1" rIns="129975" wrap="square" tIns="65000">
+            <a:noAutofit/>
+          </a:bodyPr>
+          <a:lstStyle/>
+          <a:p>
+            <a:pPr indent="0" lvl="0" marL="0" rtl="0" algn="l">
+              <a:lnSpc>
+                <a:spcPct val="150000"/>
+              </a:lnSpc>
+              <a:spcBef>
+                <a:spcPts val="800"/>
+              </a:spcBef>
+              <a:spcAft>
+                <a:spcPts val="0"/>
+              </a:spcAft>
+              <a:buSzPts val="3000"/>
+              <a:buNone/>
+            </a:pPr>
+            <a:r>
+              <a:rPr lang="en-US" sz="1400"/>
+              <a:t>port of the Spark web portal</a:t>
+            </a:r>
+            <a:endParaRPr sz="1400">
+              <a:solidFill>
+                <a:srgbClr val="000000"/>
+              </a:solidFill>
+            </a:endParaRPr>
+          </a:p>
+          <a:p>
+            <a:pPr indent="0" lvl="0" marL="0" marR="0" rtl="0" algn="l">
+              <a:lnSpc>
+                <a:spcPct val="150000"/>
+              </a:lnSpc>
+              <a:spcBef>
+                <a:spcPts val="800"/>
+              </a:spcBef>
+              <a:spcAft>
+                <a:spcPts val="0"/>
+              </a:spcAft>
+              <a:buSzPts val="3000"/>
+              <a:buNone/>
+            </a:pPr>
+            <a:r>
+              <a:rPr lang="en-US" sz="1400">
+                <a:solidFill>
+                  <a:srgbClr val="000000"/>
+                </a:solidFill>
+              </a:rPr>
+              <a:t>base name of the HDFS docker containers</a:t>
+            </a:r>
+            <a:endParaRPr sz="1400">
+              <a:solidFill>
+                <a:srgbClr val="000000"/>
+              </a:solidFill>
+            </a:endParaRPr>
+          </a:p>
+          <a:p>
+            <a:pPr indent="0" lvl="0" marL="0" rtl="0" algn="l">
+              <a:lnSpc>
+                <a:spcPct val="150000"/>
+              </a:lnSpc>
+              <a:spcBef>
+                <a:spcPts val="800"/>
+              </a:spcBef>
+              <a:spcAft>
+                <a:spcPts val="0"/>
+              </a:spcAft>
+              <a:buSzPts val="3000"/>
+              <a:buNone/>
+            </a:pPr>
+            <a:r>
+              <a:rPr lang="en-US" sz="1400"/>
+              <a:t>name of the docker network to connect</a:t>
+            </a:r>
+            <a:endParaRPr sz="1400"/>
+          </a:p>
+          <a:p>
+            <a:pPr indent="0" lvl="0" marL="0" marR="0" rtl="0" algn="l">
+              <a:lnSpc>
+                <a:spcPct val="150000"/>
+              </a:lnSpc>
+              <a:spcBef>
+                <a:spcPts val="800"/>
+              </a:spcBef>
+              <a:spcAft>
+                <a:spcPts val="0"/>
+              </a:spcAft>
+              <a:buSzPts val="3000"/>
+              <a:buNone/>
+            </a:pPr>
+            <a:r>
+              <a:t/>
+            </a:r>
+            <a:endParaRPr sz="1400">
+              <a:solidFill>
+                <a:srgbClr val="000000"/>
+              </a:solidFill>
+            </a:endParaRPr>
+          </a:p>
+          <a:p>
+            <a:pPr indent="0" lvl="0" marL="0" marR="0" rtl="0" algn="l">
+              <a:lnSpc>
+                <a:spcPct val="150000"/>
+              </a:lnSpc>
+              <a:spcBef>
+                <a:spcPts val="800"/>
+              </a:spcBef>
+              <a:spcAft>
+                <a:spcPts val="0"/>
+              </a:spcAft>
+              <a:buSzPts val="3000"/>
+              <a:buNone/>
+            </a:pPr>
+            <a:r>
+              <a:t/>
+            </a:r>
+            <a:endParaRPr sz="1400">
+              <a:solidFill>
+                <a:srgbClr val="000000"/>
+              </a:solidFill>
+            </a:endParaRPr>
+          </a:p>
+        </p:txBody>
+      </p:sp>
     </p:spTree>
   </p:cSld>
   <p:clrMapOvr>
@@ -9253,18 +10528,24 @@
           <a:chExt cx="0" cy="0"/>
         </a:xfrm>
       </p:grpSpPr>
-      <p:sp>
-        <p:nvSpPr>
-          <p:cNvPr id="88" name="Google Shape;88;p17"/>
-          <p:cNvSpPr txBox="1"/>
-          <p:nvPr>
-            <p:ph idx="1" type="body"/>
-          </p:nvPr>
-        </p:nvSpPr>
+      <p:pic>
+        <p:nvPicPr>
+          <p:cNvPr id="88" name="Google Shape;88;p6"/>
+          <p:cNvPicPr preferRelativeResize="0"/>
+          <p:nvPr/>
+        </p:nvPicPr>
+        <p:blipFill>
+          <a:blip r:embed="rId3">
+            <a:alphaModFix/>
+          </a:blip>
+          <a:stretch>
+            <a:fillRect/>
+          </a:stretch>
+        </p:blipFill>
         <p:spPr>
           <a:xfrm>
-            <a:off x="7057725" y="4481400"/>
-            <a:ext cx="6110100" cy="2265900"/>
+            <a:off x="384975" y="2306575"/>
+            <a:ext cx="12319408" cy="5086000"/>
           </a:xfrm>
           <a:prstGeom prst="rect">
             <a:avLst/>
@@ -9274,85 +10555,10 @@
             <a:noFill/>
           </a:ln>
         </p:spPr>
-        <p:txBody>
-          <a:bodyPr anchorCtr="0" anchor="t" bIns="65000" lIns="129975" spcFirstLastPara="1" rIns="129975" wrap="square" tIns="65000">
-            <a:noAutofit/>
-          </a:bodyPr>
-          <a:lstStyle/>
-          <a:p>
-            <a:pPr indent="0" lvl="0" marL="0" marR="0" rtl="0" algn="l">
-              <a:lnSpc>
-                <a:spcPct val="100000"/>
-              </a:lnSpc>
-              <a:spcBef>
-                <a:spcPts val="800"/>
-              </a:spcBef>
-              <a:spcAft>
-                <a:spcPts val="0"/>
-              </a:spcAft>
-              <a:buNone/>
-            </a:pPr>
-            <a:r>
-              <a:rPr lang="en-US" sz="1800">
-                <a:solidFill>
-                  <a:srgbClr val="000000"/>
-                </a:solidFill>
-              </a:rPr>
-              <a:t>spark master url (displayed on the spark web portal)</a:t>
-            </a:r>
-            <a:endParaRPr sz="1800">
-              <a:solidFill>
-                <a:srgbClr val="000000"/>
-              </a:solidFill>
-            </a:endParaRPr>
-          </a:p>
-          <a:p>
-            <a:pPr indent="0" lvl="0" marL="0" marR="0" rtl="0" algn="l">
-              <a:lnSpc>
-                <a:spcPct val="100000"/>
-              </a:lnSpc>
-              <a:spcBef>
-                <a:spcPts val="800"/>
-              </a:spcBef>
-              <a:spcAft>
-                <a:spcPts val="0"/>
-              </a:spcAft>
-              <a:buNone/>
-            </a:pPr>
-            <a:r>
-              <a:t/>
-            </a:r>
-            <a:endParaRPr sz="1800">
-              <a:solidFill>
-                <a:srgbClr val="000000"/>
-              </a:solidFill>
-            </a:endParaRPr>
-          </a:p>
-          <a:p>
-            <a:pPr indent="0" lvl="0" marL="0" rtl="0" algn="l">
-              <a:spcBef>
-                <a:spcPts val="800"/>
-              </a:spcBef>
-              <a:spcAft>
-                <a:spcPts val="0"/>
-              </a:spcAft>
-              <a:buNone/>
-            </a:pPr>
-            <a:r>
-              <a:rPr lang="en-US" sz="1800"/>
-              <a:t>network name</a:t>
-            </a:r>
-            <a:endParaRPr sz="1800">
-              <a:solidFill>
-                <a:srgbClr val="000000"/>
-              </a:solidFill>
-            </a:endParaRPr>
-          </a:p>
-        </p:txBody>
-      </p:sp>
+      </p:pic>
       <p:sp>
         <p:nvSpPr>
-          <p:cNvPr id="89" name="Google Shape;89;p17"/>
+          <p:cNvPr id="89" name="Google Shape;89;p6"/>
           <p:cNvSpPr txBox="1"/>
           <p:nvPr>
             <p:ph type="title"/>
@@ -9378,6 +10584,9 @@
           <a:lstStyle/>
           <a:p>
             <a:pPr indent="0" lvl="0" marL="0" marR="0" rtl="0" algn="l">
+              <a:lnSpc>
+                <a:spcPct val="100000"/>
+              </a:lnSpc>
               <a:spcBef>
                 <a:spcPts val="0"/>
               </a:spcBef>
@@ -9387,30 +10596,23 @@
               <a:buClr>
                 <a:srgbClr val="253A65"/>
               </a:buClr>
+              <a:buSzPts val="1400"/>
               <a:buFont typeface="Helvetica Neue"/>
               <a:buNone/>
             </a:pPr>
             <a:r>
-              <a:rPr lang="en-US" sz="3000">
-                <a:solidFill>
-                  <a:srgbClr val="253A65"/>
-                </a:solidFill>
-              </a:rPr>
-              <a:t>submit_</a:t>
+              <a:rPr lang="en-US" sz="3600"/>
+              <a:t>Spark_Pi</a:t>
             </a:r>
             <a:r>
-              <a:rPr lang="en-US" sz="3000"/>
-              <a:t>spark_pi</a:t>
-            </a:r>
-            <a:r>
-              <a:rPr lang="en-US" sz="3000">
+              <a:rPr lang="en-US" sz="3600">
                 <a:solidFill>
                   <a:srgbClr val="253A65"/>
                 </a:solidFill>
               </a:rPr>
               <a:t> wkw params</a:t>
             </a:r>
-            <a:endParaRPr b="1" i="0" sz="3000" u="none" cap="none" strike="noStrike">
+            <a:endParaRPr b="1" i="0" sz="3600" u="none" cap="none" strike="noStrike">
               <a:solidFill>
                 <a:srgbClr val="253A65"/>
               </a:solidFill>
@@ -9422,34 +10624,137 @@
           </a:p>
         </p:txBody>
       </p:sp>
-      <p:pic>
-        <p:nvPicPr>
-          <p:cNvPr id="90" name="Google Shape;90;p17"/>
-          <p:cNvPicPr preferRelativeResize="0"/>
-          <p:nvPr/>
-        </p:nvPicPr>
-        <p:blipFill>
-          <a:blip r:embed="rId3">
-            <a:alphaModFix/>
-          </a:blip>
-          <a:stretch>
-            <a:fillRect/>
-          </a:stretch>
-        </p:blipFill>
+      <p:sp>
+        <p:nvSpPr>
+          <p:cNvPr id="90" name="Google Shape;90;p6"/>
+          <p:cNvSpPr txBox="1"/>
+          <p:nvPr>
+            <p:ph idx="1" type="body"/>
+          </p:nvPr>
+        </p:nvSpPr>
         <p:spPr>
           <a:xfrm>
-            <a:off x="955475" y="4548210"/>
-            <a:ext cx="5735750" cy="1202925"/>
+            <a:off x="7188675" y="5840400"/>
+            <a:ext cx="5256000" cy="1842900"/>
           </a:xfrm>
           <a:prstGeom prst="rect">
             <a:avLst/>
           </a:prstGeom>
-          <a:noFill/>
+          <a:solidFill>
+            <a:srgbClr val="FFFFFF"/>
+          </a:solidFill>
           <a:ln>
             <a:noFill/>
           </a:ln>
         </p:spPr>
-      </p:pic>
+        <p:txBody>
+          <a:bodyPr anchorCtr="0" anchor="t" bIns="65000" lIns="129975" spcFirstLastPara="1" rIns="129975" wrap="square" tIns="65000">
+            <a:noAutofit/>
+          </a:bodyPr>
+          <a:lstStyle/>
+          <a:p>
+            <a:pPr indent="-317500" lvl="0" marL="457200" rtl="0" algn="l">
+              <a:lnSpc>
+                <a:spcPct val="150000"/>
+              </a:lnSpc>
+              <a:spcBef>
+                <a:spcPts val="800"/>
+              </a:spcBef>
+              <a:spcAft>
+                <a:spcPts val="0"/>
+              </a:spcAft>
+              <a:buSzPts val="1400"/>
+              <a:buChar char="-"/>
+            </a:pPr>
+            <a:r>
+              <a:rPr lang="en-US" sz="1400"/>
+              <a:t>number of slices to cut the random number dataset into. Spark will run one task for each slice of the cluster</a:t>
+            </a:r>
+            <a:r>
+              <a:rPr lang="en-US" sz="1400"/>
+              <a:t>port of the Spark web portal</a:t>
+            </a:r>
+            <a:endParaRPr sz="1400">
+              <a:solidFill>
+                <a:srgbClr val="000000"/>
+              </a:solidFill>
+            </a:endParaRPr>
+          </a:p>
+          <a:p>
+            <a:pPr indent="-317500" lvl="0" marL="457200" marR="0" rtl="0" algn="l">
+              <a:lnSpc>
+                <a:spcPct val="150000"/>
+              </a:lnSpc>
+              <a:spcBef>
+                <a:spcPts val="0"/>
+              </a:spcBef>
+              <a:spcAft>
+                <a:spcPts val="0"/>
+              </a:spcAft>
+              <a:buClr>
+                <a:srgbClr val="000000"/>
+              </a:buClr>
+              <a:buSzPts val="1400"/>
+              <a:buChar char="-"/>
+            </a:pPr>
+            <a:r>
+              <a:rPr lang="en-US" sz="1400">
+                <a:solidFill>
+                  <a:srgbClr val="000000"/>
+                </a:solidFill>
+              </a:rPr>
+              <a:t>instance id of your cloud automation service</a:t>
+            </a:r>
+            <a:endParaRPr sz="1400"/>
+          </a:p>
+          <a:p>
+            <a:pPr indent="0" lvl="0" marL="0" marR="0" rtl="0" algn="l">
+              <a:lnSpc>
+                <a:spcPct val="150000"/>
+              </a:lnSpc>
+              <a:spcBef>
+                <a:spcPts val="800"/>
+              </a:spcBef>
+              <a:spcAft>
+                <a:spcPts val="0"/>
+              </a:spcAft>
+              <a:buSzPts val="3000"/>
+              <a:buNone/>
+            </a:pPr>
+            <a:r>
+              <a:t/>
+            </a:r>
+            <a:endParaRPr sz="1400">
+              <a:solidFill>
+                <a:srgbClr val="000000"/>
+              </a:solidFill>
+            </a:endParaRPr>
+          </a:p>
+          <a:p>
+            <a:pPr indent="0" lvl="0" marL="0" marR="0" rtl="0" algn="l">
+              <a:lnSpc>
+                <a:spcPct val="150000"/>
+              </a:lnSpc>
+              <a:spcBef>
+                <a:spcPts val="800"/>
+              </a:spcBef>
+              <a:spcAft>
+                <a:spcPts val="0"/>
+              </a:spcAft>
+              <a:buSzPts val="3000"/>
+              <a:buNone/>
+            </a:pPr>
+            <a:r>
+              <a:t/>
+            </a:r>
+            <a:endParaRPr sz="1400">
+              <a:solidFill>
+                <a:srgbClr val="000000"/>
+              </a:solidFill>
+            </a:endParaRPr>
+          </a:p>
+        </p:txBody>
+      </p:sp>
     </p:spTree>
   </p:cSld>
   <p:clrMapOvr>
@@ -9477,153 +10782,7 @@
       </p:grpSpPr>
       <p:sp>
         <p:nvSpPr>
-          <p:cNvPr id="95" name="Google Shape;95;p18"/>
-          <p:cNvSpPr txBox="1"/>
-          <p:nvPr>
-            <p:ph idx="1" type="body"/>
-          </p:nvPr>
-        </p:nvSpPr>
-        <p:spPr>
-          <a:xfrm>
-            <a:off x="7433375" y="4403675"/>
-            <a:ext cx="6110100" cy="2265900"/>
-          </a:xfrm>
-          <a:prstGeom prst="rect">
-            <a:avLst/>
-          </a:prstGeom>
-          <a:noFill/>
-          <a:ln>
-            <a:noFill/>
-          </a:ln>
-        </p:spPr>
-        <p:txBody>
-          <a:bodyPr anchorCtr="0" anchor="t" bIns="65000" lIns="129975" spcFirstLastPara="1" rIns="129975" wrap="square" tIns="65000">
-            <a:noAutofit/>
-          </a:bodyPr>
-          <a:lstStyle/>
-          <a:p>
-            <a:pPr indent="0" lvl="0" marL="0" marR="0" rtl="0" algn="l">
-              <a:lnSpc>
-                <a:spcPct val="100000"/>
-              </a:lnSpc>
-              <a:spcBef>
-                <a:spcPts val="800"/>
-              </a:spcBef>
-              <a:spcAft>
-                <a:spcPts val="0"/>
-              </a:spcAft>
-              <a:buNone/>
-            </a:pPr>
-            <a:r>
-              <a:rPr lang="en-US" sz="1800">
-                <a:solidFill>
-                  <a:srgbClr val="000000"/>
-                </a:solidFill>
-              </a:rPr>
-              <a:t>spark master url (displayed on the spark web portal)</a:t>
-            </a:r>
-            <a:endParaRPr sz="1800">
-              <a:solidFill>
-                <a:srgbClr val="000000"/>
-              </a:solidFill>
-            </a:endParaRPr>
-          </a:p>
-          <a:p>
-            <a:pPr indent="0" lvl="0" marL="0" marR="0" rtl="0" algn="l">
-              <a:lnSpc>
-                <a:spcPct val="100000"/>
-              </a:lnSpc>
-              <a:spcBef>
-                <a:spcPts val="800"/>
-              </a:spcBef>
-              <a:spcAft>
-                <a:spcPts val="0"/>
-              </a:spcAft>
-              <a:buNone/>
-            </a:pPr>
-            <a:r>
-              <a:t/>
-            </a:r>
-            <a:endParaRPr sz="1800">
-              <a:solidFill>
-                <a:srgbClr val="000000"/>
-              </a:solidFill>
-            </a:endParaRPr>
-          </a:p>
-          <a:p>
-            <a:pPr indent="0" lvl="0" marL="0" marR="0" rtl="0" algn="l">
-              <a:lnSpc>
-                <a:spcPct val="100000"/>
-              </a:lnSpc>
-              <a:spcBef>
-                <a:spcPts val="800"/>
-              </a:spcBef>
-              <a:spcAft>
-                <a:spcPts val="0"/>
-              </a:spcAft>
-              <a:buNone/>
-            </a:pPr>
-            <a:r>
-              <a:rPr lang="en-US" sz="1800">
-                <a:solidFill>
-                  <a:srgbClr val="000000"/>
-                </a:solidFill>
-              </a:rPr>
-              <a:t>hdfs directory for IO operations</a:t>
-            </a:r>
-            <a:endParaRPr sz="1800">
-              <a:solidFill>
-                <a:srgbClr val="000000"/>
-              </a:solidFill>
-            </a:endParaRPr>
-          </a:p>
-          <a:p>
-            <a:pPr indent="0" lvl="0" marL="0" marR="0" rtl="0" algn="l">
-              <a:lnSpc>
-                <a:spcPct val="100000"/>
-              </a:lnSpc>
-              <a:spcBef>
-                <a:spcPts val="800"/>
-              </a:spcBef>
-              <a:spcAft>
-                <a:spcPts val="0"/>
-              </a:spcAft>
-              <a:buNone/>
-            </a:pPr>
-            <a:r>
-              <a:t/>
-            </a:r>
-            <a:endParaRPr sz="1800">
-              <a:solidFill>
-                <a:srgbClr val="000000"/>
-              </a:solidFill>
-            </a:endParaRPr>
-          </a:p>
-          <a:p>
-            <a:pPr indent="0" lvl="0" marL="0" rtl="0" algn="l">
-              <a:spcBef>
-                <a:spcPts val="800"/>
-              </a:spcBef>
-              <a:spcAft>
-                <a:spcPts val="0"/>
-              </a:spcAft>
-              <a:buNone/>
-            </a:pPr>
-            <a:r>
-              <a:rPr lang="en-US" sz="1800"/>
-              <a:t>network name</a:t>
-            </a:r>
-            <a:endParaRPr sz="1800">
-              <a:solidFill>
-                <a:srgbClr val="000000"/>
-              </a:solidFill>
-            </a:endParaRPr>
-          </a:p>
-        </p:txBody>
-      </p:sp>
-      <p:sp>
-        <p:nvSpPr>
-          <p:cNvPr id="96" name="Google Shape;96;p18"/>
+          <p:cNvPr id="95" name="Google Shape;95;p7"/>
           <p:cNvSpPr txBox="1"/>
           <p:nvPr>
             <p:ph type="title"/>
@@ -9649,6 +10808,9 @@
           <a:lstStyle/>
           <a:p>
             <a:pPr indent="0" lvl="0" marL="0" marR="0" rtl="0" algn="l">
+              <a:lnSpc>
+                <a:spcPct val="100000"/>
+              </a:lnSpc>
               <a:spcBef>
                 <a:spcPts val="0"/>
               </a:spcBef>
@@ -9658,18 +10820,23 @@
               <a:buClr>
                 <a:srgbClr val="253A65"/>
               </a:buClr>
+              <a:buSzPts val="1400"/>
               <a:buFont typeface="Helvetica Neue"/>
               <a:buNone/>
             </a:pPr>
             <a:r>
-              <a:rPr lang="en-US" sz="3000">
+              <a:rPr lang="en-US" sz="3600"/>
+              <a:t>Spark_Write_Read_HDFS</a:t>
+            </a:r>
+            <a:r>
+              <a:rPr lang="en-US" sz="3600">
                 <a:solidFill>
                   <a:srgbClr val="253A65"/>
                 </a:solidFill>
               </a:rPr>
-              <a:t>submit_write_read_persons_HDFS wkw params</a:t>
+              <a:t> wkw params</a:t>
             </a:r>
-            <a:endParaRPr b="1" i="0" sz="3000" u="none" cap="none" strike="noStrike">
+            <a:endParaRPr b="1" i="0" sz="3600" u="none" cap="none" strike="noStrike">
               <a:solidFill>
                 <a:srgbClr val="253A65"/>
               </a:solidFill>
@@ -9683,7 +10850,7 @@
       </p:sp>
       <p:pic>
         <p:nvPicPr>
-          <p:cNvPr id="97" name="Google Shape;97;p18"/>
+          <p:cNvPr id="96" name="Google Shape;96;p7"/>
           <p:cNvPicPr preferRelativeResize="0"/>
           <p:nvPr/>
         </p:nvPicPr>
@@ -9697,8 +10864,8 @@
         </p:blipFill>
         <p:spPr>
           <a:xfrm>
-            <a:off x="189550" y="4563788"/>
-            <a:ext cx="6925924" cy="1945675"/>
+            <a:off x="1609213" y="3018825"/>
+            <a:ext cx="9786375" cy="3924075"/>
           </a:xfrm>
           <a:prstGeom prst="rect">
             <a:avLst/>
@@ -9709,6 +10876,162 @@
           </a:ln>
         </p:spPr>
       </p:pic>
+      <p:sp>
+        <p:nvSpPr>
+          <p:cNvPr id="97" name="Google Shape;97;p7"/>
+          <p:cNvSpPr txBox="1"/>
+          <p:nvPr>
+            <p:ph idx="1" type="body"/>
+          </p:nvPr>
+        </p:nvSpPr>
+        <p:spPr>
+          <a:xfrm>
+            <a:off x="7159600" y="5459350"/>
+            <a:ext cx="5428500" cy="1991400"/>
+          </a:xfrm>
+          <a:prstGeom prst="rect">
+            <a:avLst/>
+          </a:prstGeom>
+          <a:solidFill>
+            <a:srgbClr val="FFFFFF"/>
+          </a:solidFill>
+          <a:ln>
+            <a:noFill/>
+          </a:ln>
+        </p:spPr>
+        <p:txBody>
+          <a:bodyPr anchorCtr="0" anchor="t" bIns="65000" lIns="129975" spcFirstLastPara="1" rIns="129975" wrap="square" tIns="65000">
+            <a:noAutofit/>
+          </a:bodyPr>
+          <a:lstStyle/>
+          <a:p>
+            <a:pPr indent="0" lvl="0" marL="0" rtl="0" algn="l">
+              <a:lnSpc>
+                <a:spcPct val="150000"/>
+              </a:lnSpc>
+              <a:spcBef>
+                <a:spcPts val="800"/>
+              </a:spcBef>
+              <a:spcAft>
+                <a:spcPts val="0"/>
+              </a:spcAft>
+              <a:buNone/>
+            </a:pPr>
+            <a:r>
+              <a:rPr lang="en-US" sz="1400"/>
+              <a:t>instance id of your cloud automation service</a:t>
+            </a:r>
+            <a:endParaRPr sz="1400"/>
+          </a:p>
+          <a:p>
+            <a:pPr indent="0" lvl="0" marL="0" rtl="0" algn="l">
+              <a:lnSpc>
+                <a:spcPct val="150000"/>
+              </a:lnSpc>
+              <a:spcBef>
+                <a:spcPts val="800"/>
+              </a:spcBef>
+              <a:spcAft>
+                <a:spcPts val="0"/>
+              </a:spcAft>
+              <a:buNone/>
+            </a:pPr>
+            <a:r>
+              <a:rPr lang="en-US" sz="1400"/>
+              <a:t>parquet file path on the hdfs</a:t>
+            </a:r>
+            <a:endParaRPr sz="1400"/>
+          </a:p>
+          <a:p>
+            <a:pPr indent="0" lvl="0" marL="0" rtl="0" algn="l">
+              <a:lnSpc>
+                <a:spcPct val="150000"/>
+              </a:lnSpc>
+              <a:spcBef>
+                <a:spcPts val="800"/>
+              </a:spcBef>
+              <a:spcAft>
+                <a:spcPts val="0"/>
+              </a:spcAft>
+              <a:buClr>
+                <a:schemeClr val="dk1"/>
+              </a:buClr>
+              <a:buSzPts val="1100"/>
+              <a:buFont typeface="Arial"/>
+              <a:buNone/>
+            </a:pPr>
+            <a:r>
+              <a:rPr lang="en-US" sz="1400"/>
+              <a:t>csv file path on the hdfs</a:t>
+            </a:r>
+            <a:endParaRPr sz="1400"/>
+          </a:p>
+          <a:p>
+            <a:pPr indent="0" lvl="0" marL="0" rtl="0" algn="l">
+              <a:lnSpc>
+                <a:spcPct val="150000"/>
+              </a:lnSpc>
+              <a:spcBef>
+                <a:spcPts val="800"/>
+              </a:spcBef>
+              <a:spcAft>
+                <a:spcPts val="0"/>
+              </a:spcAft>
+              <a:buNone/>
+            </a:pPr>
+            <a:r>
+              <a:t/>
+            </a:r>
+            <a:endParaRPr sz="1400"/>
+          </a:p>
+          <a:p>
+            <a:pPr indent="0" lvl="0" marL="0" marR="0" rtl="0" algn="l">
+              <a:lnSpc>
+                <a:spcPct val="150000"/>
+              </a:lnSpc>
+              <a:spcBef>
+                <a:spcPts val="800"/>
+              </a:spcBef>
+              <a:spcAft>
+                <a:spcPts val="0"/>
+              </a:spcAft>
+              <a:buSzPts val="3000"/>
+              <a:buNone/>
+            </a:pPr>
+            <a:r>
+              <a:t/>
+            </a:r>
+            <a:endParaRPr sz="1400">
+              <a:solidFill>
+                <a:srgbClr val="000000"/>
+              </a:solidFill>
+            </a:endParaRPr>
+          </a:p>
+          <a:p>
+            <a:pPr indent="0" lvl="0" marL="0" marR="0" rtl="0" algn="l">
+              <a:lnSpc>
+                <a:spcPct val="150000"/>
+              </a:lnSpc>
+              <a:spcBef>
+                <a:spcPts val="800"/>
+              </a:spcBef>
+              <a:spcAft>
+                <a:spcPts val="0"/>
+              </a:spcAft>
+              <a:buSzPts val="3000"/>
+              <a:buNone/>
+            </a:pPr>
+            <a:r>
+              <a:t/>
+            </a:r>
+            <a:endParaRPr sz="1400">
+              <a:solidFill>
+                <a:srgbClr val="000000"/>
+              </a:solidFill>
+            </a:endParaRPr>
+          </a:p>
+        </p:txBody>
+      </p:sp>
     </p:spTree>
   </p:cSld>
   <p:clrMapOvr>
@@ -9718,6 +11041,285 @@
 </file>
 
 <file path=ppt/theme/theme1.xml><?xml version="1.0" encoding="utf-8"?>
+<a:theme xmlns:a="http://schemas.openxmlformats.org/drawingml/2006/main" xmlns:r="http://schemas.openxmlformats.org/officeDocument/2006/relationships" name="1_Activeeon Presentation Template">
+  <a:themeElements>
+    <a:clrScheme name="AE Blue">
+      <a:dk1>
+        <a:srgbClr val="000000"/>
+      </a:dk1>
+      <a:lt1>
+        <a:srgbClr val="FFFFFF"/>
+      </a:lt1>
+      <a:dk2>
+        <a:srgbClr val="53585F"/>
+      </a:dk2>
+      <a:lt2>
+        <a:srgbClr val="DCDEE0"/>
+      </a:lt2>
+      <a:accent1>
+        <a:srgbClr val="253A65"/>
+      </a:accent1>
+      <a:accent2>
+        <a:srgbClr val="00882B"/>
+      </a:accent2>
+      <a:accent3>
+        <a:srgbClr val="DCBD23"/>
+      </a:accent3>
+      <a:accent4>
+        <a:srgbClr val="DE6A10"/>
+      </a:accent4>
+      <a:accent5>
+        <a:srgbClr val="C82506"/>
+      </a:accent5>
+      <a:accent6>
+        <a:srgbClr val="773F9B"/>
+      </a:accent6>
+      <a:hlink>
+        <a:srgbClr val="0000FF"/>
+      </a:hlink>
+      <a:folHlink>
+        <a:srgbClr val="FF00FF"/>
+      </a:folHlink>
+    </a:clrScheme>
+    <a:fontScheme name="Office">
+      <a:majorFont>
+        <a:latin typeface="Arial"/>
+        <a:ea typeface=""/>
+        <a:cs typeface=""/>
+        <a:font script="Jpan" typeface="ＭＳ Ｐゴシック"/>
+        <a:font script="Hang" typeface="맑은 고딕"/>
+        <a:font script="Hans" typeface="宋体"/>
+        <a:font script="Hant" typeface="新細明體"/>
+        <a:font script="Arab" typeface="Times New Roman"/>
+        <a:font script="Hebr" typeface="Times New Roman"/>
+        <a:font script="Thai" typeface="Angsana New"/>
+        <a:font script="Ethi" typeface="Nyala"/>
+        <a:font script="Beng" typeface="Vrinda"/>
+        <a:font script="Gujr" typeface="Shruti"/>
+        <a:font script="Khmr" typeface="MoolBoran"/>
+        <a:font script="Knda" typeface="Tunga"/>
+        <a:font script="Guru" typeface="Raavi"/>
+        <a:font script="Cans" typeface="Euphemia"/>
+        <a:font script="Cher" typeface="Plantagenet Cherokee"/>
+        <a:font script="Yiii" typeface="Microsoft Yi Baiti"/>
+        <a:font script="Tibt" typeface="Microsoft Himalaya"/>
+        <a:font script="Thaa" typeface="MV Boli"/>
+        <a:font script="Deva" typeface="Mangal"/>
+        <a:font script="Telu" typeface="Gautami"/>
+        <a:font script="Taml" typeface="Latha"/>
+        <a:font script="Syrc" typeface="Estrangelo Edessa"/>
+        <a:font script="Orya" typeface="Kalinga"/>
+        <a:font script="Mlym" typeface="Kartika"/>
+        <a:font script="Laoo" typeface="DokChampa"/>
+        <a:font script="Sinh" typeface="Iskoola Pota"/>
+        <a:font script="Mong" typeface="Mongolian Baiti"/>
+        <a:font script="Viet" typeface="Times New Roman"/>
+        <a:font script="Uigh" typeface="Microsoft Uighur"/>
+        <a:font script="Geor" typeface="Sylfaen"/>
+      </a:majorFont>
+      <a:minorFont>
+        <a:latin typeface="Arial"/>
+        <a:ea typeface=""/>
+        <a:cs typeface=""/>
+        <a:font script="Jpan" typeface="ＭＳ Ｐゴシック"/>
+        <a:font script="Hang" typeface="맑은 고딕"/>
+        <a:font script="Hans" typeface="宋体"/>
+        <a:font script="Hant" typeface="新細明體"/>
+        <a:font script="Arab" typeface="Arial"/>
+        <a:font script="Hebr" typeface="Arial"/>
+        <a:font script="Thai" typeface="Cordia New"/>
+        <a:font script="Ethi" typeface="Nyala"/>
+        <a:font script="Beng" typeface="Vrinda"/>
+        <a:font script="Gujr" typeface="Shruti"/>
+        <a:font script="Khmr" typeface="DaunPenh"/>
+        <a:font script="Knda" typeface="Tunga"/>
+        <a:font script="Guru" typeface="Raavi"/>
+        <a:font script="Cans" typeface="Euphemia"/>
+        <a:font script="Cher" typeface="Plantagenet Cherokee"/>
+        <a:font script="Yiii" typeface="Microsoft Yi Baiti"/>
+        <a:font script="Tibt" typeface="Microsoft Himalaya"/>
+        <a:font script="Thaa" typeface="MV Boli"/>
+        <a:font script="Deva" typeface="Mangal"/>
+        <a:font script="Telu" typeface="Gautami"/>
+        <a:font script="Taml" typeface="Latha"/>
+        <a:font script="Syrc" typeface="Estrangelo Edessa"/>
+        <a:font script="Orya" typeface="Kalinga"/>
+        <a:font script="Mlym" typeface="Kartika"/>
+        <a:font script="Laoo" typeface="DokChampa"/>
+        <a:font script="Sinh" typeface="Iskoola Pota"/>
+        <a:font script="Mong" typeface="Mongolian Baiti"/>
+        <a:font script="Viet" typeface="Arial"/>
+        <a:font script="Uigh" typeface="Microsoft Uighur"/>
+        <a:font script="Geor" typeface="Sylfaen"/>
+      </a:minorFont>
+    </a:fontScheme>
+    <a:fmtScheme name="Office">
+      <a:fillStyleLst>
+        <a:solidFill>
+          <a:schemeClr val="phClr"/>
+        </a:solidFill>
+        <a:gradFill rotWithShape="1">
+          <a:gsLst>
+            <a:gs pos="0">
+              <a:schemeClr val="phClr">
+                <a:tint val="50000"/>
+                <a:satMod val="300000"/>
+              </a:schemeClr>
+            </a:gs>
+            <a:gs pos="35000">
+              <a:schemeClr val="phClr">
+                <a:tint val="37000"/>
+                <a:satMod val="300000"/>
+              </a:schemeClr>
+            </a:gs>
+            <a:gs pos="100000">
+              <a:schemeClr val="phClr">
+                <a:tint val="15000"/>
+                <a:satMod val="350000"/>
+              </a:schemeClr>
+            </a:gs>
+          </a:gsLst>
+          <a:lin ang="16200000" scaled="1"/>
+        </a:gradFill>
+        <a:gradFill rotWithShape="1">
+          <a:gsLst>
+            <a:gs pos="0">
+              <a:schemeClr val="phClr">
+                <a:tint val="100000"/>
+                <a:shade val="100000"/>
+                <a:satMod val="130000"/>
+              </a:schemeClr>
+            </a:gs>
+            <a:gs pos="100000">
+              <a:schemeClr val="phClr">
+                <a:tint val="50000"/>
+                <a:shade val="100000"/>
+                <a:satMod val="350000"/>
+              </a:schemeClr>
+            </a:gs>
+          </a:gsLst>
+          <a:lin ang="16200000" scaled="0"/>
+        </a:gradFill>
+      </a:fillStyleLst>
+      <a:lnStyleLst>
+        <a:ln w="9525" cap="flat" cmpd="sng" algn="ctr">
+          <a:solidFill>
+            <a:schemeClr val="phClr">
+              <a:shade val="95000"/>
+              <a:satMod val="105000"/>
+            </a:schemeClr>
+          </a:solidFill>
+          <a:prstDash val="solid"/>
+        </a:ln>
+        <a:ln w="25400" cap="flat" cmpd="sng" algn="ctr">
+          <a:solidFill>
+            <a:schemeClr val="phClr"/>
+          </a:solidFill>
+          <a:prstDash val="solid"/>
+        </a:ln>
+        <a:ln w="38100" cap="flat" cmpd="sng" algn="ctr">
+          <a:solidFill>
+            <a:schemeClr val="phClr"/>
+          </a:solidFill>
+          <a:prstDash val="solid"/>
+        </a:ln>
+      </a:lnStyleLst>
+      <a:effectStyleLst>
+        <a:effectStyle>
+          <a:effectLst>
+            <a:outerShdw blurRad="40000" dist="20000" dir="5400000" rotWithShape="0">
+              <a:srgbClr val="000000">
+                <a:alpha val="38000"/>
+              </a:srgbClr>
+            </a:outerShdw>
+          </a:effectLst>
+        </a:effectStyle>
+        <a:effectStyle>
+          <a:effectLst>
+            <a:outerShdw blurRad="40000" dist="23000" dir="5400000" rotWithShape="0">
+              <a:srgbClr val="000000">
+                <a:alpha val="35000"/>
+              </a:srgbClr>
+            </a:outerShdw>
+          </a:effectLst>
+        </a:effectStyle>
+        <a:effectStyle>
+          <a:effectLst>
+            <a:outerShdw blurRad="40000" dist="23000" dir="5400000" rotWithShape="0">
+              <a:srgbClr val="000000">
+                <a:alpha val="35000"/>
+              </a:srgbClr>
+            </a:outerShdw>
+          </a:effectLst>
+          <a:scene3d>
+            <a:camera prst="orthographicFront">
+              <a:rot lat="0" lon="0" rev="0"/>
+            </a:camera>
+            <a:lightRig rig="threePt" dir="t">
+              <a:rot lat="0" lon="0" rev="1200000"/>
+            </a:lightRig>
+          </a:scene3d>
+          <a:sp3d>
+            <a:bevelT w="63500" h="25400"/>
+          </a:sp3d>
+        </a:effectStyle>
+      </a:effectStyleLst>
+      <a:bgFillStyleLst>
+        <a:solidFill>
+          <a:schemeClr val="phClr"/>
+        </a:solidFill>
+        <a:gradFill rotWithShape="1">
+          <a:gsLst>
+            <a:gs pos="0">
+              <a:schemeClr val="phClr">
+                <a:tint val="40000"/>
+                <a:satMod val="350000"/>
+              </a:schemeClr>
+            </a:gs>
+            <a:gs pos="40000">
+              <a:schemeClr val="phClr">
+                <a:tint val="45000"/>
+                <a:shade val="99000"/>
+                <a:satMod val="350000"/>
+              </a:schemeClr>
+            </a:gs>
+            <a:gs pos="100000">
+              <a:schemeClr val="phClr">
+                <a:shade val="20000"/>
+                <a:satMod val="255000"/>
+              </a:schemeClr>
+            </a:gs>
+          </a:gsLst>
+          <a:path path="circle">
+            <a:fillToRect l="50000" t="-80000" r="50000" b="180000"/>
+          </a:path>
+        </a:gradFill>
+        <a:gradFill rotWithShape="1">
+          <a:gsLst>
+            <a:gs pos="0">
+              <a:schemeClr val="phClr">
+                <a:tint val="80000"/>
+                <a:satMod val="300000"/>
+              </a:schemeClr>
+            </a:gs>
+            <a:gs pos="100000">
+              <a:schemeClr val="phClr">
+                <a:shade val="30000"/>
+                <a:satMod val="200000"/>
+              </a:schemeClr>
+            </a:gs>
+          </a:gsLst>
+          <a:path path="circle">
+            <a:fillToRect l="50000" t="50000" r="50000" b="50000"/>
+          </a:path>
+        </a:gradFill>
+      </a:bgFillStyleLst>
+    </a:fmtScheme>
+  </a:themeElements>
+</a:theme>
+</file>
+
+<file path=ppt/theme/theme2.xml><?xml version="1.0" encoding="utf-8"?>
 <a:theme xmlns:a="http://schemas.openxmlformats.org/drawingml/2006/main" xmlns:r="http://schemas.openxmlformats.org/officeDocument/2006/relationships">
   <a:themeElements>
     <a:clrScheme name="Default">
@@ -9994,283 +11596,4 @@
     </a:fmtScheme>
   </a:themeElements>
 </a:theme>
-</file>
-
-<file path=ppt/theme/theme2.xml><?xml version="1.0" encoding="utf-8"?>
-<a:theme xmlns:a="http://schemas.openxmlformats.org/drawingml/2006/main" xmlns:r="http://schemas.openxmlformats.org/officeDocument/2006/relationships" name="1_Activeeon Presentation Template">
-  <a:themeElements>
-    <a:clrScheme name="AE Blue">
-      <a:dk1>
-        <a:srgbClr val="000000"/>
-      </a:dk1>
-      <a:lt1>
-        <a:srgbClr val="FFFFFF"/>
-      </a:lt1>
-      <a:dk2>
-        <a:srgbClr val="53585F"/>
-      </a:dk2>
-      <a:lt2>
-        <a:srgbClr val="DCDEE0"/>
-      </a:lt2>
-      <a:accent1>
-        <a:srgbClr val="253A65"/>
-      </a:accent1>
-      <a:accent2>
-        <a:srgbClr val="00882B"/>
-      </a:accent2>
-      <a:accent3>
-        <a:srgbClr val="DCBD23"/>
-      </a:accent3>
-      <a:accent4>
-        <a:srgbClr val="DE6A10"/>
-      </a:accent4>
-      <a:accent5>
-        <a:srgbClr val="C82506"/>
-      </a:accent5>
-      <a:accent6>
-        <a:srgbClr val="773F9B"/>
-      </a:accent6>
-      <a:hlink>
-        <a:srgbClr val="0000FF"/>
-      </a:hlink>
-      <a:folHlink>
-        <a:srgbClr val="FF00FF"/>
-      </a:folHlink>
-    </a:clrScheme>
-    <a:fontScheme name="Office">
-      <a:majorFont>
-        <a:latin typeface="Arial"/>
-        <a:ea typeface=""/>
-        <a:cs typeface=""/>
-        <a:font script="Jpan" typeface="ＭＳ Ｐゴシック"/>
-        <a:font script="Hang" typeface="맑은 고딕"/>
-        <a:font script="Hans" typeface="宋体"/>
-        <a:font script="Hant" typeface="新細明體"/>
-        <a:font script="Arab" typeface="Times New Roman"/>
-        <a:font script="Hebr" typeface="Times New Roman"/>
-        <a:font script="Thai" typeface="Angsana New"/>
-        <a:font script="Ethi" typeface="Nyala"/>
-        <a:font script="Beng" typeface="Vrinda"/>
-        <a:font script="Gujr" typeface="Shruti"/>
-        <a:font script="Khmr" typeface="MoolBoran"/>
-        <a:font script="Knda" typeface="Tunga"/>
-        <a:font script="Guru" typeface="Raavi"/>
-        <a:font script="Cans" typeface="Euphemia"/>
-        <a:font script="Cher" typeface="Plantagenet Cherokee"/>
-        <a:font script="Yiii" typeface="Microsoft Yi Baiti"/>
-        <a:font script="Tibt" typeface="Microsoft Himalaya"/>
-        <a:font script="Thaa" typeface="MV Boli"/>
-        <a:font script="Deva" typeface="Mangal"/>
-        <a:font script="Telu" typeface="Gautami"/>
-        <a:font script="Taml" typeface="Latha"/>
-        <a:font script="Syrc" typeface="Estrangelo Edessa"/>
-        <a:font script="Orya" typeface="Kalinga"/>
-        <a:font script="Mlym" typeface="Kartika"/>
-        <a:font script="Laoo" typeface="DokChampa"/>
-        <a:font script="Sinh" typeface="Iskoola Pota"/>
-        <a:font script="Mong" typeface="Mongolian Baiti"/>
-        <a:font script="Viet" typeface="Times New Roman"/>
-        <a:font script="Uigh" typeface="Microsoft Uighur"/>
-        <a:font script="Geor" typeface="Sylfaen"/>
-      </a:majorFont>
-      <a:minorFont>
-        <a:latin typeface="Arial"/>
-        <a:ea typeface=""/>
-        <a:cs typeface=""/>
-        <a:font script="Jpan" typeface="ＭＳ Ｐゴシック"/>
-        <a:font script="Hang" typeface="맑은 고딕"/>
-        <a:font script="Hans" typeface="宋体"/>
-        <a:font script="Hant" typeface="新細明體"/>
-        <a:font script="Arab" typeface="Arial"/>
-        <a:font script="Hebr" typeface="Arial"/>
-        <a:font script="Thai" typeface="Cordia New"/>
-        <a:font script="Ethi" typeface="Nyala"/>
-        <a:font script="Beng" typeface="Vrinda"/>
-        <a:font script="Gujr" typeface="Shruti"/>
-        <a:font script="Khmr" typeface="DaunPenh"/>
-        <a:font script="Knda" typeface="Tunga"/>
-        <a:font script="Guru" typeface="Raavi"/>
-        <a:font script="Cans" typeface="Euphemia"/>
-        <a:font script="Cher" typeface="Plantagenet Cherokee"/>
-        <a:font script="Yiii" typeface="Microsoft Yi Baiti"/>
-        <a:font script="Tibt" typeface="Microsoft Himalaya"/>
-        <a:font script="Thaa" typeface="MV Boli"/>
-        <a:font script="Deva" typeface="Mangal"/>
-        <a:font script="Telu" typeface="Gautami"/>
-        <a:font script="Taml" typeface="Latha"/>
-        <a:font script="Syrc" typeface="Estrangelo Edessa"/>
-        <a:font script="Orya" typeface="Kalinga"/>
-        <a:font script="Mlym" typeface="Kartika"/>
-        <a:font script="Laoo" typeface="DokChampa"/>
-        <a:font script="Sinh" typeface="Iskoola Pota"/>
-        <a:font script="Mong" typeface="Mongolian Baiti"/>
-        <a:font script="Viet" typeface="Arial"/>
-        <a:font script="Uigh" typeface="Microsoft Uighur"/>
-        <a:font script="Geor" typeface="Sylfaen"/>
-      </a:minorFont>
-    </a:fontScheme>
-    <a:fmtScheme name="Office">
-      <a:fillStyleLst>
-        <a:solidFill>
-          <a:schemeClr val="phClr"/>
-        </a:solidFill>
-        <a:gradFill rotWithShape="1">
-          <a:gsLst>
-            <a:gs pos="0">
-              <a:schemeClr val="phClr">
-                <a:tint val="50000"/>
-                <a:satMod val="300000"/>
-              </a:schemeClr>
-            </a:gs>
-            <a:gs pos="35000">
-              <a:schemeClr val="phClr">
-                <a:tint val="37000"/>
-                <a:satMod val="300000"/>
-              </a:schemeClr>
-            </a:gs>
-            <a:gs pos="100000">
-              <a:schemeClr val="phClr">
-                <a:tint val="15000"/>
-                <a:satMod val="350000"/>
-              </a:schemeClr>
-            </a:gs>
-          </a:gsLst>
-          <a:lin ang="16200000" scaled="1"/>
-        </a:gradFill>
-        <a:gradFill rotWithShape="1">
-          <a:gsLst>
-            <a:gs pos="0">
-              <a:schemeClr val="phClr">
-                <a:tint val="100000"/>
-                <a:shade val="100000"/>
-                <a:satMod val="130000"/>
-              </a:schemeClr>
-            </a:gs>
-            <a:gs pos="100000">
-              <a:schemeClr val="phClr">
-                <a:tint val="50000"/>
-                <a:shade val="100000"/>
-                <a:satMod val="350000"/>
-              </a:schemeClr>
-            </a:gs>
-          </a:gsLst>
-          <a:lin ang="16200000" scaled="0"/>
-        </a:gradFill>
-      </a:fillStyleLst>
-      <a:lnStyleLst>
-        <a:ln w="9525" cap="flat" cmpd="sng" algn="ctr">
-          <a:solidFill>
-            <a:schemeClr val="phClr">
-              <a:shade val="95000"/>
-              <a:satMod val="105000"/>
-            </a:schemeClr>
-          </a:solidFill>
-          <a:prstDash val="solid"/>
-        </a:ln>
-        <a:ln w="25400" cap="flat" cmpd="sng" algn="ctr">
-          <a:solidFill>
-            <a:schemeClr val="phClr"/>
-          </a:solidFill>
-          <a:prstDash val="solid"/>
-        </a:ln>
-        <a:ln w="38100" cap="flat" cmpd="sng" algn="ctr">
-          <a:solidFill>
-            <a:schemeClr val="phClr"/>
-          </a:solidFill>
-          <a:prstDash val="solid"/>
-        </a:ln>
-      </a:lnStyleLst>
-      <a:effectStyleLst>
-        <a:effectStyle>
-          <a:effectLst>
-            <a:outerShdw blurRad="40000" dist="20000" dir="5400000" rotWithShape="0">
-              <a:srgbClr val="000000">
-                <a:alpha val="38000"/>
-              </a:srgbClr>
-            </a:outerShdw>
-          </a:effectLst>
-        </a:effectStyle>
-        <a:effectStyle>
-          <a:effectLst>
-            <a:outerShdw blurRad="40000" dist="23000" dir="5400000" rotWithShape="0">
-              <a:srgbClr val="000000">
-                <a:alpha val="35000"/>
-              </a:srgbClr>
-            </a:outerShdw>
-          </a:effectLst>
-        </a:effectStyle>
-        <a:effectStyle>
-          <a:effectLst>
-            <a:outerShdw blurRad="40000" dist="23000" dir="5400000" rotWithShape="0">
-              <a:srgbClr val="000000">
-                <a:alpha val="35000"/>
-              </a:srgbClr>
-            </a:outerShdw>
-          </a:effectLst>
-          <a:scene3d>
-            <a:camera prst="orthographicFront">
-              <a:rot lat="0" lon="0" rev="0"/>
-            </a:camera>
-            <a:lightRig rig="threePt" dir="t">
-              <a:rot lat="0" lon="0" rev="1200000"/>
-            </a:lightRig>
-          </a:scene3d>
-          <a:sp3d>
-            <a:bevelT w="63500" h="25400"/>
-          </a:sp3d>
-        </a:effectStyle>
-      </a:effectStyleLst>
-      <a:bgFillStyleLst>
-        <a:solidFill>
-          <a:schemeClr val="phClr"/>
-        </a:solidFill>
-        <a:gradFill rotWithShape="1">
-          <a:gsLst>
-            <a:gs pos="0">
-              <a:schemeClr val="phClr">
-                <a:tint val="40000"/>
-                <a:satMod val="350000"/>
-              </a:schemeClr>
-            </a:gs>
-            <a:gs pos="40000">
-              <a:schemeClr val="phClr">
-                <a:tint val="45000"/>
-                <a:shade val="99000"/>
-                <a:satMod val="350000"/>
-              </a:schemeClr>
-            </a:gs>
-            <a:gs pos="100000">
-              <a:schemeClr val="phClr">
-                <a:shade val="20000"/>
-                <a:satMod val="255000"/>
-              </a:schemeClr>
-            </a:gs>
-          </a:gsLst>
-          <a:path path="circle">
-            <a:fillToRect l="50000" t="-80000" r="50000" b="180000"/>
-          </a:path>
-        </a:gradFill>
-        <a:gradFill rotWithShape="1">
-          <a:gsLst>
-            <a:gs pos="0">
-              <a:schemeClr val="phClr">
-                <a:tint val="80000"/>
-                <a:satMod val="300000"/>
-              </a:schemeClr>
-            </a:gs>
-            <a:gs pos="100000">
-              <a:schemeClr val="phClr">
-                <a:shade val="30000"/>
-                <a:satMod val="200000"/>
-              </a:schemeClr>
-            </a:gs>
-          </a:gsLst>
-          <a:path path="circle">
-            <a:fillToRect l="50000" t="50000" r="50000" b="50000"/>
-          </a:path>
-        </a:gradFill>
-      </a:bgFillStyleLst>
-    </a:fmtScheme>
-  </a:themeElements>
-</a:theme>
 </file>